--- a/Day_1_Ethnobotany course in Kunming.pptx
+++ b/Day_1_Ethnobotany course in Kunming.pptx
@@ -1,24 +1,24 @@
 
 <file path=ppt/presentation.xml><?xml version="1.0" encoding="utf-8"?>
-<p:presentation xmlns:a="http://schemas.openxmlformats.org/drawingml/2006/main" xmlns:r="http://schemas.openxmlformats.org/officeDocument/2006/relationships" xmlns:mc="http://schemas.openxmlformats.org/markup-compatibility/2006" xmlns:mv="urn:schemas-microsoft-com:mac:vml" xmlns:p="http://schemas.openxmlformats.org/presentationml/2006/main" xmlns:c="http://schemas.openxmlformats.org/drawingml/2006/chart" xmlns:dgm="http://schemas.openxmlformats.org/drawingml/2006/diagram" xmlns:o="urn:schemas-microsoft-com:office:office" xmlns:v="urn:schemas-microsoft-com:vml" xmlns:pvml="urn:schemas-microsoft-com:office:powerpoint" xmlns:com="http://schemas.openxmlformats.org/drawingml/2006/compatibility" xmlns:p14="http://schemas.microsoft.com/office/powerpoint/2010/main" xmlns:p15="http://schemas.microsoft.com/office/powerpoint/2012/main" autoCompressPictures="0" strictFirstAndLastChars="0" saveSubsetFonts="1" showSpecialPlsOnTitleSld="0">
+<p:presentation xmlns:a="http://schemas.openxmlformats.org/drawingml/2006/main" xmlns:r="http://schemas.openxmlformats.org/officeDocument/2006/relationships" xmlns:p="http://schemas.openxmlformats.org/presentationml/2006/main" showSpecialPlsOnTitleSld="0" strictFirstAndLastChars="0" saveSubsetFonts="1" autoCompressPictures="0">
   <p:sldMasterIdLst>
-    <p:sldMasterId id="2147483659" r:id="rId4"/>
+    <p:sldMasterId id="2147483659" r:id="rId1"/>
   </p:sldMasterIdLst>
   <p:notesMasterIdLst>
-    <p:notesMasterId r:id="rId5"/>
+    <p:notesMasterId r:id="rId8"/>
   </p:notesMasterIdLst>
   <p:sldIdLst>
-    <p:sldId id="256" r:id="rId6"/>
-    <p:sldId id="257" r:id="rId7"/>
-    <p:sldId id="258" r:id="rId8"/>
-    <p:sldId id="259" r:id="rId9"/>
-    <p:sldId id="260" r:id="rId10"/>
-    <p:sldId id="261" r:id="rId11"/>
+    <p:sldId id="256" r:id="rId2"/>
+    <p:sldId id="257" r:id="rId3"/>
+    <p:sldId id="258" r:id="rId4"/>
+    <p:sldId id="259" r:id="rId5"/>
+    <p:sldId id="260" r:id="rId6"/>
+    <p:sldId id="261" r:id="rId7"/>
   </p:sldIdLst>
-  <p:sldSz cy="5143500" cx="9144000"/>
+  <p:sldSz cx="9144000" cy="5143500" type="screen16x9"/>
   <p:notesSz cx="6858000" cy="9144000"/>
   <p:defaultTextStyle>
-    <a:defPPr lvl="0" marR="0" rtl="0" algn="l">
+    <a:defPPr marR="0" lvl="0" algn="l" rtl="0">
       <a:lnSpc>
         <a:spcPct val="100000"/>
       </a:lnSpc>
@@ -29,7 +29,7 @@
         <a:spcPts val="0"/>
       </a:spcAft>
     </a:defPPr>
-    <a:lvl1pPr lvl="0" marR="0" rtl="0" algn="l">
+    <a:lvl1pPr marR="0" lvl="0" algn="l" rtl="0">
       <a:lnSpc>
         <a:spcPct val="100000"/>
       </a:lnSpc>
@@ -43,7 +43,7 @@
         <a:srgbClr val="000000"/>
       </a:buClr>
       <a:buFont typeface="Arial"/>
-      <a:defRPr b="0" i="0" sz="1400" u="none" cap="none" strike="noStrike">
+      <a:defRPr sz="1400" b="0" i="0" u="none" strike="noStrike" cap="none">
         <a:solidFill>
           <a:srgbClr val="000000"/>
         </a:solidFill>
@@ -53,7 +53,7 @@
         <a:sym typeface="Arial"/>
       </a:defRPr>
     </a:lvl1pPr>
-    <a:lvl2pPr lvl="1" marR="0" rtl="0" algn="l">
+    <a:lvl2pPr marR="0" lvl="1" algn="l" rtl="0">
       <a:lnSpc>
         <a:spcPct val="100000"/>
       </a:lnSpc>
@@ -67,7 +67,7 @@
         <a:srgbClr val="000000"/>
       </a:buClr>
       <a:buFont typeface="Arial"/>
-      <a:defRPr b="0" i="0" sz="1400" u="none" cap="none" strike="noStrike">
+      <a:defRPr sz="1400" b="0" i="0" u="none" strike="noStrike" cap="none">
         <a:solidFill>
           <a:srgbClr val="000000"/>
         </a:solidFill>
@@ -77,7 +77,7 @@
         <a:sym typeface="Arial"/>
       </a:defRPr>
     </a:lvl2pPr>
-    <a:lvl3pPr lvl="2" marR="0" rtl="0" algn="l">
+    <a:lvl3pPr marR="0" lvl="2" algn="l" rtl="0">
       <a:lnSpc>
         <a:spcPct val="100000"/>
       </a:lnSpc>
@@ -91,7 +91,7 @@
         <a:srgbClr val="000000"/>
       </a:buClr>
       <a:buFont typeface="Arial"/>
-      <a:defRPr b="0" i="0" sz="1400" u="none" cap="none" strike="noStrike">
+      <a:defRPr sz="1400" b="0" i="0" u="none" strike="noStrike" cap="none">
         <a:solidFill>
           <a:srgbClr val="000000"/>
         </a:solidFill>
@@ -101,7 +101,7 @@
         <a:sym typeface="Arial"/>
       </a:defRPr>
     </a:lvl3pPr>
-    <a:lvl4pPr lvl="3" marR="0" rtl="0" algn="l">
+    <a:lvl4pPr marR="0" lvl="3" algn="l" rtl="0">
       <a:lnSpc>
         <a:spcPct val="100000"/>
       </a:lnSpc>
@@ -115,7 +115,7 @@
         <a:srgbClr val="000000"/>
       </a:buClr>
       <a:buFont typeface="Arial"/>
-      <a:defRPr b="0" i="0" sz="1400" u="none" cap="none" strike="noStrike">
+      <a:defRPr sz="1400" b="0" i="0" u="none" strike="noStrike" cap="none">
         <a:solidFill>
           <a:srgbClr val="000000"/>
         </a:solidFill>
@@ -125,7 +125,7 @@
         <a:sym typeface="Arial"/>
       </a:defRPr>
     </a:lvl4pPr>
-    <a:lvl5pPr lvl="4" marR="0" rtl="0" algn="l">
+    <a:lvl5pPr marR="0" lvl="4" algn="l" rtl="0">
       <a:lnSpc>
         <a:spcPct val="100000"/>
       </a:lnSpc>
@@ -139,7 +139,7 @@
         <a:srgbClr val="000000"/>
       </a:buClr>
       <a:buFont typeface="Arial"/>
-      <a:defRPr b="0" i="0" sz="1400" u="none" cap="none" strike="noStrike">
+      <a:defRPr sz="1400" b="0" i="0" u="none" strike="noStrike" cap="none">
         <a:solidFill>
           <a:srgbClr val="000000"/>
         </a:solidFill>
@@ -149,7 +149,7 @@
         <a:sym typeface="Arial"/>
       </a:defRPr>
     </a:lvl5pPr>
-    <a:lvl6pPr lvl="5" marR="0" rtl="0" algn="l">
+    <a:lvl6pPr marR="0" lvl="5" algn="l" rtl="0">
       <a:lnSpc>
         <a:spcPct val="100000"/>
       </a:lnSpc>
@@ -163,7 +163,7 @@
         <a:srgbClr val="000000"/>
       </a:buClr>
       <a:buFont typeface="Arial"/>
-      <a:defRPr b="0" i="0" sz="1400" u="none" cap="none" strike="noStrike">
+      <a:defRPr sz="1400" b="0" i="0" u="none" strike="noStrike" cap="none">
         <a:solidFill>
           <a:srgbClr val="000000"/>
         </a:solidFill>
@@ -173,7 +173,7 @@
         <a:sym typeface="Arial"/>
       </a:defRPr>
     </a:lvl6pPr>
-    <a:lvl7pPr lvl="6" marR="0" rtl="0" algn="l">
+    <a:lvl7pPr marR="0" lvl="6" algn="l" rtl="0">
       <a:lnSpc>
         <a:spcPct val="100000"/>
       </a:lnSpc>
@@ -187,7 +187,7 @@
         <a:srgbClr val="000000"/>
       </a:buClr>
       <a:buFont typeface="Arial"/>
-      <a:defRPr b="0" i="0" sz="1400" u="none" cap="none" strike="noStrike">
+      <a:defRPr sz="1400" b="0" i="0" u="none" strike="noStrike" cap="none">
         <a:solidFill>
           <a:srgbClr val="000000"/>
         </a:solidFill>
@@ -197,7 +197,7 @@
         <a:sym typeface="Arial"/>
       </a:defRPr>
     </a:lvl7pPr>
-    <a:lvl8pPr lvl="7" marR="0" rtl="0" algn="l">
+    <a:lvl8pPr marR="0" lvl="7" algn="l" rtl="0">
       <a:lnSpc>
         <a:spcPct val="100000"/>
       </a:lnSpc>
@@ -211,7 +211,7 @@
         <a:srgbClr val="000000"/>
       </a:buClr>
       <a:buFont typeface="Arial"/>
-      <a:defRPr b="0" i="0" sz="1400" u="none" cap="none" strike="noStrike">
+      <a:defRPr sz="1400" b="0" i="0" u="none" strike="noStrike" cap="none">
         <a:solidFill>
           <a:srgbClr val="000000"/>
         </a:solidFill>
@@ -221,7 +221,7 @@
         <a:sym typeface="Arial"/>
       </a:defRPr>
     </a:lvl8pPr>
-    <a:lvl9pPr lvl="8" marR="0" rtl="0" algn="l">
+    <a:lvl9pPr marR="0" lvl="8" algn="l" rtl="0">
       <a:lnSpc>
         <a:spcPct val="100000"/>
       </a:lnSpc>
@@ -235,7 +235,7 @@
         <a:srgbClr val="000000"/>
       </a:buClr>
       <a:buFont typeface="Arial"/>
-      <a:defRPr b="0" i="0" sz="1400" u="none" cap="none" strike="noStrike">
+      <a:defRPr sz="1400" b="0" i="0" u="none" strike="noStrike" cap="none">
         <a:solidFill>
           <a:srgbClr val="000000"/>
         </a:solidFill>
@@ -248,7 +248,7 @@
   </p:defaultTextStyle>
   <p:extLst>
     <p:ext uri="{EFAFB233-063F-42B5-8137-9DF3F51BA10A}">
-      <p15:sldGuideLst>
+      <p15:sldGuideLst xmlns:p15="http://schemas.microsoft.com/office/powerpoint/2012/main" xmlns:p14="http://schemas.microsoft.com/office/powerpoint/2010/main" xmlns:com="http://schemas.openxmlformats.org/drawingml/2006/compatibility" xmlns:pvml="urn:schemas-microsoft-com:office:powerpoint" xmlns:v="urn:schemas-microsoft-com:vml" xmlns:o="urn:schemas-microsoft-com:office:office" xmlns:dgm="http://schemas.openxmlformats.org/drawingml/2006/diagram" xmlns:c="http://schemas.openxmlformats.org/drawingml/2006/chart" xmlns:mv="urn:schemas-microsoft-com:mac:vml" xmlns:mc="http://schemas.openxmlformats.org/markup-compatibility/2006" xmlns="">
         <p15:guide id="1" orient="horz" pos="1620">
           <p15:clr>
             <a:srgbClr val="A4A3A4"/>
@@ -266,11 +266,16 @@
 </file>
 
 <file path=ppt/notesMasters/notesMaster1.xml><?xml version="1.0" encoding="utf-8"?>
-<p:notesMaster xmlns:a="http://schemas.openxmlformats.org/drawingml/2006/main" xmlns:r="http://schemas.openxmlformats.org/officeDocument/2006/relationships" xmlns:mc="http://schemas.openxmlformats.org/markup-compatibility/2006" xmlns:mv="urn:schemas-microsoft-com:mac:vml" xmlns:p="http://schemas.openxmlformats.org/presentationml/2006/main" xmlns:c="http://schemas.openxmlformats.org/drawingml/2006/chart" xmlns:dgm="http://schemas.openxmlformats.org/drawingml/2006/diagram" xmlns:o="urn:schemas-microsoft-com:office:office" xmlns:v="urn:schemas-microsoft-com:vml" xmlns:pvml="urn:schemas-microsoft-com:office:powerpoint" xmlns:com="http://schemas.openxmlformats.org/drawingml/2006/compatibility" xmlns:p14="http://schemas.microsoft.com/office/powerpoint/2010/main" xmlns:p15="http://schemas.microsoft.com/office/powerpoint/2012/main">
+<p:notesMaster xmlns:a="http://schemas.openxmlformats.org/drawingml/2006/main" xmlns:r="http://schemas.openxmlformats.org/officeDocument/2006/relationships" xmlns:p="http://schemas.openxmlformats.org/presentationml/2006/main">
   <p:cSld>
+    <p:bg>
+      <p:bgRef idx="1001">
+        <a:schemeClr val="bg1"/>
+      </p:bgRef>
+    </p:bg>
     <p:spTree>
       <p:nvGrpSpPr>
-        <p:cNvPr id="2" name="Shape 2"/>
+        <p:cNvPr id="1" name="Shape 2"/>
         <p:cNvGrpSpPr/>
         <p:nvPr/>
       </p:nvGrpSpPr>
@@ -285,9 +290,11 @@
       <p:sp>
         <p:nvSpPr>
           <p:cNvPr id="3" name="Google Shape;3;n"/>
-          <p:cNvSpPr/>
+          <p:cNvSpPr>
+            <a:spLocks noGrp="1" noRot="1" noChangeAspect="1"/>
+          </p:cNvSpPr>
           <p:nvPr>
-            <p:ph idx="2" type="sldImg"/>
+            <p:ph type="sldImg" idx="2"/>
           </p:nvPr>
         </p:nvSpPr>
         <p:spPr>
@@ -296,9 +303,13 @@
             <a:ext cx="6096075" cy="3429000"/>
           </a:xfrm>
           <a:custGeom>
-            <a:rect b="b" l="l" r="r" t="t"/>
+            <a:avLst/>
+            <a:gdLst/>
+            <a:ahLst/>
+            <a:cxnLst/>
+            <a:rect l="l" t="t" r="r" b="b"/>
             <a:pathLst>
-              <a:path extrusionOk="0" h="120000" w="120000">
+              <a:path w="120000" h="120000" extrusionOk="0">
                 <a:moveTo>
                   <a:pt x="0" y="0"/>
                 </a:moveTo>
@@ -316,23 +327,25 @@
             </a:pathLst>
           </a:custGeom>
           <a:noFill/>
-          <a:ln cap="flat" cmpd="sng" w="9525">
+          <a:ln w="9525" cap="flat" cmpd="sng">
             <a:solidFill>
               <a:srgbClr val="000000"/>
             </a:solidFill>
             <a:prstDash val="solid"/>
             <a:round/>
-            <a:headEnd len="sm" w="sm" type="none"/>
-            <a:tailEnd len="sm" w="sm" type="none"/>
+            <a:headEnd type="none" w="sm" len="sm"/>
+            <a:tailEnd type="none" w="sm" len="sm"/>
           </a:ln>
         </p:spPr>
       </p:sp>
       <p:sp>
         <p:nvSpPr>
           <p:cNvPr id="4" name="Google Shape;4;n"/>
-          <p:cNvSpPr txBox="1"/>
+          <p:cNvSpPr txBox="1">
+            <a:spLocks noGrp="1"/>
+          </p:cNvSpPr>
           <p:nvPr>
-            <p:ph idx="1" type="body"/>
+            <p:ph type="body" idx="1"/>
           </p:nvPr>
         </p:nvSpPr>
         <p:spPr>
@@ -349,11 +362,11 @@
           </a:ln>
         </p:spPr>
         <p:txBody>
-          <a:bodyPr anchorCtr="0" anchor="t" bIns="91425" lIns="91425" spcFirstLastPara="1" rIns="91425" wrap="square" tIns="91425">
+          <a:bodyPr spcFirstLastPara="1" wrap="square" lIns="91425" tIns="91425" rIns="91425" bIns="91425" anchor="t" anchorCtr="0">
             <a:noAutofit/>
           </a:bodyPr>
           <a:lstStyle>
-            <a:lvl1pPr indent="-298450" lvl="0" marL="457200">
+            <a:lvl1pPr marL="457200" lvl="0" indent="-298450">
               <a:spcBef>
                 <a:spcPts val="0"/>
               </a:spcBef>
@@ -364,7 +377,7 @@
               <a:buChar char="●"/>
               <a:defRPr sz="1100"/>
             </a:lvl1pPr>
-            <a:lvl2pPr indent="-298450" lvl="1" marL="914400">
+            <a:lvl2pPr marL="914400" lvl="1" indent="-298450">
               <a:spcBef>
                 <a:spcPts val="0"/>
               </a:spcBef>
@@ -375,7 +388,7 @@
               <a:buChar char="○"/>
               <a:defRPr sz="1100"/>
             </a:lvl2pPr>
-            <a:lvl3pPr indent="-298450" lvl="2" marL="1371600">
+            <a:lvl3pPr marL="1371600" lvl="2" indent="-298450">
               <a:spcBef>
                 <a:spcPts val="0"/>
               </a:spcBef>
@@ -386,7 +399,7 @@
               <a:buChar char="■"/>
               <a:defRPr sz="1100"/>
             </a:lvl3pPr>
-            <a:lvl4pPr indent="-298450" lvl="3" marL="1828800">
+            <a:lvl4pPr marL="1828800" lvl="3" indent="-298450">
               <a:spcBef>
                 <a:spcPts val="0"/>
               </a:spcBef>
@@ -397,7 +410,7 @@
               <a:buChar char="●"/>
               <a:defRPr sz="1100"/>
             </a:lvl4pPr>
-            <a:lvl5pPr indent="-298450" lvl="4" marL="2286000">
+            <a:lvl5pPr marL="2286000" lvl="4" indent="-298450">
               <a:spcBef>
                 <a:spcPts val="0"/>
               </a:spcBef>
@@ -408,7 +421,7 @@
               <a:buChar char="○"/>
               <a:defRPr sz="1100"/>
             </a:lvl5pPr>
-            <a:lvl6pPr indent="-298450" lvl="5" marL="2743200">
+            <a:lvl6pPr marL="2743200" lvl="5" indent="-298450">
               <a:spcBef>
                 <a:spcPts val="0"/>
               </a:spcBef>
@@ -419,7 +432,7 @@
               <a:buChar char="■"/>
               <a:defRPr sz="1100"/>
             </a:lvl6pPr>
-            <a:lvl7pPr indent="-298450" lvl="6" marL="3200400">
+            <a:lvl7pPr marL="3200400" lvl="6" indent="-298450">
               <a:spcBef>
                 <a:spcPts val="0"/>
               </a:spcBef>
@@ -430,7 +443,7 @@
               <a:buChar char="●"/>
               <a:defRPr sz="1100"/>
             </a:lvl7pPr>
-            <a:lvl8pPr indent="-298450" lvl="7" marL="3657600">
+            <a:lvl8pPr marL="3657600" lvl="7" indent="-298450">
               <a:spcBef>
                 <a:spcPts val="0"/>
               </a:spcBef>
@@ -441,7 +454,7 @@
               <a:buChar char="○"/>
               <a:defRPr sz="1100"/>
             </a:lvl8pPr>
-            <a:lvl9pPr indent="-298450" lvl="8" marL="4114800">
+            <a:lvl9pPr marL="4114800" lvl="8" indent="-298450">
               <a:spcBef>
                 <a:spcPts val="0"/>
               </a:spcBef>
@@ -453,14 +466,21 @@
               <a:defRPr sz="1100"/>
             </a:lvl9pPr>
           </a:lstStyle>
-          <a:p/>
+          <a:p>
+            <a:endParaRPr/>
+          </a:p>
         </p:txBody>
       </p:sp>
     </p:spTree>
+    <p:extLst>
+      <p:ext uri="{BB962C8B-B14F-4D97-AF65-F5344CB8AC3E}">
+        <p14:creationId xmlns:p14="http://schemas.microsoft.com/office/powerpoint/2010/main" val="2579316951"/>
+      </p:ext>
+    </p:extLst>
   </p:cSld>
-  <p:clrMap accent1="accent1" accent2="accent2" accent3="accent3" accent4="accent4" accent5="accent5" accent6="accent6" bg1="lt1" bg2="dk2" tx1="dk1" tx2="lt2" folHlink="folHlink" hlink="hlink"/>
+  <p:clrMap bg1="lt1" tx1="dk1" bg2="dk2" tx2="lt2" accent1="accent1" accent2="accent2" accent3="accent3" accent4="accent4" accent5="accent5" accent6="accent6" hlink="hlink" folHlink="folHlink"/>
   <p:notesStyle>
-    <a:defPPr lvl="0" marR="0" rtl="0" algn="l">
+    <a:defPPr marR="0" lvl="0" algn="l" rtl="0">
       <a:lnSpc>
         <a:spcPct val="100000"/>
       </a:lnSpc>
@@ -471,7 +491,7 @@
         <a:spcPts val="0"/>
       </a:spcAft>
     </a:defPPr>
-    <a:lvl1pPr lvl="0" marR="0" rtl="0" algn="l">
+    <a:lvl1pPr marR="0" lvl="0" algn="l" rtl="0">
       <a:lnSpc>
         <a:spcPct val="100000"/>
       </a:lnSpc>
@@ -485,7 +505,7 @@
         <a:srgbClr val="000000"/>
       </a:buClr>
       <a:buFont typeface="Arial"/>
-      <a:defRPr b="0" i="0" sz="1400" u="none" cap="none" strike="noStrike">
+      <a:defRPr sz="1400" b="0" i="0" u="none" strike="noStrike" cap="none">
         <a:solidFill>
           <a:srgbClr val="000000"/>
         </a:solidFill>
@@ -495,7 +515,7 @@
         <a:sym typeface="Arial"/>
       </a:defRPr>
     </a:lvl1pPr>
-    <a:lvl2pPr lvl="1" marR="0" rtl="0" algn="l">
+    <a:lvl2pPr marR="0" lvl="1" algn="l" rtl="0">
       <a:lnSpc>
         <a:spcPct val="100000"/>
       </a:lnSpc>
@@ -509,7 +529,7 @@
         <a:srgbClr val="000000"/>
       </a:buClr>
       <a:buFont typeface="Arial"/>
-      <a:defRPr b="0" i="0" sz="1400" u="none" cap="none" strike="noStrike">
+      <a:defRPr sz="1400" b="0" i="0" u="none" strike="noStrike" cap="none">
         <a:solidFill>
           <a:srgbClr val="000000"/>
         </a:solidFill>
@@ -519,7 +539,7 @@
         <a:sym typeface="Arial"/>
       </a:defRPr>
     </a:lvl2pPr>
-    <a:lvl3pPr lvl="2" marR="0" rtl="0" algn="l">
+    <a:lvl3pPr marR="0" lvl="2" algn="l" rtl="0">
       <a:lnSpc>
         <a:spcPct val="100000"/>
       </a:lnSpc>
@@ -533,7 +553,7 @@
         <a:srgbClr val="000000"/>
       </a:buClr>
       <a:buFont typeface="Arial"/>
-      <a:defRPr b="0" i="0" sz="1400" u="none" cap="none" strike="noStrike">
+      <a:defRPr sz="1400" b="0" i="0" u="none" strike="noStrike" cap="none">
         <a:solidFill>
           <a:srgbClr val="000000"/>
         </a:solidFill>
@@ -543,7 +563,7 @@
         <a:sym typeface="Arial"/>
       </a:defRPr>
     </a:lvl3pPr>
-    <a:lvl4pPr lvl="3" marR="0" rtl="0" algn="l">
+    <a:lvl4pPr marR="0" lvl="3" algn="l" rtl="0">
       <a:lnSpc>
         <a:spcPct val="100000"/>
       </a:lnSpc>
@@ -557,7 +577,7 @@
         <a:srgbClr val="000000"/>
       </a:buClr>
       <a:buFont typeface="Arial"/>
-      <a:defRPr b="0" i="0" sz="1400" u="none" cap="none" strike="noStrike">
+      <a:defRPr sz="1400" b="0" i="0" u="none" strike="noStrike" cap="none">
         <a:solidFill>
           <a:srgbClr val="000000"/>
         </a:solidFill>
@@ -567,7 +587,7 @@
         <a:sym typeface="Arial"/>
       </a:defRPr>
     </a:lvl4pPr>
-    <a:lvl5pPr lvl="4" marR="0" rtl="0" algn="l">
+    <a:lvl5pPr marR="0" lvl="4" algn="l" rtl="0">
       <a:lnSpc>
         <a:spcPct val="100000"/>
       </a:lnSpc>
@@ -581,7 +601,7 @@
         <a:srgbClr val="000000"/>
       </a:buClr>
       <a:buFont typeface="Arial"/>
-      <a:defRPr b="0" i="0" sz="1400" u="none" cap="none" strike="noStrike">
+      <a:defRPr sz="1400" b="0" i="0" u="none" strike="noStrike" cap="none">
         <a:solidFill>
           <a:srgbClr val="000000"/>
         </a:solidFill>
@@ -591,7 +611,7 @@
         <a:sym typeface="Arial"/>
       </a:defRPr>
     </a:lvl5pPr>
-    <a:lvl6pPr lvl="5" marR="0" rtl="0" algn="l">
+    <a:lvl6pPr marR="0" lvl="5" algn="l" rtl="0">
       <a:lnSpc>
         <a:spcPct val="100000"/>
       </a:lnSpc>
@@ -605,7 +625,7 @@
         <a:srgbClr val="000000"/>
       </a:buClr>
       <a:buFont typeface="Arial"/>
-      <a:defRPr b="0" i="0" sz="1400" u="none" cap="none" strike="noStrike">
+      <a:defRPr sz="1400" b="0" i="0" u="none" strike="noStrike" cap="none">
         <a:solidFill>
           <a:srgbClr val="000000"/>
         </a:solidFill>
@@ -615,7 +635,7 @@
         <a:sym typeface="Arial"/>
       </a:defRPr>
     </a:lvl6pPr>
-    <a:lvl7pPr lvl="6" marR="0" rtl="0" algn="l">
+    <a:lvl7pPr marR="0" lvl="6" algn="l" rtl="0">
       <a:lnSpc>
         <a:spcPct val="100000"/>
       </a:lnSpc>
@@ -629,7 +649,7 @@
         <a:srgbClr val="000000"/>
       </a:buClr>
       <a:buFont typeface="Arial"/>
-      <a:defRPr b="0" i="0" sz="1400" u="none" cap="none" strike="noStrike">
+      <a:defRPr sz="1400" b="0" i="0" u="none" strike="noStrike" cap="none">
         <a:solidFill>
           <a:srgbClr val="000000"/>
         </a:solidFill>
@@ -639,7 +659,7 @@
         <a:sym typeface="Arial"/>
       </a:defRPr>
     </a:lvl7pPr>
-    <a:lvl8pPr lvl="7" marR="0" rtl="0" algn="l">
+    <a:lvl8pPr marR="0" lvl="7" algn="l" rtl="0">
       <a:lnSpc>
         <a:spcPct val="100000"/>
       </a:lnSpc>
@@ -653,7 +673,7 @@
         <a:srgbClr val="000000"/>
       </a:buClr>
       <a:buFont typeface="Arial"/>
-      <a:defRPr b="0" i="0" sz="1400" u="none" cap="none" strike="noStrike">
+      <a:defRPr sz="1400" b="0" i="0" u="none" strike="noStrike" cap="none">
         <a:solidFill>
           <a:srgbClr val="000000"/>
         </a:solidFill>
@@ -663,7 +683,7 @@
         <a:sym typeface="Arial"/>
       </a:defRPr>
     </a:lvl8pPr>
-    <a:lvl9pPr lvl="8" marR="0" rtl="0" algn="l">
+    <a:lvl9pPr marR="0" lvl="8" algn="l" rtl="0">
       <a:lnSpc>
         <a:spcPct val="100000"/>
       </a:lnSpc>
@@ -677,7 +697,7 @@
         <a:srgbClr val="000000"/>
       </a:buClr>
       <a:buFont typeface="Arial"/>
-      <a:defRPr b="0" i="0" sz="1400" u="none" cap="none" strike="noStrike">
+      <a:defRPr sz="1400" b="0" i="0" u="none" strike="noStrike" cap="none">
         <a:solidFill>
           <a:srgbClr val="000000"/>
         </a:solidFill>
@@ -692,11 +712,11 @@
 </file>
 
 <file path=ppt/notesSlides/notesSlide1.xml><?xml version="1.0" encoding="utf-8"?>
-<p:notes xmlns:a="http://schemas.openxmlformats.org/drawingml/2006/main" xmlns:r="http://schemas.openxmlformats.org/officeDocument/2006/relationships" xmlns:mc="http://schemas.openxmlformats.org/markup-compatibility/2006" xmlns:mv="urn:schemas-microsoft-com:mac:vml" xmlns:p="http://schemas.openxmlformats.org/presentationml/2006/main" xmlns:c="http://schemas.openxmlformats.org/drawingml/2006/chart" xmlns:dgm="http://schemas.openxmlformats.org/drawingml/2006/diagram" xmlns:o="urn:schemas-microsoft-com:office:office" xmlns:v="urn:schemas-microsoft-com:vml" xmlns:pvml="urn:schemas-microsoft-com:office:powerpoint" xmlns:com="http://schemas.openxmlformats.org/drawingml/2006/compatibility" xmlns:p14="http://schemas.microsoft.com/office/powerpoint/2010/main" xmlns:p15="http://schemas.microsoft.com/office/powerpoint/2012/main" showMasterPhAnim="0" showMasterSp="0">
+<p:notes xmlns:a="http://schemas.openxmlformats.org/drawingml/2006/main" xmlns:r="http://schemas.openxmlformats.org/officeDocument/2006/relationships" xmlns:p="http://schemas.openxmlformats.org/presentationml/2006/main" showMasterSp="0" showMasterPhAnim="0">
   <p:cSld>
     <p:spTree>
       <p:nvGrpSpPr>
-        <p:cNvPr id="50" name="Shape 50"/>
+        <p:cNvPr id="1" name="Shape 50"/>
         <p:cNvGrpSpPr/>
         <p:nvPr/>
       </p:nvGrpSpPr>
@@ -711,9 +731,11 @@
       <p:sp>
         <p:nvSpPr>
           <p:cNvPr id="51" name="Google Shape;51;p:notes"/>
-          <p:cNvSpPr/>
+          <p:cNvSpPr>
+            <a:spLocks noGrp="1" noRot="1" noChangeAspect="1"/>
+          </p:cNvSpPr>
           <p:nvPr>
-            <p:ph idx="2" type="sldImg"/>
+            <p:ph type="sldImg" idx="2"/>
           </p:nvPr>
         </p:nvSpPr>
         <p:spPr>
@@ -722,9 +744,13 @@
             <a:ext cx="6096075" cy="3429000"/>
           </a:xfrm>
           <a:custGeom>
-            <a:rect b="b" l="l" r="r" t="t"/>
+            <a:avLst/>
+            <a:gdLst/>
+            <a:ahLst/>
+            <a:cxnLst/>
+            <a:rect l="l" t="t" r="r" b="b"/>
             <a:pathLst>
-              <a:path extrusionOk="0" h="120000" w="120000">
+              <a:path w="120000" h="120000" extrusionOk="0">
                 <a:moveTo>
                   <a:pt x="0" y="0"/>
                 </a:moveTo>
@@ -746,9 +772,11 @@
       <p:sp>
         <p:nvSpPr>
           <p:cNvPr id="52" name="Google Shape;52;p:notes"/>
-          <p:cNvSpPr txBox="1"/>
+          <p:cNvSpPr txBox="1">
+            <a:spLocks noGrp="1"/>
+          </p:cNvSpPr>
           <p:nvPr>
-            <p:ph idx="1" type="body"/>
+            <p:ph type="body" idx="1"/>
           </p:nvPr>
         </p:nvSpPr>
         <p:spPr>
@@ -761,12 +789,12 @@
           </a:prstGeom>
         </p:spPr>
         <p:txBody>
-          <a:bodyPr anchorCtr="0" anchor="t" bIns="91425" lIns="91425" spcFirstLastPara="1" rIns="91425" wrap="square" tIns="91425">
+          <a:bodyPr spcFirstLastPara="1" wrap="square" lIns="91425" tIns="91425" rIns="91425" bIns="91425" anchor="t" anchorCtr="0">
             <a:noAutofit/>
           </a:bodyPr>
           <a:lstStyle/>
           <a:p>
-            <a:pPr indent="0" lvl="0" marL="0" rtl="0" algn="l">
+            <a:pPr marL="0" lvl="0" indent="0" algn="l" rtl="0">
               <a:spcBef>
                 <a:spcPts val="0"/>
               </a:spcBef>
@@ -775,9 +803,6 @@
               </a:spcAft>
               <a:buNone/>
             </a:pPr>
-            <a:r>
-              <a:t/>
-            </a:r>
             <a:endParaRPr/>
           </a:p>
         </p:txBody>
@@ -791,11 +816,11 @@
 </file>
 
 <file path=ppt/notesSlides/notesSlide2.xml><?xml version="1.0" encoding="utf-8"?>
-<p:notes xmlns:a="http://schemas.openxmlformats.org/drawingml/2006/main" xmlns:r="http://schemas.openxmlformats.org/officeDocument/2006/relationships" xmlns:mc="http://schemas.openxmlformats.org/markup-compatibility/2006" xmlns:mv="urn:schemas-microsoft-com:mac:vml" xmlns:p="http://schemas.openxmlformats.org/presentationml/2006/main" xmlns:c="http://schemas.openxmlformats.org/drawingml/2006/chart" xmlns:dgm="http://schemas.openxmlformats.org/drawingml/2006/diagram" xmlns:o="urn:schemas-microsoft-com:office:office" xmlns:v="urn:schemas-microsoft-com:vml" xmlns:pvml="urn:schemas-microsoft-com:office:powerpoint" xmlns:com="http://schemas.openxmlformats.org/drawingml/2006/compatibility" xmlns:p14="http://schemas.microsoft.com/office/powerpoint/2010/main" xmlns:p15="http://schemas.microsoft.com/office/powerpoint/2012/main" showMasterPhAnim="0" showMasterSp="0">
+<p:notes xmlns:a="http://schemas.openxmlformats.org/drawingml/2006/main" xmlns:r="http://schemas.openxmlformats.org/officeDocument/2006/relationships" xmlns:p="http://schemas.openxmlformats.org/presentationml/2006/main" showMasterSp="0" showMasterPhAnim="0">
   <p:cSld>
     <p:spTree>
       <p:nvGrpSpPr>
-        <p:cNvPr id="61" name="Shape 61"/>
+        <p:cNvPr id="1" name="Shape 61"/>
         <p:cNvGrpSpPr/>
         <p:nvPr/>
       </p:nvGrpSpPr>
@@ -810,9 +835,11 @@
       <p:sp>
         <p:nvSpPr>
           <p:cNvPr id="62" name="Google Shape;62;g5b9c03ae4d_0_281:notes"/>
-          <p:cNvSpPr/>
+          <p:cNvSpPr>
+            <a:spLocks noGrp="1" noRot="1" noChangeAspect="1"/>
+          </p:cNvSpPr>
           <p:nvPr>
-            <p:ph idx="2" type="sldImg"/>
+            <p:ph type="sldImg" idx="2"/>
           </p:nvPr>
         </p:nvSpPr>
         <p:spPr>
@@ -821,9 +848,13 @@
             <a:ext cx="6096000" cy="3429000"/>
           </a:xfrm>
           <a:custGeom>
-            <a:rect b="b" l="l" r="r" t="t"/>
+            <a:avLst/>
+            <a:gdLst/>
+            <a:ahLst/>
+            <a:cxnLst/>
+            <a:rect l="l" t="t" r="r" b="b"/>
             <a:pathLst>
-              <a:path extrusionOk="0" h="120000" w="120000">
+              <a:path w="120000" h="120000" extrusionOk="0">
                 <a:moveTo>
                   <a:pt x="0" y="0"/>
                 </a:moveTo>
@@ -845,9 +876,11 @@
       <p:sp>
         <p:nvSpPr>
           <p:cNvPr id="63" name="Google Shape;63;g5b9c03ae4d_0_281:notes"/>
-          <p:cNvSpPr txBox="1"/>
+          <p:cNvSpPr txBox="1">
+            <a:spLocks noGrp="1"/>
+          </p:cNvSpPr>
           <p:nvPr>
-            <p:ph idx="1" type="body"/>
+            <p:ph type="body" idx="1"/>
           </p:nvPr>
         </p:nvSpPr>
         <p:spPr>
@@ -860,12 +893,12 @@
           </a:prstGeom>
         </p:spPr>
         <p:txBody>
-          <a:bodyPr anchorCtr="0" anchor="t" bIns="91425" lIns="91425" spcFirstLastPara="1" rIns="91425" wrap="square" tIns="91425">
+          <a:bodyPr spcFirstLastPara="1" wrap="square" lIns="91425" tIns="91425" rIns="91425" bIns="91425" anchor="t" anchorCtr="0">
             <a:noAutofit/>
           </a:bodyPr>
           <a:lstStyle/>
           <a:p>
-            <a:pPr indent="0" lvl="0" marL="0" rtl="0" algn="l">
+            <a:pPr marL="0" lvl="0" indent="0" algn="l" rtl="0">
               <a:spcBef>
                 <a:spcPts val="0"/>
               </a:spcBef>
@@ -874,9 +907,6 @@
               </a:spcAft>
               <a:buNone/>
             </a:pPr>
-            <a:r>
-              <a:t/>
-            </a:r>
             <a:endParaRPr/>
           </a:p>
         </p:txBody>
@@ -890,11 +920,11 @@
 </file>
 
 <file path=ppt/notesSlides/notesSlide3.xml><?xml version="1.0" encoding="utf-8"?>
-<p:notes xmlns:a="http://schemas.openxmlformats.org/drawingml/2006/main" xmlns:r="http://schemas.openxmlformats.org/officeDocument/2006/relationships" xmlns:mc="http://schemas.openxmlformats.org/markup-compatibility/2006" xmlns:mv="urn:schemas-microsoft-com:mac:vml" xmlns:p="http://schemas.openxmlformats.org/presentationml/2006/main" xmlns:c="http://schemas.openxmlformats.org/drawingml/2006/chart" xmlns:dgm="http://schemas.openxmlformats.org/drawingml/2006/diagram" xmlns:o="urn:schemas-microsoft-com:office:office" xmlns:v="urn:schemas-microsoft-com:vml" xmlns:pvml="urn:schemas-microsoft-com:office:powerpoint" xmlns:com="http://schemas.openxmlformats.org/drawingml/2006/compatibility" xmlns:p14="http://schemas.microsoft.com/office/powerpoint/2010/main" xmlns:p15="http://schemas.microsoft.com/office/powerpoint/2012/main" showMasterPhAnim="0" showMasterSp="0">
+<p:notes xmlns:a="http://schemas.openxmlformats.org/drawingml/2006/main" xmlns:r="http://schemas.openxmlformats.org/officeDocument/2006/relationships" xmlns:p="http://schemas.openxmlformats.org/presentationml/2006/main" showMasterSp="0" showMasterPhAnim="0">
   <p:cSld>
     <p:spTree>
       <p:nvGrpSpPr>
-        <p:cNvPr id="71" name="Shape 71"/>
+        <p:cNvPr id="1" name="Shape 71"/>
         <p:cNvGrpSpPr/>
         <p:nvPr/>
       </p:nvGrpSpPr>
@@ -909,20 +939,26 @@
       <p:sp>
         <p:nvSpPr>
           <p:cNvPr id="72" name="Google Shape;72;g5c84b3b55f_0_3:notes"/>
-          <p:cNvSpPr/>
+          <p:cNvSpPr>
+            <a:spLocks noGrp="1" noRot="1" noChangeAspect="1"/>
+          </p:cNvSpPr>
           <p:nvPr>
-            <p:ph idx="2" type="sldImg"/>
+            <p:ph type="sldImg" idx="2"/>
           </p:nvPr>
         </p:nvSpPr>
         <p:spPr>
           <a:xfrm>
-            <a:off x="381300" y="685800"/>
+            <a:off x="381000" y="685800"/>
             <a:ext cx="6096000" cy="3429000"/>
           </a:xfrm>
           <a:custGeom>
-            <a:rect b="b" l="l" r="r" t="t"/>
+            <a:avLst/>
+            <a:gdLst/>
+            <a:ahLst/>
+            <a:cxnLst/>
+            <a:rect l="l" t="t" r="r" b="b"/>
             <a:pathLst>
-              <a:path extrusionOk="0" h="120000" w="120000">
+              <a:path w="120000" h="120000" extrusionOk="0">
                 <a:moveTo>
                   <a:pt x="0" y="0"/>
                 </a:moveTo>
@@ -944,9 +980,11 @@
       <p:sp>
         <p:nvSpPr>
           <p:cNvPr id="73" name="Google Shape;73;g5c84b3b55f_0_3:notes"/>
-          <p:cNvSpPr txBox="1"/>
+          <p:cNvSpPr txBox="1">
+            <a:spLocks noGrp="1"/>
+          </p:cNvSpPr>
           <p:nvPr>
-            <p:ph idx="1" type="body"/>
+            <p:ph type="body" idx="1"/>
           </p:nvPr>
         </p:nvSpPr>
         <p:spPr>
@@ -959,12 +997,12 @@
           </a:prstGeom>
         </p:spPr>
         <p:txBody>
-          <a:bodyPr anchorCtr="0" anchor="t" bIns="91425" lIns="91425" spcFirstLastPara="1" rIns="91425" wrap="square" tIns="91425">
+          <a:bodyPr spcFirstLastPara="1" wrap="square" lIns="91425" tIns="91425" rIns="91425" bIns="91425" anchor="t" anchorCtr="0">
             <a:noAutofit/>
           </a:bodyPr>
           <a:lstStyle/>
           <a:p>
-            <a:pPr indent="0" lvl="0" marL="0" rtl="0" algn="l">
+            <a:pPr marL="0" lvl="0" indent="0" algn="l" rtl="0">
               <a:spcBef>
                 <a:spcPts val="0"/>
               </a:spcBef>
@@ -973,9 +1011,6 @@
               </a:spcAft>
               <a:buNone/>
             </a:pPr>
-            <a:r>
-              <a:t/>
-            </a:r>
             <a:endParaRPr/>
           </a:p>
         </p:txBody>
@@ -989,11 +1024,11 @@
 </file>
 
 <file path=ppt/notesSlides/notesSlide4.xml><?xml version="1.0" encoding="utf-8"?>
-<p:notes xmlns:a="http://schemas.openxmlformats.org/drawingml/2006/main" xmlns:r="http://schemas.openxmlformats.org/officeDocument/2006/relationships" xmlns:mc="http://schemas.openxmlformats.org/markup-compatibility/2006" xmlns:mv="urn:schemas-microsoft-com:mac:vml" xmlns:p="http://schemas.openxmlformats.org/presentationml/2006/main" xmlns:c="http://schemas.openxmlformats.org/drawingml/2006/chart" xmlns:dgm="http://schemas.openxmlformats.org/drawingml/2006/diagram" xmlns:o="urn:schemas-microsoft-com:office:office" xmlns:v="urn:schemas-microsoft-com:vml" xmlns:pvml="urn:schemas-microsoft-com:office:powerpoint" xmlns:com="http://schemas.openxmlformats.org/drawingml/2006/compatibility" xmlns:p14="http://schemas.microsoft.com/office/powerpoint/2010/main" xmlns:p15="http://schemas.microsoft.com/office/powerpoint/2012/main" showMasterPhAnim="0" showMasterSp="0">
+<p:notes xmlns:a="http://schemas.openxmlformats.org/drawingml/2006/main" xmlns:r="http://schemas.openxmlformats.org/officeDocument/2006/relationships" xmlns:p="http://schemas.openxmlformats.org/presentationml/2006/main" showMasterSp="0" showMasterPhAnim="0">
   <p:cSld>
     <p:spTree>
       <p:nvGrpSpPr>
-        <p:cNvPr id="86" name="Shape 86"/>
+        <p:cNvPr id="1" name="Shape 86"/>
         <p:cNvGrpSpPr/>
         <p:nvPr/>
       </p:nvGrpSpPr>
@@ -1008,9 +1043,11 @@
       <p:sp>
         <p:nvSpPr>
           <p:cNvPr id="87" name="Google Shape;87;g5c84b3b55f_0_28:notes"/>
-          <p:cNvSpPr/>
+          <p:cNvSpPr>
+            <a:spLocks noGrp="1" noRot="1" noChangeAspect="1"/>
+          </p:cNvSpPr>
           <p:nvPr>
-            <p:ph idx="2" type="sldImg"/>
+            <p:ph type="sldImg" idx="2"/>
           </p:nvPr>
         </p:nvSpPr>
         <p:spPr>
@@ -1019,9 +1056,13 @@
             <a:ext cx="6096000" cy="3429000"/>
           </a:xfrm>
           <a:custGeom>
-            <a:rect b="b" l="l" r="r" t="t"/>
+            <a:avLst/>
+            <a:gdLst/>
+            <a:ahLst/>
+            <a:cxnLst/>
+            <a:rect l="l" t="t" r="r" b="b"/>
             <a:pathLst>
-              <a:path extrusionOk="0" h="120000" w="120000">
+              <a:path w="120000" h="120000" extrusionOk="0">
                 <a:moveTo>
                   <a:pt x="0" y="0"/>
                 </a:moveTo>
@@ -1043,9 +1084,11 @@
       <p:sp>
         <p:nvSpPr>
           <p:cNvPr id="88" name="Google Shape;88;g5c84b3b55f_0_28:notes"/>
-          <p:cNvSpPr txBox="1"/>
+          <p:cNvSpPr txBox="1">
+            <a:spLocks noGrp="1"/>
+          </p:cNvSpPr>
           <p:nvPr>
-            <p:ph idx="1" type="body"/>
+            <p:ph type="body" idx="1"/>
           </p:nvPr>
         </p:nvSpPr>
         <p:spPr>
@@ -1058,12 +1101,12 @@
           </a:prstGeom>
         </p:spPr>
         <p:txBody>
-          <a:bodyPr anchorCtr="0" anchor="t" bIns="91425" lIns="91425" spcFirstLastPara="1" rIns="91425" wrap="square" tIns="91425">
+          <a:bodyPr spcFirstLastPara="1" wrap="square" lIns="91425" tIns="91425" rIns="91425" bIns="91425" anchor="t" anchorCtr="0">
             <a:noAutofit/>
           </a:bodyPr>
           <a:lstStyle/>
           <a:p>
-            <a:pPr indent="0" lvl="0" marL="0" rtl="0" algn="l">
+            <a:pPr marL="0" lvl="0" indent="0" algn="l" rtl="0">
               <a:spcBef>
                 <a:spcPts val="0"/>
               </a:spcBef>
@@ -1072,9 +1115,6 @@
               </a:spcAft>
               <a:buNone/>
             </a:pPr>
-            <a:r>
-              <a:t/>
-            </a:r>
             <a:endParaRPr/>
           </a:p>
         </p:txBody>
@@ -1088,11 +1128,11 @@
 </file>
 
 <file path=ppt/notesSlides/notesSlide5.xml><?xml version="1.0" encoding="utf-8"?>
-<p:notes xmlns:a="http://schemas.openxmlformats.org/drawingml/2006/main" xmlns:r="http://schemas.openxmlformats.org/officeDocument/2006/relationships" xmlns:mc="http://schemas.openxmlformats.org/markup-compatibility/2006" xmlns:mv="urn:schemas-microsoft-com:mac:vml" xmlns:p="http://schemas.openxmlformats.org/presentationml/2006/main" xmlns:c="http://schemas.openxmlformats.org/drawingml/2006/chart" xmlns:dgm="http://schemas.openxmlformats.org/drawingml/2006/diagram" xmlns:o="urn:schemas-microsoft-com:office:office" xmlns:v="urn:schemas-microsoft-com:vml" xmlns:pvml="urn:schemas-microsoft-com:office:powerpoint" xmlns:com="http://schemas.openxmlformats.org/drawingml/2006/compatibility" xmlns:p14="http://schemas.microsoft.com/office/powerpoint/2010/main" xmlns:p15="http://schemas.microsoft.com/office/powerpoint/2012/main" showMasterPhAnim="0" showMasterSp="0">
+<p:notes xmlns:a="http://schemas.openxmlformats.org/drawingml/2006/main" xmlns:r="http://schemas.openxmlformats.org/officeDocument/2006/relationships" xmlns:p="http://schemas.openxmlformats.org/presentationml/2006/main" showMasterSp="0" showMasterPhAnim="0">
   <p:cSld>
     <p:spTree>
       <p:nvGrpSpPr>
-        <p:cNvPr id="96" name="Shape 96"/>
+        <p:cNvPr id="1" name="Shape 96"/>
         <p:cNvGrpSpPr/>
         <p:nvPr/>
       </p:nvGrpSpPr>
@@ -1107,9 +1147,11 @@
       <p:sp>
         <p:nvSpPr>
           <p:cNvPr id="97" name="Google Shape;97;g5b9c03ae4d_0_294:notes"/>
-          <p:cNvSpPr/>
+          <p:cNvSpPr>
+            <a:spLocks noGrp="1" noRot="1" noChangeAspect="1"/>
+          </p:cNvSpPr>
           <p:nvPr>
-            <p:ph idx="2" type="sldImg"/>
+            <p:ph type="sldImg" idx="2"/>
           </p:nvPr>
         </p:nvSpPr>
         <p:spPr>
@@ -1118,9 +1160,13 @@
             <a:ext cx="6096000" cy="3429000"/>
           </a:xfrm>
           <a:custGeom>
-            <a:rect b="b" l="l" r="r" t="t"/>
+            <a:avLst/>
+            <a:gdLst/>
+            <a:ahLst/>
+            <a:cxnLst/>
+            <a:rect l="l" t="t" r="r" b="b"/>
             <a:pathLst>
-              <a:path extrusionOk="0" h="120000" w="120000">
+              <a:path w="120000" h="120000" extrusionOk="0">
                 <a:moveTo>
                   <a:pt x="0" y="0"/>
                 </a:moveTo>
@@ -1142,9 +1188,11 @@
       <p:sp>
         <p:nvSpPr>
           <p:cNvPr id="98" name="Google Shape;98;g5b9c03ae4d_0_294:notes"/>
-          <p:cNvSpPr txBox="1"/>
+          <p:cNvSpPr txBox="1">
+            <a:spLocks noGrp="1"/>
+          </p:cNvSpPr>
           <p:nvPr>
-            <p:ph idx="1" type="body"/>
+            <p:ph type="body" idx="1"/>
           </p:nvPr>
         </p:nvSpPr>
         <p:spPr>
@@ -1157,12 +1205,12 @@
           </a:prstGeom>
         </p:spPr>
         <p:txBody>
-          <a:bodyPr anchorCtr="0" anchor="t" bIns="91425" lIns="91425" spcFirstLastPara="1" rIns="91425" wrap="square" tIns="91425">
+          <a:bodyPr spcFirstLastPara="1" wrap="square" lIns="91425" tIns="91425" rIns="91425" bIns="91425" anchor="t" anchorCtr="0">
             <a:noAutofit/>
           </a:bodyPr>
           <a:lstStyle/>
           <a:p>
-            <a:pPr indent="0" lvl="0" marL="0" rtl="0" algn="l">
+            <a:pPr marL="0" lvl="0" indent="0" algn="l" rtl="0">
               <a:spcBef>
                 <a:spcPts val="0"/>
               </a:spcBef>
@@ -1171,9 +1219,6 @@
               </a:spcAft>
               <a:buNone/>
             </a:pPr>
-            <a:r>
-              <a:t/>
-            </a:r>
             <a:endParaRPr/>
           </a:p>
         </p:txBody>
@@ -1187,11 +1232,11 @@
 </file>
 
 <file path=ppt/notesSlides/notesSlide6.xml><?xml version="1.0" encoding="utf-8"?>
-<p:notes xmlns:a="http://schemas.openxmlformats.org/drawingml/2006/main" xmlns:r="http://schemas.openxmlformats.org/officeDocument/2006/relationships" xmlns:mc="http://schemas.openxmlformats.org/markup-compatibility/2006" xmlns:mv="urn:schemas-microsoft-com:mac:vml" xmlns:p="http://schemas.openxmlformats.org/presentationml/2006/main" xmlns:c="http://schemas.openxmlformats.org/drawingml/2006/chart" xmlns:dgm="http://schemas.openxmlformats.org/drawingml/2006/diagram" xmlns:o="urn:schemas-microsoft-com:office:office" xmlns:v="urn:schemas-microsoft-com:vml" xmlns:pvml="urn:schemas-microsoft-com:office:powerpoint" xmlns:com="http://schemas.openxmlformats.org/drawingml/2006/compatibility" xmlns:p14="http://schemas.microsoft.com/office/powerpoint/2010/main" xmlns:p15="http://schemas.microsoft.com/office/powerpoint/2012/main" showMasterPhAnim="0" showMasterSp="0">
+<p:notes xmlns:a="http://schemas.openxmlformats.org/drawingml/2006/main" xmlns:r="http://schemas.openxmlformats.org/officeDocument/2006/relationships" xmlns:p="http://schemas.openxmlformats.org/presentationml/2006/main" showMasterSp="0" showMasterPhAnim="0">
   <p:cSld>
     <p:spTree>
       <p:nvGrpSpPr>
-        <p:cNvPr id="128" name="Shape 128"/>
+        <p:cNvPr id="1" name="Shape 128"/>
         <p:cNvGrpSpPr/>
         <p:nvPr/>
       </p:nvGrpSpPr>
@@ -1206,9 +1251,11 @@
       <p:sp>
         <p:nvSpPr>
           <p:cNvPr id="129" name="Google Shape;129;g5c84b3b55f_0_41:notes"/>
-          <p:cNvSpPr/>
+          <p:cNvSpPr>
+            <a:spLocks noGrp="1" noRot="1" noChangeAspect="1"/>
+          </p:cNvSpPr>
           <p:nvPr>
-            <p:ph idx="2" type="sldImg"/>
+            <p:ph type="sldImg" idx="2"/>
           </p:nvPr>
         </p:nvSpPr>
         <p:spPr>
@@ -1217,9 +1264,13 @@
             <a:ext cx="6096000" cy="3429000"/>
           </a:xfrm>
           <a:custGeom>
-            <a:rect b="b" l="l" r="r" t="t"/>
+            <a:avLst/>
+            <a:gdLst/>
+            <a:ahLst/>
+            <a:cxnLst/>
+            <a:rect l="l" t="t" r="r" b="b"/>
             <a:pathLst>
-              <a:path extrusionOk="0" h="120000" w="120000">
+              <a:path w="120000" h="120000" extrusionOk="0">
                 <a:moveTo>
                   <a:pt x="0" y="0"/>
                 </a:moveTo>
@@ -1241,9 +1292,11 @@
       <p:sp>
         <p:nvSpPr>
           <p:cNvPr id="130" name="Google Shape;130;g5c84b3b55f_0_41:notes"/>
-          <p:cNvSpPr txBox="1"/>
+          <p:cNvSpPr txBox="1">
+            <a:spLocks noGrp="1"/>
+          </p:cNvSpPr>
           <p:nvPr>
-            <p:ph idx="1" type="body"/>
+            <p:ph type="body" idx="1"/>
           </p:nvPr>
         </p:nvSpPr>
         <p:spPr>
@@ -1256,12 +1309,12 @@
           </a:prstGeom>
         </p:spPr>
         <p:txBody>
-          <a:bodyPr anchorCtr="0" anchor="t" bIns="91425" lIns="91425" spcFirstLastPara="1" rIns="91425" wrap="square" tIns="91425">
+          <a:bodyPr spcFirstLastPara="1" wrap="square" lIns="91425" tIns="91425" rIns="91425" bIns="91425" anchor="t" anchorCtr="0">
             <a:noAutofit/>
           </a:bodyPr>
           <a:lstStyle/>
           <a:p>
-            <a:pPr indent="0" lvl="0" marL="0" rtl="0" algn="l">
+            <a:pPr marL="0" lvl="0" indent="0" algn="l" rtl="0">
               <a:spcBef>
                 <a:spcPts val="0"/>
               </a:spcBef>
@@ -1270,9 +1323,6 @@
               </a:spcAft>
               <a:buNone/>
             </a:pPr>
-            <a:r>
-              <a:t/>
-            </a:r>
             <a:endParaRPr/>
           </a:p>
         </p:txBody>
@@ -1286,11 +1336,11 @@
 </file>
 
 <file path=ppt/slideLayouts/slideLayout1.xml><?xml version="1.0" encoding="utf-8"?>
-<p:sldLayout xmlns:a="http://schemas.openxmlformats.org/drawingml/2006/main" xmlns:r="http://schemas.openxmlformats.org/officeDocument/2006/relationships" xmlns:mc="http://schemas.openxmlformats.org/markup-compatibility/2006" xmlns:mv="urn:schemas-microsoft-com:mac:vml" xmlns:p="http://schemas.openxmlformats.org/presentationml/2006/main" xmlns:c="http://schemas.openxmlformats.org/drawingml/2006/chart" xmlns:dgm="http://schemas.openxmlformats.org/drawingml/2006/diagram" xmlns:o="urn:schemas-microsoft-com:office:office" xmlns:v="urn:schemas-microsoft-com:vml" xmlns:pvml="urn:schemas-microsoft-com:office:powerpoint" xmlns:com="http://schemas.openxmlformats.org/drawingml/2006/compatibility" xmlns:p14="http://schemas.microsoft.com/office/powerpoint/2010/main" xmlns:p15="http://schemas.microsoft.com/office/powerpoint/2012/main" matchingName="Title slide" type="title">
+<p:sldLayout xmlns:a="http://schemas.openxmlformats.org/drawingml/2006/main" xmlns:r="http://schemas.openxmlformats.org/officeDocument/2006/relationships" xmlns:p="http://schemas.openxmlformats.org/presentationml/2006/main" matchingName="Title slide" type="title">
   <p:cSld name="TITLE">
     <p:spTree>
       <p:nvGrpSpPr>
-        <p:cNvPr id="9" name="Shape 9"/>
+        <p:cNvPr id="1" name="Shape 9"/>
         <p:cNvGrpSpPr/>
         <p:nvPr/>
       </p:nvGrpSpPr>
@@ -1305,7 +1355,9 @@
       <p:sp>
         <p:nvSpPr>
           <p:cNvPr id="10" name="Google Shape;10;p2"/>
-          <p:cNvSpPr txBox="1"/>
+          <p:cNvSpPr txBox="1">
+            <a:spLocks noGrp="1"/>
+          </p:cNvSpPr>
           <p:nvPr>
             <p:ph type="ctrTitle"/>
           </p:nvPr>
@@ -1320,7 +1372,7 @@
           </a:prstGeom>
         </p:spPr>
         <p:txBody>
-          <a:bodyPr anchorCtr="0" anchor="b" bIns="91425" lIns="91425" spcFirstLastPara="1" rIns="91425" wrap="square" tIns="91425">
+          <a:bodyPr spcFirstLastPara="1" wrap="square" lIns="91425" tIns="91425" rIns="91425" bIns="91425" anchor="b" anchorCtr="0">
             <a:noAutofit/>
           </a:bodyPr>
           <a:lstStyle>
@@ -1424,15 +1476,19 @@
               <a:defRPr sz="5200"/>
             </a:lvl9pPr>
           </a:lstStyle>
-          <a:p/>
+          <a:p>
+            <a:endParaRPr/>
+          </a:p>
         </p:txBody>
       </p:sp>
       <p:sp>
         <p:nvSpPr>
           <p:cNvPr id="11" name="Google Shape;11;p2"/>
-          <p:cNvSpPr txBox="1"/>
+          <p:cNvSpPr txBox="1">
+            <a:spLocks noGrp="1"/>
+          </p:cNvSpPr>
           <p:nvPr>
-            <p:ph idx="1" type="subTitle"/>
+            <p:ph type="subTitle" idx="1"/>
           </p:nvPr>
         </p:nvSpPr>
         <p:spPr>
@@ -1445,7 +1501,7 @@
           </a:prstGeom>
         </p:spPr>
         <p:txBody>
-          <a:bodyPr anchorCtr="0" anchor="t" bIns="91425" lIns="91425" spcFirstLastPara="1" rIns="91425" wrap="square" tIns="91425">
+          <a:bodyPr spcFirstLastPara="1" wrap="square" lIns="91425" tIns="91425" rIns="91425" bIns="91425" anchor="t" anchorCtr="0">
             <a:noAutofit/>
           </a:bodyPr>
           <a:lstStyle>
@@ -1576,15 +1632,19 @@
               <a:defRPr sz="2800"/>
             </a:lvl9pPr>
           </a:lstStyle>
-          <a:p/>
+          <a:p>
+            <a:endParaRPr/>
+          </a:p>
         </p:txBody>
       </p:sp>
       <p:sp>
         <p:nvSpPr>
           <p:cNvPr id="12" name="Google Shape;12;p2"/>
-          <p:cNvSpPr txBox="1"/>
+          <p:cNvSpPr txBox="1">
+            <a:spLocks noGrp="1"/>
+          </p:cNvSpPr>
           <p:nvPr>
-            <p:ph idx="12" type="sldNum"/>
+            <p:ph type="sldNum" idx="12"/>
           </p:nvPr>
         </p:nvSpPr>
         <p:spPr>
@@ -1597,7 +1657,7 @@
           </a:prstGeom>
         </p:spPr>
         <p:txBody>
-          <a:bodyPr anchorCtr="0" anchor="ctr" bIns="91425" lIns="91425" spcFirstLastPara="1" rIns="91425" wrap="square" tIns="91425">
+          <a:bodyPr spcFirstLastPara="1" wrap="square" lIns="91425" tIns="91425" rIns="91425" bIns="91425" anchor="ctr" anchorCtr="0">
             <a:noAutofit/>
           </a:bodyPr>
           <a:lstStyle>
@@ -1639,7 +1699,7 @@
             </a:lvl9pPr>
           </a:lstStyle>
           <a:p>
-            <a:pPr indent="0" lvl="0" marL="0" rtl="0" algn="r">
+            <a:pPr marL="0" lvl="0" indent="0" algn="r" rtl="0">
               <a:spcBef>
                 <a:spcPts val="0"/>
               </a:spcBef>
@@ -1665,11 +1725,11 @@
 </file>
 
 <file path=ppt/slideLayouts/slideLayout10.xml><?xml version="1.0" encoding="utf-8"?>
-<p:sldLayout xmlns:a="http://schemas.openxmlformats.org/drawingml/2006/main" xmlns:r="http://schemas.openxmlformats.org/officeDocument/2006/relationships" xmlns:mc="http://schemas.openxmlformats.org/markup-compatibility/2006" xmlns:mv="urn:schemas-microsoft-com:mac:vml" xmlns:p="http://schemas.openxmlformats.org/presentationml/2006/main" xmlns:c="http://schemas.openxmlformats.org/drawingml/2006/chart" xmlns:dgm="http://schemas.openxmlformats.org/drawingml/2006/diagram" xmlns:o="urn:schemas-microsoft-com:office:office" xmlns:v="urn:schemas-microsoft-com:vml" xmlns:pvml="urn:schemas-microsoft-com:office:powerpoint" xmlns:com="http://schemas.openxmlformats.org/drawingml/2006/compatibility" xmlns:p14="http://schemas.microsoft.com/office/powerpoint/2010/main" xmlns:p15="http://schemas.microsoft.com/office/powerpoint/2012/main" matchingName="Big number">
+<p:sldLayout xmlns:a="http://schemas.openxmlformats.org/drawingml/2006/main" xmlns:r="http://schemas.openxmlformats.org/officeDocument/2006/relationships" xmlns:p="http://schemas.openxmlformats.org/presentationml/2006/main" matchingName="Big number">
   <p:cSld name="BIG_NUMBER">
     <p:spTree>
       <p:nvGrpSpPr>
-        <p:cNvPr id="44" name="Shape 44"/>
+        <p:cNvPr id="1" name="Shape 44"/>
         <p:cNvGrpSpPr/>
         <p:nvPr/>
       </p:nvGrpSpPr>
@@ -1684,9 +1744,11 @@
       <p:sp>
         <p:nvSpPr>
           <p:cNvPr id="45" name="Google Shape;45;p11"/>
-          <p:cNvSpPr txBox="1"/>
+          <p:cNvSpPr txBox="1">
+            <a:spLocks noGrp="1"/>
+          </p:cNvSpPr>
           <p:nvPr>
-            <p:ph hasCustomPrompt="1" type="title"/>
+            <p:ph type="title" hasCustomPrompt="1"/>
           </p:nvPr>
         </p:nvSpPr>
         <p:spPr>
@@ -1699,7 +1761,7 @@
           </a:prstGeom>
         </p:spPr>
         <p:txBody>
-          <a:bodyPr anchorCtr="0" anchor="b" bIns="91425" lIns="91425" spcFirstLastPara="1" rIns="91425" wrap="square" tIns="91425">
+          <a:bodyPr spcFirstLastPara="1" wrap="square" lIns="91425" tIns="91425" rIns="91425" bIns="91425" anchor="b" anchorCtr="0">
             <a:noAutofit/>
           </a:bodyPr>
           <a:lstStyle>
@@ -1813,9 +1875,11 @@
       <p:sp>
         <p:nvSpPr>
           <p:cNvPr id="46" name="Google Shape;46;p11"/>
-          <p:cNvSpPr txBox="1"/>
+          <p:cNvSpPr txBox="1">
+            <a:spLocks noGrp="1"/>
+          </p:cNvSpPr>
           <p:nvPr>
-            <p:ph idx="1" type="body"/>
+            <p:ph type="body" idx="1"/>
           </p:nvPr>
         </p:nvSpPr>
         <p:spPr>
@@ -1828,11 +1892,11 @@
           </a:prstGeom>
         </p:spPr>
         <p:txBody>
-          <a:bodyPr anchorCtr="0" anchor="t" bIns="91425" lIns="91425" spcFirstLastPara="1" rIns="91425" wrap="square" tIns="91425">
+          <a:bodyPr spcFirstLastPara="1" wrap="square" lIns="91425" tIns="91425" rIns="91425" bIns="91425" anchor="t" anchorCtr="0">
             <a:noAutofit/>
           </a:bodyPr>
           <a:lstStyle>
-            <a:lvl1pPr indent="-342900" lvl="0" marL="457200" algn="ctr">
+            <a:lvl1pPr marL="457200" lvl="0" indent="-342900" algn="ctr">
               <a:spcBef>
                 <a:spcPts val="0"/>
               </a:spcBef>
@@ -1843,7 +1907,7 @@
               <a:buChar char="●"/>
               <a:defRPr/>
             </a:lvl1pPr>
-            <a:lvl2pPr indent="-317500" lvl="1" marL="914400" algn="ctr">
+            <a:lvl2pPr marL="914400" lvl="1" indent="-317500" algn="ctr">
               <a:spcBef>
                 <a:spcPts val="1600"/>
               </a:spcBef>
@@ -1854,7 +1918,7 @@
               <a:buChar char="○"/>
               <a:defRPr/>
             </a:lvl2pPr>
-            <a:lvl3pPr indent="-317500" lvl="2" marL="1371600" algn="ctr">
+            <a:lvl3pPr marL="1371600" lvl="2" indent="-317500" algn="ctr">
               <a:spcBef>
                 <a:spcPts val="1600"/>
               </a:spcBef>
@@ -1865,7 +1929,7 @@
               <a:buChar char="■"/>
               <a:defRPr/>
             </a:lvl3pPr>
-            <a:lvl4pPr indent="-317500" lvl="3" marL="1828800" algn="ctr">
+            <a:lvl4pPr marL="1828800" lvl="3" indent="-317500" algn="ctr">
               <a:spcBef>
                 <a:spcPts val="1600"/>
               </a:spcBef>
@@ -1876,7 +1940,7 @@
               <a:buChar char="●"/>
               <a:defRPr/>
             </a:lvl4pPr>
-            <a:lvl5pPr indent="-317500" lvl="4" marL="2286000" algn="ctr">
+            <a:lvl5pPr marL="2286000" lvl="4" indent="-317500" algn="ctr">
               <a:spcBef>
                 <a:spcPts val="1600"/>
               </a:spcBef>
@@ -1887,7 +1951,7 @@
               <a:buChar char="○"/>
               <a:defRPr/>
             </a:lvl5pPr>
-            <a:lvl6pPr indent="-317500" lvl="5" marL="2743200" algn="ctr">
+            <a:lvl6pPr marL="2743200" lvl="5" indent="-317500" algn="ctr">
               <a:spcBef>
                 <a:spcPts val="1600"/>
               </a:spcBef>
@@ -1898,7 +1962,7 @@
               <a:buChar char="■"/>
               <a:defRPr/>
             </a:lvl6pPr>
-            <a:lvl7pPr indent="-317500" lvl="6" marL="3200400" algn="ctr">
+            <a:lvl7pPr marL="3200400" lvl="6" indent="-317500" algn="ctr">
               <a:spcBef>
                 <a:spcPts val="1600"/>
               </a:spcBef>
@@ -1909,7 +1973,7 @@
               <a:buChar char="●"/>
               <a:defRPr/>
             </a:lvl7pPr>
-            <a:lvl8pPr indent="-317500" lvl="7" marL="3657600" algn="ctr">
+            <a:lvl8pPr marL="3657600" lvl="7" indent="-317500" algn="ctr">
               <a:spcBef>
                 <a:spcPts val="1600"/>
               </a:spcBef>
@@ -1920,7 +1984,7 @@
               <a:buChar char="○"/>
               <a:defRPr/>
             </a:lvl8pPr>
-            <a:lvl9pPr indent="-317500" lvl="8" marL="4114800" algn="ctr">
+            <a:lvl9pPr marL="4114800" lvl="8" indent="-317500" algn="ctr">
               <a:spcBef>
                 <a:spcPts val="1600"/>
               </a:spcBef>
@@ -1932,15 +1996,19 @@
               <a:defRPr/>
             </a:lvl9pPr>
           </a:lstStyle>
-          <a:p/>
+          <a:p>
+            <a:endParaRPr/>
+          </a:p>
         </p:txBody>
       </p:sp>
       <p:sp>
         <p:nvSpPr>
           <p:cNvPr id="47" name="Google Shape;47;p11"/>
-          <p:cNvSpPr txBox="1"/>
+          <p:cNvSpPr txBox="1">
+            <a:spLocks noGrp="1"/>
+          </p:cNvSpPr>
           <p:nvPr>
-            <p:ph idx="12" type="sldNum"/>
+            <p:ph type="sldNum" idx="12"/>
           </p:nvPr>
         </p:nvSpPr>
         <p:spPr>
@@ -1953,7 +2021,7 @@
           </a:prstGeom>
         </p:spPr>
         <p:txBody>
-          <a:bodyPr anchorCtr="0" anchor="ctr" bIns="91425" lIns="91425" spcFirstLastPara="1" rIns="91425" wrap="square" tIns="91425">
+          <a:bodyPr spcFirstLastPara="1" wrap="square" lIns="91425" tIns="91425" rIns="91425" bIns="91425" anchor="ctr" anchorCtr="0">
             <a:noAutofit/>
           </a:bodyPr>
           <a:lstStyle>
@@ -1995,7 +2063,7 @@
             </a:lvl9pPr>
           </a:lstStyle>
           <a:p>
-            <a:pPr indent="0" lvl="0" marL="0" rtl="0" algn="r">
+            <a:pPr marL="0" lvl="0" indent="0" algn="r" rtl="0">
               <a:spcBef>
                 <a:spcPts val="0"/>
               </a:spcBef>
@@ -2021,11 +2089,11 @@
 </file>
 
 <file path=ppt/slideLayouts/slideLayout11.xml><?xml version="1.0" encoding="utf-8"?>
-<p:sldLayout xmlns:a="http://schemas.openxmlformats.org/drawingml/2006/main" xmlns:r="http://schemas.openxmlformats.org/officeDocument/2006/relationships" xmlns:mc="http://schemas.openxmlformats.org/markup-compatibility/2006" xmlns:mv="urn:schemas-microsoft-com:mac:vml" xmlns:p="http://schemas.openxmlformats.org/presentationml/2006/main" xmlns:c="http://schemas.openxmlformats.org/drawingml/2006/chart" xmlns:dgm="http://schemas.openxmlformats.org/drawingml/2006/diagram" xmlns:o="urn:schemas-microsoft-com:office:office" xmlns:v="urn:schemas-microsoft-com:vml" xmlns:pvml="urn:schemas-microsoft-com:office:powerpoint" xmlns:com="http://schemas.openxmlformats.org/drawingml/2006/compatibility" xmlns:p14="http://schemas.microsoft.com/office/powerpoint/2010/main" xmlns:p15="http://schemas.microsoft.com/office/powerpoint/2012/main" matchingName="Blank" type="blank">
+<p:sldLayout xmlns:a="http://schemas.openxmlformats.org/drawingml/2006/main" xmlns:r="http://schemas.openxmlformats.org/officeDocument/2006/relationships" xmlns:p="http://schemas.openxmlformats.org/presentationml/2006/main" matchingName="Blank" type="blank">
   <p:cSld name="BLANK">
     <p:spTree>
       <p:nvGrpSpPr>
-        <p:cNvPr id="48" name="Shape 48"/>
+        <p:cNvPr id="1" name="Shape 48"/>
         <p:cNvGrpSpPr/>
         <p:nvPr/>
       </p:nvGrpSpPr>
@@ -2040,9 +2108,11 @@
       <p:sp>
         <p:nvSpPr>
           <p:cNvPr id="49" name="Google Shape;49;p12"/>
-          <p:cNvSpPr txBox="1"/>
+          <p:cNvSpPr txBox="1">
+            <a:spLocks noGrp="1"/>
+          </p:cNvSpPr>
           <p:nvPr>
-            <p:ph idx="12" type="sldNum"/>
+            <p:ph type="sldNum" idx="12"/>
           </p:nvPr>
         </p:nvSpPr>
         <p:spPr>
@@ -2055,7 +2125,7 @@
           </a:prstGeom>
         </p:spPr>
         <p:txBody>
-          <a:bodyPr anchorCtr="0" anchor="ctr" bIns="91425" lIns="91425" spcFirstLastPara="1" rIns="91425" wrap="square" tIns="91425">
+          <a:bodyPr spcFirstLastPara="1" wrap="square" lIns="91425" tIns="91425" rIns="91425" bIns="91425" anchor="ctr" anchorCtr="0">
             <a:noAutofit/>
           </a:bodyPr>
           <a:lstStyle>
@@ -2097,7 +2167,7 @@
             </a:lvl9pPr>
           </a:lstStyle>
           <a:p>
-            <a:pPr indent="0" lvl="0" marL="0" rtl="0" algn="r">
+            <a:pPr marL="0" lvl="0" indent="0" algn="r" rtl="0">
               <a:spcBef>
                 <a:spcPts val="0"/>
               </a:spcBef>
@@ -2123,11 +2193,11 @@
 </file>
 
 <file path=ppt/slideLayouts/slideLayout2.xml><?xml version="1.0" encoding="utf-8"?>
-<p:sldLayout xmlns:a="http://schemas.openxmlformats.org/drawingml/2006/main" xmlns:r="http://schemas.openxmlformats.org/officeDocument/2006/relationships" xmlns:mc="http://schemas.openxmlformats.org/markup-compatibility/2006" xmlns:mv="urn:schemas-microsoft-com:mac:vml" xmlns:p="http://schemas.openxmlformats.org/presentationml/2006/main" xmlns:c="http://schemas.openxmlformats.org/drawingml/2006/chart" xmlns:dgm="http://schemas.openxmlformats.org/drawingml/2006/diagram" xmlns:o="urn:schemas-microsoft-com:office:office" xmlns:v="urn:schemas-microsoft-com:vml" xmlns:pvml="urn:schemas-microsoft-com:office:powerpoint" xmlns:com="http://schemas.openxmlformats.org/drawingml/2006/compatibility" xmlns:p14="http://schemas.microsoft.com/office/powerpoint/2010/main" xmlns:p15="http://schemas.microsoft.com/office/powerpoint/2012/main" matchingName="Section header" type="secHead">
+<p:sldLayout xmlns:a="http://schemas.openxmlformats.org/drawingml/2006/main" xmlns:r="http://schemas.openxmlformats.org/officeDocument/2006/relationships" xmlns:p="http://schemas.openxmlformats.org/presentationml/2006/main" matchingName="Section header" type="secHead">
   <p:cSld name="SECTION_HEADER">
     <p:spTree>
       <p:nvGrpSpPr>
-        <p:cNvPr id="13" name="Shape 13"/>
+        <p:cNvPr id="1" name="Shape 13"/>
         <p:cNvGrpSpPr/>
         <p:nvPr/>
       </p:nvGrpSpPr>
@@ -2142,7 +2212,9 @@
       <p:sp>
         <p:nvSpPr>
           <p:cNvPr id="14" name="Google Shape;14;p3"/>
-          <p:cNvSpPr txBox="1"/>
+          <p:cNvSpPr txBox="1">
+            <a:spLocks noGrp="1"/>
+          </p:cNvSpPr>
           <p:nvPr>
             <p:ph type="title"/>
           </p:nvPr>
@@ -2157,7 +2229,7 @@
           </a:prstGeom>
         </p:spPr>
         <p:txBody>
-          <a:bodyPr anchorCtr="0" anchor="ctr" bIns="91425" lIns="91425" spcFirstLastPara="1" rIns="91425" wrap="square" tIns="91425">
+          <a:bodyPr spcFirstLastPara="1" wrap="square" lIns="91425" tIns="91425" rIns="91425" bIns="91425" anchor="ctr" anchorCtr="0">
             <a:noAutofit/>
           </a:bodyPr>
           <a:lstStyle>
@@ -2261,15 +2333,19 @@
               <a:defRPr sz="3600"/>
             </a:lvl9pPr>
           </a:lstStyle>
-          <a:p/>
+          <a:p>
+            <a:endParaRPr/>
+          </a:p>
         </p:txBody>
       </p:sp>
       <p:sp>
         <p:nvSpPr>
           <p:cNvPr id="15" name="Google Shape;15;p3"/>
-          <p:cNvSpPr txBox="1"/>
+          <p:cNvSpPr txBox="1">
+            <a:spLocks noGrp="1"/>
+          </p:cNvSpPr>
           <p:nvPr>
-            <p:ph idx="12" type="sldNum"/>
+            <p:ph type="sldNum" idx="12"/>
           </p:nvPr>
         </p:nvSpPr>
         <p:spPr>
@@ -2282,7 +2358,7 @@
           </a:prstGeom>
         </p:spPr>
         <p:txBody>
-          <a:bodyPr anchorCtr="0" anchor="ctr" bIns="91425" lIns="91425" spcFirstLastPara="1" rIns="91425" wrap="square" tIns="91425">
+          <a:bodyPr spcFirstLastPara="1" wrap="square" lIns="91425" tIns="91425" rIns="91425" bIns="91425" anchor="ctr" anchorCtr="0">
             <a:noAutofit/>
           </a:bodyPr>
           <a:lstStyle>
@@ -2324,7 +2400,7 @@
             </a:lvl9pPr>
           </a:lstStyle>
           <a:p>
-            <a:pPr indent="0" lvl="0" marL="0" rtl="0" algn="r">
+            <a:pPr marL="0" lvl="0" indent="0" algn="r" rtl="0">
               <a:spcBef>
                 <a:spcPts val="0"/>
               </a:spcBef>
@@ -2350,11 +2426,11 @@
 </file>
 
 <file path=ppt/slideLayouts/slideLayout3.xml><?xml version="1.0" encoding="utf-8"?>
-<p:sldLayout xmlns:a="http://schemas.openxmlformats.org/drawingml/2006/main" xmlns:r="http://schemas.openxmlformats.org/officeDocument/2006/relationships" xmlns:mc="http://schemas.openxmlformats.org/markup-compatibility/2006" xmlns:mv="urn:schemas-microsoft-com:mac:vml" xmlns:p="http://schemas.openxmlformats.org/presentationml/2006/main" xmlns:c="http://schemas.openxmlformats.org/drawingml/2006/chart" xmlns:dgm="http://schemas.openxmlformats.org/drawingml/2006/diagram" xmlns:o="urn:schemas-microsoft-com:office:office" xmlns:v="urn:schemas-microsoft-com:vml" xmlns:pvml="urn:schemas-microsoft-com:office:powerpoint" xmlns:com="http://schemas.openxmlformats.org/drawingml/2006/compatibility" xmlns:p14="http://schemas.microsoft.com/office/powerpoint/2010/main" xmlns:p15="http://schemas.microsoft.com/office/powerpoint/2012/main" matchingName="Title and body" type="tx">
+<p:sldLayout xmlns:a="http://schemas.openxmlformats.org/drawingml/2006/main" xmlns:r="http://schemas.openxmlformats.org/officeDocument/2006/relationships" xmlns:p="http://schemas.openxmlformats.org/presentationml/2006/main" matchingName="Title and body" type="tx">
   <p:cSld name="TITLE_AND_BODY">
     <p:spTree>
       <p:nvGrpSpPr>
-        <p:cNvPr id="16" name="Shape 16"/>
+        <p:cNvPr id="1" name="Shape 16"/>
         <p:cNvGrpSpPr/>
         <p:nvPr/>
       </p:nvGrpSpPr>
@@ -2369,7 +2445,9 @@
       <p:sp>
         <p:nvSpPr>
           <p:cNvPr id="17" name="Google Shape;17;p4"/>
-          <p:cNvSpPr txBox="1"/>
+          <p:cNvSpPr txBox="1">
+            <a:spLocks noGrp="1"/>
+          </p:cNvSpPr>
           <p:nvPr>
             <p:ph type="title"/>
           </p:nvPr>
@@ -2384,7 +2462,7 @@
           </a:prstGeom>
         </p:spPr>
         <p:txBody>
-          <a:bodyPr anchorCtr="0" anchor="t" bIns="91425" lIns="91425" spcFirstLastPara="1" rIns="91425" wrap="square" tIns="91425">
+          <a:bodyPr spcFirstLastPara="1" wrap="square" lIns="91425" tIns="91425" rIns="91425" bIns="91425" anchor="t" anchorCtr="0">
             <a:noAutofit/>
           </a:bodyPr>
           <a:lstStyle>
@@ -2488,15 +2566,19 @@
               <a:defRPr/>
             </a:lvl9pPr>
           </a:lstStyle>
-          <a:p/>
+          <a:p>
+            <a:endParaRPr/>
+          </a:p>
         </p:txBody>
       </p:sp>
       <p:sp>
         <p:nvSpPr>
           <p:cNvPr id="18" name="Google Shape;18;p4"/>
-          <p:cNvSpPr txBox="1"/>
+          <p:cNvSpPr txBox="1">
+            <a:spLocks noGrp="1"/>
+          </p:cNvSpPr>
           <p:nvPr>
-            <p:ph idx="1" type="body"/>
+            <p:ph type="body" idx="1"/>
           </p:nvPr>
         </p:nvSpPr>
         <p:spPr>
@@ -2509,11 +2591,11 @@
           </a:prstGeom>
         </p:spPr>
         <p:txBody>
-          <a:bodyPr anchorCtr="0" anchor="t" bIns="91425" lIns="91425" spcFirstLastPara="1" rIns="91425" wrap="square" tIns="91425">
+          <a:bodyPr spcFirstLastPara="1" wrap="square" lIns="91425" tIns="91425" rIns="91425" bIns="91425" anchor="t" anchorCtr="0">
             <a:noAutofit/>
           </a:bodyPr>
           <a:lstStyle>
-            <a:lvl1pPr indent="-342900" lvl="0" marL="457200">
+            <a:lvl1pPr marL="457200" lvl="0" indent="-342900">
               <a:spcBef>
                 <a:spcPts val="0"/>
               </a:spcBef>
@@ -2524,7 +2606,7 @@
               <a:buChar char="●"/>
               <a:defRPr/>
             </a:lvl1pPr>
-            <a:lvl2pPr indent="-317500" lvl="1" marL="914400">
+            <a:lvl2pPr marL="914400" lvl="1" indent="-317500">
               <a:spcBef>
                 <a:spcPts val="1600"/>
               </a:spcBef>
@@ -2535,7 +2617,7 @@
               <a:buChar char="○"/>
               <a:defRPr/>
             </a:lvl2pPr>
-            <a:lvl3pPr indent="-317500" lvl="2" marL="1371600">
+            <a:lvl3pPr marL="1371600" lvl="2" indent="-317500">
               <a:spcBef>
                 <a:spcPts val="1600"/>
               </a:spcBef>
@@ -2546,7 +2628,7 @@
               <a:buChar char="■"/>
               <a:defRPr/>
             </a:lvl3pPr>
-            <a:lvl4pPr indent="-317500" lvl="3" marL="1828800">
+            <a:lvl4pPr marL="1828800" lvl="3" indent="-317500">
               <a:spcBef>
                 <a:spcPts val="1600"/>
               </a:spcBef>
@@ -2557,7 +2639,7 @@
               <a:buChar char="●"/>
               <a:defRPr/>
             </a:lvl4pPr>
-            <a:lvl5pPr indent="-317500" lvl="4" marL="2286000">
+            <a:lvl5pPr marL="2286000" lvl="4" indent="-317500">
               <a:spcBef>
                 <a:spcPts val="1600"/>
               </a:spcBef>
@@ -2568,7 +2650,7 @@
               <a:buChar char="○"/>
               <a:defRPr/>
             </a:lvl5pPr>
-            <a:lvl6pPr indent="-317500" lvl="5" marL="2743200">
+            <a:lvl6pPr marL="2743200" lvl="5" indent="-317500">
               <a:spcBef>
                 <a:spcPts val="1600"/>
               </a:spcBef>
@@ -2579,7 +2661,7 @@
               <a:buChar char="■"/>
               <a:defRPr/>
             </a:lvl6pPr>
-            <a:lvl7pPr indent="-317500" lvl="6" marL="3200400">
+            <a:lvl7pPr marL="3200400" lvl="6" indent="-317500">
               <a:spcBef>
                 <a:spcPts val="1600"/>
               </a:spcBef>
@@ -2590,7 +2672,7 @@
               <a:buChar char="●"/>
               <a:defRPr/>
             </a:lvl7pPr>
-            <a:lvl8pPr indent="-317500" lvl="7" marL="3657600">
+            <a:lvl8pPr marL="3657600" lvl="7" indent="-317500">
               <a:spcBef>
                 <a:spcPts val="1600"/>
               </a:spcBef>
@@ -2601,7 +2683,7 @@
               <a:buChar char="○"/>
               <a:defRPr/>
             </a:lvl8pPr>
-            <a:lvl9pPr indent="-317500" lvl="8" marL="4114800">
+            <a:lvl9pPr marL="4114800" lvl="8" indent="-317500">
               <a:spcBef>
                 <a:spcPts val="1600"/>
               </a:spcBef>
@@ -2613,15 +2695,19 @@
               <a:defRPr/>
             </a:lvl9pPr>
           </a:lstStyle>
-          <a:p/>
+          <a:p>
+            <a:endParaRPr/>
+          </a:p>
         </p:txBody>
       </p:sp>
       <p:sp>
         <p:nvSpPr>
           <p:cNvPr id="19" name="Google Shape;19;p4"/>
-          <p:cNvSpPr txBox="1"/>
+          <p:cNvSpPr txBox="1">
+            <a:spLocks noGrp="1"/>
+          </p:cNvSpPr>
           <p:nvPr>
-            <p:ph idx="12" type="sldNum"/>
+            <p:ph type="sldNum" idx="12"/>
           </p:nvPr>
         </p:nvSpPr>
         <p:spPr>
@@ -2634,7 +2720,7 @@
           </a:prstGeom>
         </p:spPr>
         <p:txBody>
-          <a:bodyPr anchorCtr="0" anchor="ctr" bIns="91425" lIns="91425" spcFirstLastPara="1" rIns="91425" wrap="square" tIns="91425">
+          <a:bodyPr spcFirstLastPara="1" wrap="square" lIns="91425" tIns="91425" rIns="91425" bIns="91425" anchor="ctr" anchorCtr="0">
             <a:noAutofit/>
           </a:bodyPr>
           <a:lstStyle>
@@ -2676,7 +2762,7 @@
             </a:lvl9pPr>
           </a:lstStyle>
           <a:p>
-            <a:pPr indent="0" lvl="0" marL="0" rtl="0" algn="r">
+            <a:pPr marL="0" lvl="0" indent="0" algn="r" rtl="0">
               <a:spcBef>
                 <a:spcPts val="0"/>
               </a:spcBef>
@@ -2702,11 +2788,11 @@
 </file>
 
 <file path=ppt/slideLayouts/slideLayout4.xml><?xml version="1.0" encoding="utf-8"?>
-<p:sldLayout xmlns:a="http://schemas.openxmlformats.org/drawingml/2006/main" xmlns:r="http://schemas.openxmlformats.org/officeDocument/2006/relationships" xmlns:mc="http://schemas.openxmlformats.org/markup-compatibility/2006" xmlns:mv="urn:schemas-microsoft-com:mac:vml" xmlns:p="http://schemas.openxmlformats.org/presentationml/2006/main" xmlns:c="http://schemas.openxmlformats.org/drawingml/2006/chart" xmlns:dgm="http://schemas.openxmlformats.org/drawingml/2006/diagram" xmlns:o="urn:schemas-microsoft-com:office:office" xmlns:v="urn:schemas-microsoft-com:vml" xmlns:pvml="urn:schemas-microsoft-com:office:powerpoint" xmlns:com="http://schemas.openxmlformats.org/drawingml/2006/compatibility" xmlns:p14="http://schemas.microsoft.com/office/powerpoint/2010/main" xmlns:p15="http://schemas.microsoft.com/office/powerpoint/2012/main" matchingName="Title and two columns" type="twoColTx">
+<p:sldLayout xmlns:a="http://schemas.openxmlformats.org/drawingml/2006/main" xmlns:r="http://schemas.openxmlformats.org/officeDocument/2006/relationships" xmlns:p="http://schemas.openxmlformats.org/presentationml/2006/main" matchingName="Title and two columns" type="twoColTx">
   <p:cSld name="TITLE_AND_TWO_COLUMNS">
     <p:spTree>
       <p:nvGrpSpPr>
-        <p:cNvPr id="20" name="Shape 20"/>
+        <p:cNvPr id="1" name="Shape 20"/>
         <p:cNvGrpSpPr/>
         <p:nvPr/>
       </p:nvGrpSpPr>
@@ -2721,7 +2807,9 @@
       <p:sp>
         <p:nvSpPr>
           <p:cNvPr id="21" name="Google Shape;21;p5"/>
-          <p:cNvSpPr txBox="1"/>
+          <p:cNvSpPr txBox="1">
+            <a:spLocks noGrp="1"/>
+          </p:cNvSpPr>
           <p:nvPr>
             <p:ph type="title"/>
           </p:nvPr>
@@ -2736,7 +2824,7 @@
           </a:prstGeom>
         </p:spPr>
         <p:txBody>
-          <a:bodyPr anchorCtr="0" anchor="t" bIns="91425" lIns="91425" spcFirstLastPara="1" rIns="91425" wrap="square" tIns="91425">
+          <a:bodyPr spcFirstLastPara="1" wrap="square" lIns="91425" tIns="91425" rIns="91425" bIns="91425" anchor="t" anchorCtr="0">
             <a:noAutofit/>
           </a:bodyPr>
           <a:lstStyle>
@@ -2840,15 +2928,19 @@
               <a:defRPr/>
             </a:lvl9pPr>
           </a:lstStyle>
-          <a:p/>
+          <a:p>
+            <a:endParaRPr/>
+          </a:p>
         </p:txBody>
       </p:sp>
       <p:sp>
         <p:nvSpPr>
           <p:cNvPr id="22" name="Google Shape;22;p5"/>
-          <p:cNvSpPr txBox="1"/>
+          <p:cNvSpPr txBox="1">
+            <a:spLocks noGrp="1"/>
+          </p:cNvSpPr>
           <p:nvPr>
-            <p:ph idx="1" type="body"/>
+            <p:ph type="body" idx="1"/>
           </p:nvPr>
         </p:nvSpPr>
         <p:spPr>
@@ -2861,11 +2953,11 @@
           </a:prstGeom>
         </p:spPr>
         <p:txBody>
-          <a:bodyPr anchorCtr="0" anchor="t" bIns="91425" lIns="91425" spcFirstLastPara="1" rIns="91425" wrap="square" tIns="91425">
+          <a:bodyPr spcFirstLastPara="1" wrap="square" lIns="91425" tIns="91425" rIns="91425" bIns="91425" anchor="t" anchorCtr="0">
             <a:noAutofit/>
           </a:bodyPr>
           <a:lstStyle>
-            <a:lvl1pPr indent="-317500" lvl="0" marL="457200">
+            <a:lvl1pPr marL="457200" lvl="0" indent="-317500">
               <a:spcBef>
                 <a:spcPts val="0"/>
               </a:spcBef>
@@ -2876,7 +2968,7 @@
               <a:buChar char="●"/>
               <a:defRPr sz="1400"/>
             </a:lvl1pPr>
-            <a:lvl2pPr indent="-304800" lvl="1" marL="914400">
+            <a:lvl2pPr marL="914400" lvl="1" indent="-304800">
               <a:spcBef>
                 <a:spcPts val="1600"/>
               </a:spcBef>
@@ -2887,7 +2979,7 @@
               <a:buChar char="○"/>
               <a:defRPr sz="1200"/>
             </a:lvl2pPr>
-            <a:lvl3pPr indent="-304800" lvl="2" marL="1371600">
+            <a:lvl3pPr marL="1371600" lvl="2" indent="-304800">
               <a:spcBef>
                 <a:spcPts val="1600"/>
               </a:spcBef>
@@ -2898,7 +2990,7 @@
               <a:buChar char="■"/>
               <a:defRPr sz="1200"/>
             </a:lvl3pPr>
-            <a:lvl4pPr indent="-304800" lvl="3" marL="1828800">
+            <a:lvl4pPr marL="1828800" lvl="3" indent="-304800">
               <a:spcBef>
                 <a:spcPts val="1600"/>
               </a:spcBef>
@@ -2909,7 +3001,7 @@
               <a:buChar char="●"/>
               <a:defRPr sz="1200"/>
             </a:lvl4pPr>
-            <a:lvl5pPr indent="-304800" lvl="4" marL="2286000">
+            <a:lvl5pPr marL="2286000" lvl="4" indent="-304800">
               <a:spcBef>
                 <a:spcPts val="1600"/>
               </a:spcBef>
@@ -2920,7 +3012,7 @@
               <a:buChar char="○"/>
               <a:defRPr sz="1200"/>
             </a:lvl5pPr>
-            <a:lvl6pPr indent="-304800" lvl="5" marL="2743200">
+            <a:lvl6pPr marL="2743200" lvl="5" indent="-304800">
               <a:spcBef>
                 <a:spcPts val="1600"/>
               </a:spcBef>
@@ -2931,7 +3023,7 @@
               <a:buChar char="■"/>
               <a:defRPr sz="1200"/>
             </a:lvl6pPr>
-            <a:lvl7pPr indent="-304800" lvl="6" marL="3200400">
+            <a:lvl7pPr marL="3200400" lvl="6" indent="-304800">
               <a:spcBef>
                 <a:spcPts val="1600"/>
               </a:spcBef>
@@ -2942,7 +3034,7 @@
               <a:buChar char="●"/>
               <a:defRPr sz="1200"/>
             </a:lvl7pPr>
-            <a:lvl8pPr indent="-304800" lvl="7" marL="3657600">
+            <a:lvl8pPr marL="3657600" lvl="7" indent="-304800">
               <a:spcBef>
                 <a:spcPts val="1600"/>
               </a:spcBef>
@@ -2953,7 +3045,7 @@
               <a:buChar char="○"/>
               <a:defRPr sz="1200"/>
             </a:lvl8pPr>
-            <a:lvl9pPr indent="-304800" lvl="8" marL="4114800">
+            <a:lvl9pPr marL="4114800" lvl="8" indent="-304800">
               <a:spcBef>
                 <a:spcPts val="1600"/>
               </a:spcBef>
@@ -2965,15 +3057,19 @@
               <a:defRPr sz="1200"/>
             </a:lvl9pPr>
           </a:lstStyle>
-          <a:p/>
+          <a:p>
+            <a:endParaRPr/>
+          </a:p>
         </p:txBody>
       </p:sp>
       <p:sp>
         <p:nvSpPr>
           <p:cNvPr id="23" name="Google Shape;23;p5"/>
-          <p:cNvSpPr txBox="1"/>
+          <p:cNvSpPr txBox="1">
+            <a:spLocks noGrp="1"/>
+          </p:cNvSpPr>
           <p:nvPr>
-            <p:ph idx="2" type="body"/>
+            <p:ph type="body" idx="2"/>
           </p:nvPr>
         </p:nvSpPr>
         <p:spPr>
@@ -2986,11 +3082,11 @@
           </a:prstGeom>
         </p:spPr>
         <p:txBody>
-          <a:bodyPr anchorCtr="0" anchor="t" bIns="91425" lIns="91425" spcFirstLastPara="1" rIns="91425" wrap="square" tIns="91425">
+          <a:bodyPr spcFirstLastPara="1" wrap="square" lIns="91425" tIns="91425" rIns="91425" bIns="91425" anchor="t" anchorCtr="0">
             <a:noAutofit/>
           </a:bodyPr>
           <a:lstStyle>
-            <a:lvl1pPr indent="-317500" lvl="0" marL="457200">
+            <a:lvl1pPr marL="457200" lvl="0" indent="-317500">
               <a:spcBef>
                 <a:spcPts val="0"/>
               </a:spcBef>
@@ -3001,7 +3097,7 @@
               <a:buChar char="●"/>
               <a:defRPr sz="1400"/>
             </a:lvl1pPr>
-            <a:lvl2pPr indent="-304800" lvl="1" marL="914400">
+            <a:lvl2pPr marL="914400" lvl="1" indent="-304800">
               <a:spcBef>
                 <a:spcPts val="1600"/>
               </a:spcBef>
@@ -3012,7 +3108,7 @@
               <a:buChar char="○"/>
               <a:defRPr sz="1200"/>
             </a:lvl2pPr>
-            <a:lvl3pPr indent="-304800" lvl="2" marL="1371600">
+            <a:lvl3pPr marL="1371600" lvl="2" indent="-304800">
               <a:spcBef>
                 <a:spcPts val="1600"/>
               </a:spcBef>
@@ -3023,7 +3119,7 @@
               <a:buChar char="■"/>
               <a:defRPr sz="1200"/>
             </a:lvl3pPr>
-            <a:lvl4pPr indent="-304800" lvl="3" marL="1828800">
+            <a:lvl4pPr marL="1828800" lvl="3" indent="-304800">
               <a:spcBef>
                 <a:spcPts val="1600"/>
               </a:spcBef>
@@ -3034,7 +3130,7 @@
               <a:buChar char="●"/>
               <a:defRPr sz="1200"/>
             </a:lvl4pPr>
-            <a:lvl5pPr indent="-304800" lvl="4" marL="2286000">
+            <a:lvl5pPr marL="2286000" lvl="4" indent="-304800">
               <a:spcBef>
                 <a:spcPts val="1600"/>
               </a:spcBef>
@@ -3045,7 +3141,7 @@
               <a:buChar char="○"/>
               <a:defRPr sz="1200"/>
             </a:lvl5pPr>
-            <a:lvl6pPr indent="-304800" lvl="5" marL="2743200">
+            <a:lvl6pPr marL="2743200" lvl="5" indent="-304800">
               <a:spcBef>
                 <a:spcPts val="1600"/>
               </a:spcBef>
@@ -3056,7 +3152,7 @@
               <a:buChar char="■"/>
               <a:defRPr sz="1200"/>
             </a:lvl6pPr>
-            <a:lvl7pPr indent="-304800" lvl="6" marL="3200400">
+            <a:lvl7pPr marL="3200400" lvl="6" indent="-304800">
               <a:spcBef>
                 <a:spcPts val="1600"/>
               </a:spcBef>
@@ -3067,7 +3163,7 @@
               <a:buChar char="●"/>
               <a:defRPr sz="1200"/>
             </a:lvl7pPr>
-            <a:lvl8pPr indent="-304800" lvl="7" marL="3657600">
+            <a:lvl8pPr marL="3657600" lvl="7" indent="-304800">
               <a:spcBef>
                 <a:spcPts val="1600"/>
               </a:spcBef>
@@ -3078,7 +3174,7 @@
               <a:buChar char="○"/>
               <a:defRPr sz="1200"/>
             </a:lvl8pPr>
-            <a:lvl9pPr indent="-304800" lvl="8" marL="4114800">
+            <a:lvl9pPr marL="4114800" lvl="8" indent="-304800">
               <a:spcBef>
                 <a:spcPts val="1600"/>
               </a:spcBef>
@@ -3090,15 +3186,19 @@
               <a:defRPr sz="1200"/>
             </a:lvl9pPr>
           </a:lstStyle>
-          <a:p/>
+          <a:p>
+            <a:endParaRPr/>
+          </a:p>
         </p:txBody>
       </p:sp>
       <p:sp>
         <p:nvSpPr>
           <p:cNvPr id="24" name="Google Shape;24;p5"/>
-          <p:cNvSpPr txBox="1"/>
+          <p:cNvSpPr txBox="1">
+            <a:spLocks noGrp="1"/>
+          </p:cNvSpPr>
           <p:nvPr>
-            <p:ph idx="12" type="sldNum"/>
+            <p:ph type="sldNum" idx="12"/>
           </p:nvPr>
         </p:nvSpPr>
         <p:spPr>
@@ -3111,7 +3211,7 @@
           </a:prstGeom>
         </p:spPr>
         <p:txBody>
-          <a:bodyPr anchorCtr="0" anchor="ctr" bIns="91425" lIns="91425" spcFirstLastPara="1" rIns="91425" wrap="square" tIns="91425">
+          <a:bodyPr spcFirstLastPara="1" wrap="square" lIns="91425" tIns="91425" rIns="91425" bIns="91425" anchor="ctr" anchorCtr="0">
             <a:noAutofit/>
           </a:bodyPr>
           <a:lstStyle>
@@ -3153,7 +3253,7 @@
             </a:lvl9pPr>
           </a:lstStyle>
           <a:p>
-            <a:pPr indent="0" lvl="0" marL="0" rtl="0" algn="r">
+            <a:pPr marL="0" lvl="0" indent="0" algn="r" rtl="0">
               <a:spcBef>
                 <a:spcPts val="0"/>
               </a:spcBef>
@@ -3179,11 +3279,11 @@
 </file>
 
 <file path=ppt/slideLayouts/slideLayout5.xml><?xml version="1.0" encoding="utf-8"?>
-<p:sldLayout xmlns:a="http://schemas.openxmlformats.org/drawingml/2006/main" xmlns:r="http://schemas.openxmlformats.org/officeDocument/2006/relationships" xmlns:mc="http://schemas.openxmlformats.org/markup-compatibility/2006" xmlns:mv="urn:schemas-microsoft-com:mac:vml" xmlns:p="http://schemas.openxmlformats.org/presentationml/2006/main" xmlns:c="http://schemas.openxmlformats.org/drawingml/2006/chart" xmlns:dgm="http://schemas.openxmlformats.org/drawingml/2006/diagram" xmlns:o="urn:schemas-microsoft-com:office:office" xmlns:v="urn:schemas-microsoft-com:vml" xmlns:pvml="urn:schemas-microsoft-com:office:powerpoint" xmlns:com="http://schemas.openxmlformats.org/drawingml/2006/compatibility" xmlns:p14="http://schemas.microsoft.com/office/powerpoint/2010/main" xmlns:p15="http://schemas.microsoft.com/office/powerpoint/2012/main" matchingName="Title only" type="titleOnly">
+<p:sldLayout xmlns:a="http://schemas.openxmlformats.org/drawingml/2006/main" xmlns:r="http://schemas.openxmlformats.org/officeDocument/2006/relationships" xmlns:p="http://schemas.openxmlformats.org/presentationml/2006/main" matchingName="Title only" type="titleOnly">
   <p:cSld name="TITLE_ONLY">
     <p:spTree>
       <p:nvGrpSpPr>
-        <p:cNvPr id="25" name="Shape 25"/>
+        <p:cNvPr id="1" name="Shape 25"/>
         <p:cNvGrpSpPr/>
         <p:nvPr/>
       </p:nvGrpSpPr>
@@ -3198,7 +3298,9 @@
       <p:sp>
         <p:nvSpPr>
           <p:cNvPr id="26" name="Google Shape;26;p6"/>
-          <p:cNvSpPr txBox="1"/>
+          <p:cNvSpPr txBox="1">
+            <a:spLocks noGrp="1"/>
+          </p:cNvSpPr>
           <p:nvPr>
             <p:ph type="title"/>
           </p:nvPr>
@@ -3213,7 +3315,7 @@
           </a:prstGeom>
         </p:spPr>
         <p:txBody>
-          <a:bodyPr anchorCtr="0" anchor="t" bIns="91425" lIns="91425" spcFirstLastPara="1" rIns="91425" wrap="square" tIns="91425">
+          <a:bodyPr spcFirstLastPara="1" wrap="square" lIns="91425" tIns="91425" rIns="91425" bIns="91425" anchor="t" anchorCtr="0">
             <a:noAutofit/>
           </a:bodyPr>
           <a:lstStyle>
@@ -3317,15 +3419,19 @@
               <a:defRPr/>
             </a:lvl9pPr>
           </a:lstStyle>
-          <a:p/>
+          <a:p>
+            <a:endParaRPr/>
+          </a:p>
         </p:txBody>
       </p:sp>
       <p:sp>
         <p:nvSpPr>
           <p:cNvPr id="27" name="Google Shape;27;p6"/>
-          <p:cNvSpPr txBox="1"/>
+          <p:cNvSpPr txBox="1">
+            <a:spLocks noGrp="1"/>
+          </p:cNvSpPr>
           <p:nvPr>
-            <p:ph idx="12" type="sldNum"/>
+            <p:ph type="sldNum" idx="12"/>
           </p:nvPr>
         </p:nvSpPr>
         <p:spPr>
@@ -3338,7 +3444,7 @@
           </a:prstGeom>
         </p:spPr>
         <p:txBody>
-          <a:bodyPr anchorCtr="0" anchor="ctr" bIns="91425" lIns="91425" spcFirstLastPara="1" rIns="91425" wrap="square" tIns="91425">
+          <a:bodyPr spcFirstLastPara="1" wrap="square" lIns="91425" tIns="91425" rIns="91425" bIns="91425" anchor="ctr" anchorCtr="0">
             <a:noAutofit/>
           </a:bodyPr>
           <a:lstStyle>
@@ -3380,7 +3486,7 @@
             </a:lvl9pPr>
           </a:lstStyle>
           <a:p>
-            <a:pPr indent="0" lvl="0" marL="0" rtl="0" algn="r">
+            <a:pPr marL="0" lvl="0" indent="0" algn="r" rtl="0">
               <a:spcBef>
                 <a:spcPts val="0"/>
               </a:spcBef>
@@ -3406,11 +3512,11 @@
 </file>
 
 <file path=ppt/slideLayouts/slideLayout6.xml><?xml version="1.0" encoding="utf-8"?>
-<p:sldLayout xmlns:a="http://schemas.openxmlformats.org/drawingml/2006/main" xmlns:r="http://schemas.openxmlformats.org/officeDocument/2006/relationships" xmlns:mc="http://schemas.openxmlformats.org/markup-compatibility/2006" xmlns:mv="urn:schemas-microsoft-com:mac:vml" xmlns:p="http://schemas.openxmlformats.org/presentationml/2006/main" xmlns:c="http://schemas.openxmlformats.org/drawingml/2006/chart" xmlns:dgm="http://schemas.openxmlformats.org/drawingml/2006/diagram" xmlns:o="urn:schemas-microsoft-com:office:office" xmlns:v="urn:schemas-microsoft-com:vml" xmlns:pvml="urn:schemas-microsoft-com:office:powerpoint" xmlns:com="http://schemas.openxmlformats.org/drawingml/2006/compatibility" xmlns:p14="http://schemas.microsoft.com/office/powerpoint/2010/main" xmlns:p15="http://schemas.microsoft.com/office/powerpoint/2012/main" matchingName="One column text">
+<p:sldLayout xmlns:a="http://schemas.openxmlformats.org/drawingml/2006/main" xmlns:r="http://schemas.openxmlformats.org/officeDocument/2006/relationships" xmlns:p="http://schemas.openxmlformats.org/presentationml/2006/main" matchingName="One column text">
   <p:cSld name="ONE_COLUMN_TEXT">
     <p:spTree>
       <p:nvGrpSpPr>
-        <p:cNvPr id="28" name="Shape 28"/>
+        <p:cNvPr id="1" name="Shape 28"/>
         <p:cNvGrpSpPr/>
         <p:nvPr/>
       </p:nvGrpSpPr>
@@ -3425,7 +3531,9 @@
       <p:sp>
         <p:nvSpPr>
           <p:cNvPr id="29" name="Google Shape;29;p7"/>
-          <p:cNvSpPr txBox="1"/>
+          <p:cNvSpPr txBox="1">
+            <a:spLocks noGrp="1"/>
+          </p:cNvSpPr>
           <p:nvPr>
             <p:ph type="title"/>
           </p:nvPr>
@@ -3440,7 +3548,7 @@
           </a:prstGeom>
         </p:spPr>
         <p:txBody>
-          <a:bodyPr anchorCtr="0" anchor="b" bIns="91425" lIns="91425" spcFirstLastPara="1" rIns="91425" wrap="square" tIns="91425">
+          <a:bodyPr spcFirstLastPara="1" wrap="square" lIns="91425" tIns="91425" rIns="91425" bIns="91425" anchor="b" anchorCtr="0">
             <a:noAutofit/>
           </a:bodyPr>
           <a:lstStyle>
@@ -3544,15 +3652,19 @@
               <a:defRPr sz="2400"/>
             </a:lvl9pPr>
           </a:lstStyle>
-          <a:p/>
+          <a:p>
+            <a:endParaRPr/>
+          </a:p>
         </p:txBody>
       </p:sp>
       <p:sp>
         <p:nvSpPr>
           <p:cNvPr id="30" name="Google Shape;30;p7"/>
-          <p:cNvSpPr txBox="1"/>
+          <p:cNvSpPr txBox="1">
+            <a:spLocks noGrp="1"/>
+          </p:cNvSpPr>
           <p:nvPr>
-            <p:ph idx="1" type="body"/>
+            <p:ph type="body" idx="1"/>
           </p:nvPr>
         </p:nvSpPr>
         <p:spPr>
@@ -3565,11 +3677,11 @@
           </a:prstGeom>
         </p:spPr>
         <p:txBody>
-          <a:bodyPr anchorCtr="0" anchor="t" bIns="91425" lIns="91425" spcFirstLastPara="1" rIns="91425" wrap="square" tIns="91425">
+          <a:bodyPr spcFirstLastPara="1" wrap="square" lIns="91425" tIns="91425" rIns="91425" bIns="91425" anchor="t" anchorCtr="0">
             <a:noAutofit/>
           </a:bodyPr>
           <a:lstStyle>
-            <a:lvl1pPr indent="-304800" lvl="0" marL="457200">
+            <a:lvl1pPr marL="457200" lvl="0" indent="-304800">
               <a:spcBef>
                 <a:spcPts val="0"/>
               </a:spcBef>
@@ -3580,7 +3692,7 @@
               <a:buChar char="●"/>
               <a:defRPr sz="1200"/>
             </a:lvl1pPr>
-            <a:lvl2pPr indent="-304800" lvl="1" marL="914400">
+            <a:lvl2pPr marL="914400" lvl="1" indent="-304800">
               <a:spcBef>
                 <a:spcPts val="1600"/>
               </a:spcBef>
@@ -3591,7 +3703,7 @@
               <a:buChar char="○"/>
               <a:defRPr sz="1200"/>
             </a:lvl2pPr>
-            <a:lvl3pPr indent="-304800" lvl="2" marL="1371600">
+            <a:lvl3pPr marL="1371600" lvl="2" indent="-304800">
               <a:spcBef>
                 <a:spcPts val="1600"/>
               </a:spcBef>
@@ -3602,7 +3714,7 @@
               <a:buChar char="■"/>
               <a:defRPr sz="1200"/>
             </a:lvl3pPr>
-            <a:lvl4pPr indent="-304800" lvl="3" marL="1828800">
+            <a:lvl4pPr marL="1828800" lvl="3" indent="-304800">
               <a:spcBef>
                 <a:spcPts val="1600"/>
               </a:spcBef>
@@ -3613,7 +3725,7 @@
               <a:buChar char="●"/>
               <a:defRPr sz="1200"/>
             </a:lvl4pPr>
-            <a:lvl5pPr indent="-304800" lvl="4" marL="2286000">
+            <a:lvl5pPr marL="2286000" lvl="4" indent="-304800">
               <a:spcBef>
                 <a:spcPts val="1600"/>
               </a:spcBef>
@@ -3624,7 +3736,7 @@
               <a:buChar char="○"/>
               <a:defRPr sz="1200"/>
             </a:lvl5pPr>
-            <a:lvl6pPr indent="-304800" lvl="5" marL="2743200">
+            <a:lvl6pPr marL="2743200" lvl="5" indent="-304800">
               <a:spcBef>
                 <a:spcPts val="1600"/>
               </a:spcBef>
@@ -3635,7 +3747,7 @@
               <a:buChar char="■"/>
               <a:defRPr sz="1200"/>
             </a:lvl6pPr>
-            <a:lvl7pPr indent="-304800" lvl="6" marL="3200400">
+            <a:lvl7pPr marL="3200400" lvl="6" indent="-304800">
               <a:spcBef>
                 <a:spcPts val="1600"/>
               </a:spcBef>
@@ -3646,7 +3758,7 @@
               <a:buChar char="●"/>
               <a:defRPr sz="1200"/>
             </a:lvl7pPr>
-            <a:lvl8pPr indent="-304800" lvl="7" marL="3657600">
+            <a:lvl8pPr marL="3657600" lvl="7" indent="-304800">
               <a:spcBef>
                 <a:spcPts val="1600"/>
               </a:spcBef>
@@ -3657,7 +3769,7 @@
               <a:buChar char="○"/>
               <a:defRPr sz="1200"/>
             </a:lvl8pPr>
-            <a:lvl9pPr indent="-304800" lvl="8" marL="4114800">
+            <a:lvl9pPr marL="4114800" lvl="8" indent="-304800">
               <a:spcBef>
                 <a:spcPts val="1600"/>
               </a:spcBef>
@@ -3669,15 +3781,19 @@
               <a:defRPr sz="1200"/>
             </a:lvl9pPr>
           </a:lstStyle>
-          <a:p/>
+          <a:p>
+            <a:endParaRPr/>
+          </a:p>
         </p:txBody>
       </p:sp>
       <p:sp>
         <p:nvSpPr>
           <p:cNvPr id="31" name="Google Shape;31;p7"/>
-          <p:cNvSpPr txBox="1"/>
+          <p:cNvSpPr txBox="1">
+            <a:spLocks noGrp="1"/>
+          </p:cNvSpPr>
           <p:nvPr>
-            <p:ph idx="12" type="sldNum"/>
+            <p:ph type="sldNum" idx="12"/>
           </p:nvPr>
         </p:nvSpPr>
         <p:spPr>
@@ -3690,7 +3806,7 @@
           </a:prstGeom>
         </p:spPr>
         <p:txBody>
-          <a:bodyPr anchorCtr="0" anchor="ctr" bIns="91425" lIns="91425" spcFirstLastPara="1" rIns="91425" wrap="square" tIns="91425">
+          <a:bodyPr spcFirstLastPara="1" wrap="square" lIns="91425" tIns="91425" rIns="91425" bIns="91425" anchor="ctr" anchorCtr="0">
             <a:noAutofit/>
           </a:bodyPr>
           <a:lstStyle>
@@ -3732,7 +3848,7 @@
             </a:lvl9pPr>
           </a:lstStyle>
           <a:p>
-            <a:pPr indent="0" lvl="0" marL="0" rtl="0" algn="r">
+            <a:pPr marL="0" lvl="0" indent="0" algn="r" rtl="0">
               <a:spcBef>
                 <a:spcPts val="0"/>
               </a:spcBef>
@@ -3758,11 +3874,11 @@
 </file>
 
 <file path=ppt/slideLayouts/slideLayout7.xml><?xml version="1.0" encoding="utf-8"?>
-<p:sldLayout xmlns:a="http://schemas.openxmlformats.org/drawingml/2006/main" xmlns:r="http://schemas.openxmlformats.org/officeDocument/2006/relationships" xmlns:mc="http://schemas.openxmlformats.org/markup-compatibility/2006" xmlns:mv="urn:schemas-microsoft-com:mac:vml" xmlns:p="http://schemas.openxmlformats.org/presentationml/2006/main" xmlns:c="http://schemas.openxmlformats.org/drawingml/2006/chart" xmlns:dgm="http://schemas.openxmlformats.org/drawingml/2006/diagram" xmlns:o="urn:schemas-microsoft-com:office:office" xmlns:v="urn:schemas-microsoft-com:vml" xmlns:pvml="urn:schemas-microsoft-com:office:powerpoint" xmlns:com="http://schemas.openxmlformats.org/drawingml/2006/compatibility" xmlns:p14="http://schemas.microsoft.com/office/powerpoint/2010/main" xmlns:p15="http://schemas.microsoft.com/office/powerpoint/2012/main" matchingName="Main point">
+<p:sldLayout xmlns:a="http://schemas.openxmlformats.org/drawingml/2006/main" xmlns:r="http://schemas.openxmlformats.org/officeDocument/2006/relationships" xmlns:p="http://schemas.openxmlformats.org/presentationml/2006/main" matchingName="Main point">
   <p:cSld name="MAIN_POINT">
     <p:spTree>
       <p:nvGrpSpPr>
-        <p:cNvPr id="32" name="Shape 32"/>
+        <p:cNvPr id="1" name="Shape 32"/>
         <p:cNvGrpSpPr/>
         <p:nvPr/>
       </p:nvGrpSpPr>
@@ -3777,7 +3893,9 @@
       <p:sp>
         <p:nvSpPr>
           <p:cNvPr id="33" name="Google Shape;33;p8"/>
-          <p:cNvSpPr txBox="1"/>
+          <p:cNvSpPr txBox="1">
+            <a:spLocks noGrp="1"/>
+          </p:cNvSpPr>
           <p:nvPr>
             <p:ph type="title"/>
           </p:nvPr>
@@ -3792,7 +3910,7 @@
           </a:prstGeom>
         </p:spPr>
         <p:txBody>
-          <a:bodyPr anchorCtr="0" anchor="ctr" bIns="91425" lIns="91425" spcFirstLastPara="1" rIns="91425" wrap="square" tIns="91425">
+          <a:bodyPr spcFirstLastPara="1" wrap="square" lIns="91425" tIns="91425" rIns="91425" bIns="91425" anchor="ctr" anchorCtr="0">
             <a:noAutofit/>
           </a:bodyPr>
           <a:lstStyle>
@@ -3896,15 +4014,19 @@
               <a:defRPr sz="4800"/>
             </a:lvl9pPr>
           </a:lstStyle>
-          <a:p/>
+          <a:p>
+            <a:endParaRPr/>
+          </a:p>
         </p:txBody>
       </p:sp>
       <p:sp>
         <p:nvSpPr>
           <p:cNvPr id="34" name="Google Shape;34;p8"/>
-          <p:cNvSpPr txBox="1"/>
+          <p:cNvSpPr txBox="1">
+            <a:spLocks noGrp="1"/>
+          </p:cNvSpPr>
           <p:nvPr>
-            <p:ph idx="12" type="sldNum"/>
+            <p:ph type="sldNum" idx="12"/>
           </p:nvPr>
         </p:nvSpPr>
         <p:spPr>
@@ -3917,7 +4039,7 @@
           </a:prstGeom>
         </p:spPr>
         <p:txBody>
-          <a:bodyPr anchorCtr="0" anchor="ctr" bIns="91425" lIns="91425" spcFirstLastPara="1" rIns="91425" wrap="square" tIns="91425">
+          <a:bodyPr spcFirstLastPara="1" wrap="square" lIns="91425" tIns="91425" rIns="91425" bIns="91425" anchor="ctr" anchorCtr="0">
             <a:noAutofit/>
           </a:bodyPr>
           <a:lstStyle>
@@ -3959,7 +4081,7 @@
             </a:lvl9pPr>
           </a:lstStyle>
           <a:p>
-            <a:pPr indent="0" lvl="0" marL="0" rtl="0" algn="r">
+            <a:pPr marL="0" lvl="0" indent="0" algn="r" rtl="0">
               <a:spcBef>
                 <a:spcPts val="0"/>
               </a:spcBef>
@@ -3985,11 +4107,11 @@
 </file>
 
 <file path=ppt/slideLayouts/slideLayout8.xml><?xml version="1.0" encoding="utf-8"?>
-<p:sldLayout xmlns:a="http://schemas.openxmlformats.org/drawingml/2006/main" xmlns:r="http://schemas.openxmlformats.org/officeDocument/2006/relationships" xmlns:mc="http://schemas.openxmlformats.org/markup-compatibility/2006" xmlns:mv="urn:schemas-microsoft-com:mac:vml" xmlns:p="http://schemas.openxmlformats.org/presentationml/2006/main" xmlns:c="http://schemas.openxmlformats.org/drawingml/2006/chart" xmlns:dgm="http://schemas.openxmlformats.org/drawingml/2006/diagram" xmlns:o="urn:schemas-microsoft-com:office:office" xmlns:v="urn:schemas-microsoft-com:vml" xmlns:pvml="urn:schemas-microsoft-com:office:powerpoint" xmlns:com="http://schemas.openxmlformats.org/drawingml/2006/compatibility" xmlns:p14="http://schemas.microsoft.com/office/powerpoint/2010/main" xmlns:p15="http://schemas.microsoft.com/office/powerpoint/2012/main" matchingName="Section title and description">
+<p:sldLayout xmlns:a="http://schemas.openxmlformats.org/drawingml/2006/main" xmlns:r="http://schemas.openxmlformats.org/officeDocument/2006/relationships" xmlns:p="http://schemas.openxmlformats.org/presentationml/2006/main" matchingName="Section title and description">
   <p:cSld name="SECTION_TITLE_AND_DESCRIPTION">
     <p:spTree>
       <p:nvGrpSpPr>
-        <p:cNvPr id="35" name="Shape 35"/>
+        <p:cNvPr id="1" name="Shape 35"/>
         <p:cNvGrpSpPr/>
         <p:nvPr/>
       </p:nvGrpSpPr>
@@ -4023,12 +4145,12 @@
           </a:ln>
         </p:spPr>
         <p:txBody>
-          <a:bodyPr anchorCtr="0" anchor="ctr" bIns="91425" lIns="91425" spcFirstLastPara="1" rIns="91425" wrap="square" tIns="91425">
+          <a:bodyPr spcFirstLastPara="1" wrap="square" lIns="91425" tIns="91425" rIns="91425" bIns="91425" anchor="ctr" anchorCtr="0">
             <a:noAutofit/>
           </a:bodyPr>
           <a:lstStyle/>
           <a:p>
-            <a:pPr indent="0" lvl="0" marL="0" rtl="0" algn="l">
+            <a:pPr marL="0" lvl="0" indent="0" algn="l" rtl="0">
               <a:spcBef>
                 <a:spcPts val="0"/>
               </a:spcBef>
@@ -4037,9 +4159,6 @@
               </a:spcAft>
               <a:buNone/>
             </a:pPr>
-            <a:r>
-              <a:t/>
-            </a:r>
             <a:endParaRPr/>
           </a:p>
         </p:txBody>
@@ -4047,7 +4166,9 @@
       <p:sp>
         <p:nvSpPr>
           <p:cNvPr id="37" name="Google Shape;37;p9"/>
-          <p:cNvSpPr txBox="1"/>
+          <p:cNvSpPr txBox="1">
+            <a:spLocks noGrp="1"/>
+          </p:cNvSpPr>
           <p:nvPr>
             <p:ph type="title"/>
           </p:nvPr>
@@ -4062,7 +4183,7 @@
           </a:prstGeom>
         </p:spPr>
         <p:txBody>
-          <a:bodyPr anchorCtr="0" anchor="b" bIns="91425" lIns="91425" spcFirstLastPara="1" rIns="91425" wrap="square" tIns="91425">
+          <a:bodyPr spcFirstLastPara="1" wrap="square" lIns="91425" tIns="91425" rIns="91425" bIns="91425" anchor="b" anchorCtr="0">
             <a:noAutofit/>
           </a:bodyPr>
           <a:lstStyle>
@@ -4166,15 +4287,19 @@
               <a:defRPr sz="4200"/>
             </a:lvl9pPr>
           </a:lstStyle>
-          <a:p/>
+          <a:p>
+            <a:endParaRPr/>
+          </a:p>
         </p:txBody>
       </p:sp>
       <p:sp>
         <p:nvSpPr>
           <p:cNvPr id="38" name="Google Shape;38;p9"/>
-          <p:cNvSpPr txBox="1"/>
+          <p:cNvSpPr txBox="1">
+            <a:spLocks noGrp="1"/>
+          </p:cNvSpPr>
           <p:nvPr>
-            <p:ph idx="1" type="subTitle"/>
+            <p:ph type="subTitle" idx="1"/>
           </p:nvPr>
         </p:nvSpPr>
         <p:spPr>
@@ -4187,7 +4312,7 @@
           </a:prstGeom>
         </p:spPr>
         <p:txBody>
-          <a:bodyPr anchorCtr="0" anchor="t" bIns="91425" lIns="91425" spcFirstLastPara="1" rIns="91425" wrap="square" tIns="91425">
+          <a:bodyPr spcFirstLastPara="1" wrap="square" lIns="91425" tIns="91425" rIns="91425" bIns="91425" anchor="t" anchorCtr="0">
             <a:noAutofit/>
           </a:bodyPr>
           <a:lstStyle>
@@ -4318,15 +4443,19 @@
               <a:defRPr sz="2100"/>
             </a:lvl9pPr>
           </a:lstStyle>
-          <a:p/>
+          <a:p>
+            <a:endParaRPr/>
+          </a:p>
         </p:txBody>
       </p:sp>
       <p:sp>
         <p:nvSpPr>
           <p:cNvPr id="39" name="Google Shape;39;p9"/>
-          <p:cNvSpPr txBox="1"/>
+          <p:cNvSpPr txBox="1">
+            <a:spLocks noGrp="1"/>
+          </p:cNvSpPr>
           <p:nvPr>
-            <p:ph idx="2" type="body"/>
+            <p:ph type="body" idx="2"/>
           </p:nvPr>
         </p:nvSpPr>
         <p:spPr>
@@ -4339,11 +4468,11 @@
           </a:prstGeom>
         </p:spPr>
         <p:txBody>
-          <a:bodyPr anchorCtr="0" anchor="ctr" bIns="91425" lIns="91425" spcFirstLastPara="1" rIns="91425" wrap="square" tIns="91425">
+          <a:bodyPr spcFirstLastPara="1" wrap="square" lIns="91425" tIns="91425" rIns="91425" bIns="91425" anchor="ctr" anchorCtr="0">
             <a:noAutofit/>
           </a:bodyPr>
           <a:lstStyle>
-            <a:lvl1pPr indent="-342900" lvl="0" marL="457200">
+            <a:lvl1pPr marL="457200" lvl="0" indent="-342900">
               <a:spcBef>
                 <a:spcPts val="0"/>
               </a:spcBef>
@@ -4354,7 +4483,7 @@
               <a:buChar char="●"/>
               <a:defRPr/>
             </a:lvl1pPr>
-            <a:lvl2pPr indent="-317500" lvl="1" marL="914400">
+            <a:lvl2pPr marL="914400" lvl="1" indent="-317500">
               <a:spcBef>
                 <a:spcPts val="1600"/>
               </a:spcBef>
@@ -4365,7 +4494,7 @@
               <a:buChar char="○"/>
               <a:defRPr/>
             </a:lvl2pPr>
-            <a:lvl3pPr indent="-317500" lvl="2" marL="1371600">
+            <a:lvl3pPr marL="1371600" lvl="2" indent="-317500">
               <a:spcBef>
                 <a:spcPts val="1600"/>
               </a:spcBef>
@@ -4376,7 +4505,7 @@
               <a:buChar char="■"/>
               <a:defRPr/>
             </a:lvl3pPr>
-            <a:lvl4pPr indent="-317500" lvl="3" marL="1828800">
+            <a:lvl4pPr marL="1828800" lvl="3" indent="-317500">
               <a:spcBef>
                 <a:spcPts val="1600"/>
               </a:spcBef>
@@ -4387,7 +4516,7 @@
               <a:buChar char="●"/>
               <a:defRPr/>
             </a:lvl4pPr>
-            <a:lvl5pPr indent="-317500" lvl="4" marL="2286000">
+            <a:lvl5pPr marL="2286000" lvl="4" indent="-317500">
               <a:spcBef>
                 <a:spcPts val="1600"/>
               </a:spcBef>
@@ -4398,7 +4527,7 @@
               <a:buChar char="○"/>
               <a:defRPr/>
             </a:lvl5pPr>
-            <a:lvl6pPr indent="-317500" lvl="5" marL="2743200">
+            <a:lvl6pPr marL="2743200" lvl="5" indent="-317500">
               <a:spcBef>
                 <a:spcPts val="1600"/>
               </a:spcBef>
@@ -4409,7 +4538,7 @@
               <a:buChar char="■"/>
               <a:defRPr/>
             </a:lvl6pPr>
-            <a:lvl7pPr indent="-317500" lvl="6" marL="3200400">
+            <a:lvl7pPr marL="3200400" lvl="6" indent="-317500">
               <a:spcBef>
                 <a:spcPts val="1600"/>
               </a:spcBef>
@@ -4420,7 +4549,7 @@
               <a:buChar char="●"/>
               <a:defRPr/>
             </a:lvl7pPr>
-            <a:lvl8pPr indent="-317500" lvl="7" marL="3657600">
+            <a:lvl8pPr marL="3657600" lvl="7" indent="-317500">
               <a:spcBef>
                 <a:spcPts val="1600"/>
               </a:spcBef>
@@ -4431,7 +4560,7 @@
               <a:buChar char="○"/>
               <a:defRPr/>
             </a:lvl8pPr>
-            <a:lvl9pPr indent="-317500" lvl="8" marL="4114800">
+            <a:lvl9pPr marL="4114800" lvl="8" indent="-317500">
               <a:spcBef>
                 <a:spcPts val="1600"/>
               </a:spcBef>
@@ -4443,15 +4572,19 @@
               <a:defRPr/>
             </a:lvl9pPr>
           </a:lstStyle>
-          <a:p/>
+          <a:p>
+            <a:endParaRPr/>
+          </a:p>
         </p:txBody>
       </p:sp>
       <p:sp>
         <p:nvSpPr>
           <p:cNvPr id="40" name="Google Shape;40;p9"/>
-          <p:cNvSpPr txBox="1"/>
+          <p:cNvSpPr txBox="1">
+            <a:spLocks noGrp="1"/>
+          </p:cNvSpPr>
           <p:nvPr>
-            <p:ph idx="12" type="sldNum"/>
+            <p:ph type="sldNum" idx="12"/>
           </p:nvPr>
         </p:nvSpPr>
         <p:spPr>
@@ -4464,7 +4597,7 @@
           </a:prstGeom>
         </p:spPr>
         <p:txBody>
-          <a:bodyPr anchorCtr="0" anchor="ctr" bIns="91425" lIns="91425" spcFirstLastPara="1" rIns="91425" wrap="square" tIns="91425">
+          <a:bodyPr spcFirstLastPara="1" wrap="square" lIns="91425" tIns="91425" rIns="91425" bIns="91425" anchor="ctr" anchorCtr="0">
             <a:noAutofit/>
           </a:bodyPr>
           <a:lstStyle>
@@ -4506,7 +4639,7 @@
             </a:lvl9pPr>
           </a:lstStyle>
           <a:p>
-            <a:pPr indent="0" lvl="0" marL="0" rtl="0" algn="r">
+            <a:pPr marL="0" lvl="0" indent="0" algn="r" rtl="0">
               <a:spcBef>
                 <a:spcPts val="0"/>
               </a:spcBef>
@@ -4532,11 +4665,11 @@
 </file>
 
 <file path=ppt/slideLayouts/slideLayout9.xml><?xml version="1.0" encoding="utf-8"?>
-<p:sldLayout xmlns:a="http://schemas.openxmlformats.org/drawingml/2006/main" xmlns:r="http://schemas.openxmlformats.org/officeDocument/2006/relationships" xmlns:mc="http://schemas.openxmlformats.org/markup-compatibility/2006" xmlns:mv="urn:schemas-microsoft-com:mac:vml" xmlns:p="http://schemas.openxmlformats.org/presentationml/2006/main" xmlns:c="http://schemas.openxmlformats.org/drawingml/2006/chart" xmlns:dgm="http://schemas.openxmlformats.org/drawingml/2006/diagram" xmlns:o="urn:schemas-microsoft-com:office:office" xmlns:v="urn:schemas-microsoft-com:vml" xmlns:pvml="urn:schemas-microsoft-com:office:powerpoint" xmlns:com="http://schemas.openxmlformats.org/drawingml/2006/compatibility" xmlns:p14="http://schemas.microsoft.com/office/powerpoint/2010/main" xmlns:p15="http://schemas.microsoft.com/office/powerpoint/2012/main" matchingName="Caption">
+<p:sldLayout xmlns:a="http://schemas.openxmlformats.org/drawingml/2006/main" xmlns:r="http://schemas.openxmlformats.org/officeDocument/2006/relationships" xmlns:p="http://schemas.openxmlformats.org/presentationml/2006/main" matchingName="Caption">
   <p:cSld name="CAPTION_ONLY">
     <p:spTree>
       <p:nvGrpSpPr>
-        <p:cNvPr id="41" name="Shape 41"/>
+        <p:cNvPr id="1" name="Shape 41"/>
         <p:cNvGrpSpPr/>
         <p:nvPr/>
       </p:nvGrpSpPr>
@@ -4551,9 +4684,11 @@
       <p:sp>
         <p:nvSpPr>
           <p:cNvPr id="42" name="Google Shape;42;p10"/>
-          <p:cNvSpPr txBox="1"/>
+          <p:cNvSpPr txBox="1">
+            <a:spLocks noGrp="1"/>
+          </p:cNvSpPr>
           <p:nvPr>
-            <p:ph idx="1" type="body"/>
+            <p:ph type="body" idx="1"/>
           </p:nvPr>
         </p:nvSpPr>
         <p:spPr>
@@ -4566,11 +4701,11 @@
           </a:prstGeom>
         </p:spPr>
         <p:txBody>
-          <a:bodyPr anchorCtr="0" anchor="ctr" bIns="91425" lIns="91425" spcFirstLastPara="1" rIns="91425" wrap="square" tIns="91425">
+          <a:bodyPr spcFirstLastPara="1" wrap="square" lIns="91425" tIns="91425" rIns="91425" bIns="91425" anchor="ctr" anchorCtr="0">
             <a:noAutofit/>
           </a:bodyPr>
           <a:lstStyle>
-            <a:lvl1pPr indent="-228600" lvl="0" marL="457200">
+            <a:lvl1pPr marL="457200" lvl="0" indent="-228600">
               <a:lnSpc>
                 <a:spcPct val="100000"/>
               </a:lnSpc>
@@ -4585,15 +4720,19 @@
               <a:defRPr/>
             </a:lvl1pPr>
           </a:lstStyle>
-          <a:p/>
+          <a:p>
+            <a:endParaRPr/>
+          </a:p>
         </p:txBody>
       </p:sp>
       <p:sp>
         <p:nvSpPr>
           <p:cNvPr id="43" name="Google Shape;43;p10"/>
-          <p:cNvSpPr txBox="1"/>
+          <p:cNvSpPr txBox="1">
+            <a:spLocks noGrp="1"/>
+          </p:cNvSpPr>
           <p:nvPr>
-            <p:ph idx="12" type="sldNum"/>
+            <p:ph type="sldNum" idx="12"/>
           </p:nvPr>
         </p:nvSpPr>
         <p:spPr>
@@ -4606,7 +4745,7 @@
           </a:prstGeom>
         </p:spPr>
         <p:txBody>
-          <a:bodyPr anchorCtr="0" anchor="ctr" bIns="91425" lIns="91425" spcFirstLastPara="1" rIns="91425" wrap="square" tIns="91425">
+          <a:bodyPr spcFirstLastPara="1" wrap="square" lIns="91425" tIns="91425" rIns="91425" bIns="91425" anchor="ctr" anchorCtr="0">
             <a:noAutofit/>
           </a:bodyPr>
           <a:lstStyle>
@@ -4648,7 +4787,7 @@
             </a:lvl9pPr>
           </a:lstStyle>
           <a:p>
-            <a:pPr indent="0" lvl="0" marL="0" rtl="0" algn="r">
+            <a:pPr marL="0" lvl="0" indent="0" algn="r" rtl="0">
               <a:spcBef>
                 <a:spcPts val="0"/>
               </a:spcBef>
@@ -4674,18 +4813,19 @@
 </file>
 
 <file path=ppt/slideMasters/slideMaster1.xml><?xml version="1.0" encoding="utf-8"?>
-<p:sldMaster xmlns:a="http://schemas.openxmlformats.org/drawingml/2006/main" xmlns:r="http://schemas.openxmlformats.org/officeDocument/2006/relationships" xmlns:mc="http://schemas.openxmlformats.org/markup-compatibility/2006" xmlns:mv="urn:schemas-microsoft-com:mac:vml" xmlns:p="http://schemas.openxmlformats.org/presentationml/2006/main" xmlns:c="http://schemas.openxmlformats.org/drawingml/2006/chart" xmlns:dgm="http://schemas.openxmlformats.org/drawingml/2006/diagram" xmlns:o="urn:schemas-microsoft-com:office:office" xmlns:v="urn:schemas-microsoft-com:vml" xmlns:pvml="urn:schemas-microsoft-com:office:powerpoint" xmlns:com="http://schemas.openxmlformats.org/drawingml/2006/compatibility" xmlns:p14="http://schemas.microsoft.com/office/powerpoint/2010/main" xmlns:p15="http://schemas.microsoft.com/office/powerpoint/2012/main">
+<p:sldMaster xmlns:a="http://schemas.openxmlformats.org/drawingml/2006/main" xmlns:r="http://schemas.openxmlformats.org/officeDocument/2006/relationships" xmlns:p="http://schemas.openxmlformats.org/presentationml/2006/main">
   <p:cSld name="simple-light-2">
     <p:bg>
       <p:bgPr>
         <a:solidFill>
           <a:schemeClr val="lt1"/>
         </a:solidFill>
+        <a:effectLst/>
       </p:bgPr>
     </p:bg>
     <p:spTree>
       <p:nvGrpSpPr>
-        <p:cNvPr id="5" name="Shape 5"/>
+        <p:cNvPr id="1" name="Shape 5"/>
         <p:cNvGrpSpPr/>
         <p:nvPr/>
       </p:nvGrpSpPr>
@@ -4700,7 +4840,9 @@
       <p:sp>
         <p:nvSpPr>
           <p:cNvPr id="6" name="Google Shape;6;p1"/>
-          <p:cNvSpPr txBox="1"/>
+          <p:cNvSpPr txBox="1">
+            <a:spLocks noGrp="1"/>
+          </p:cNvSpPr>
           <p:nvPr>
             <p:ph type="title"/>
           </p:nvPr>
@@ -4719,7 +4861,7 @@
           </a:ln>
         </p:spPr>
         <p:txBody>
-          <a:bodyPr anchorCtr="0" anchor="t" bIns="91425" lIns="91425" spcFirstLastPara="1" rIns="91425" wrap="square" tIns="91425">
+          <a:bodyPr spcFirstLastPara="1" wrap="square" lIns="91425" tIns="91425" rIns="91425" bIns="91425" anchor="t" anchorCtr="0">
             <a:noAutofit/>
           </a:bodyPr>
           <a:lstStyle>
@@ -4886,15 +5028,19 @@
               </a:defRPr>
             </a:lvl9pPr>
           </a:lstStyle>
-          <a:p/>
+          <a:p>
+            <a:endParaRPr/>
+          </a:p>
         </p:txBody>
       </p:sp>
       <p:sp>
         <p:nvSpPr>
           <p:cNvPr id="7" name="Google Shape;7;p1"/>
-          <p:cNvSpPr txBox="1"/>
+          <p:cNvSpPr txBox="1">
+            <a:spLocks noGrp="1"/>
+          </p:cNvSpPr>
           <p:nvPr>
-            <p:ph idx="1" type="body"/>
+            <p:ph type="body" idx="1"/>
           </p:nvPr>
         </p:nvSpPr>
         <p:spPr>
@@ -4911,11 +5057,11 @@
           </a:ln>
         </p:spPr>
         <p:txBody>
-          <a:bodyPr anchorCtr="0" anchor="t" bIns="91425" lIns="91425" spcFirstLastPara="1" rIns="91425" wrap="square" tIns="91425">
+          <a:bodyPr spcFirstLastPara="1" wrap="square" lIns="91425" tIns="91425" rIns="91425" bIns="91425" anchor="t" anchorCtr="0">
             <a:noAutofit/>
           </a:bodyPr>
           <a:lstStyle>
-            <a:lvl1pPr indent="-342900" lvl="0" marL="457200">
+            <a:lvl1pPr marL="457200" lvl="0" indent="-342900">
               <a:lnSpc>
                 <a:spcPct val="115000"/>
               </a:lnSpc>
@@ -4936,7 +5082,7 @@
                 </a:solidFill>
               </a:defRPr>
             </a:lvl1pPr>
-            <a:lvl2pPr indent="-317500" lvl="1" marL="914400">
+            <a:lvl2pPr marL="914400" lvl="1" indent="-317500">
               <a:lnSpc>
                 <a:spcPct val="115000"/>
               </a:lnSpc>
@@ -4957,7 +5103,7 @@
                 </a:solidFill>
               </a:defRPr>
             </a:lvl2pPr>
-            <a:lvl3pPr indent="-317500" lvl="2" marL="1371600">
+            <a:lvl3pPr marL="1371600" lvl="2" indent="-317500">
               <a:lnSpc>
                 <a:spcPct val="115000"/>
               </a:lnSpc>
@@ -4978,7 +5124,7 @@
                 </a:solidFill>
               </a:defRPr>
             </a:lvl3pPr>
-            <a:lvl4pPr indent="-317500" lvl="3" marL="1828800">
+            <a:lvl4pPr marL="1828800" lvl="3" indent="-317500">
               <a:lnSpc>
                 <a:spcPct val="115000"/>
               </a:lnSpc>
@@ -4999,7 +5145,7 @@
                 </a:solidFill>
               </a:defRPr>
             </a:lvl4pPr>
-            <a:lvl5pPr indent="-317500" lvl="4" marL="2286000">
+            <a:lvl5pPr marL="2286000" lvl="4" indent="-317500">
               <a:lnSpc>
                 <a:spcPct val="115000"/>
               </a:lnSpc>
@@ -5020,7 +5166,7 @@
                 </a:solidFill>
               </a:defRPr>
             </a:lvl5pPr>
-            <a:lvl6pPr indent="-317500" lvl="5" marL="2743200">
+            <a:lvl6pPr marL="2743200" lvl="5" indent="-317500">
               <a:lnSpc>
                 <a:spcPct val="115000"/>
               </a:lnSpc>
@@ -5041,7 +5187,7 @@
                 </a:solidFill>
               </a:defRPr>
             </a:lvl6pPr>
-            <a:lvl7pPr indent="-317500" lvl="6" marL="3200400">
+            <a:lvl7pPr marL="3200400" lvl="6" indent="-317500">
               <a:lnSpc>
                 <a:spcPct val="115000"/>
               </a:lnSpc>
@@ -5062,7 +5208,7 @@
                 </a:solidFill>
               </a:defRPr>
             </a:lvl7pPr>
-            <a:lvl8pPr indent="-317500" lvl="7" marL="3657600">
+            <a:lvl8pPr marL="3657600" lvl="7" indent="-317500">
               <a:lnSpc>
                 <a:spcPct val="115000"/>
               </a:lnSpc>
@@ -5083,7 +5229,7 @@
                 </a:solidFill>
               </a:defRPr>
             </a:lvl8pPr>
-            <a:lvl9pPr indent="-317500" lvl="8" marL="4114800">
+            <a:lvl9pPr marL="4114800" lvl="8" indent="-317500">
               <a:lnSpc>
                 <a:spcPct val="115000"/>
               </a:lnSpc>
@@ -5105,15 +5251,19 @@
               </a:defRPr>
             </a:lvl9pPr>
           </a:lstStyle>
-          <a:p/>
+          <a:p>
+            <a:endParaRPr/>
+          </a:p>
         </p:txBody>
       </p:sp>
       <p:sp>
         <p:nvSpPr>
           <p:cNvPr id="8" name="Google Shape;8;p1"/>
-          <p:cNvSpPr txBox="1"/>
+          <p:cNvSpPr txBox="1">
+            <a:spLocks noGrp="1"/>
+          </p:cNvSpPr>
           <p:nvPr>
-            <p:ph idx="12" type="sldNum"/>
+            <p:ph type="sldNum" idx="12"/>
           </p:nvPr>
         </p:nvSpPr>
         <p:spPr>
@@ -5130,7 +5280,7 @@
           </a:ln>
         </p:spPr>
         <p:txBody>
-          <a:bodyPr anchorCtr="0" anchor="ctr" bIns="91425" lIns="91425" spcFirstLastPara="1" rIns="91425" wrap="square" tIns="91425">
+          <a:bodyPr spcFirstLastPara="1" wrap="square" lIns="91425" tIns="91425" rIns="91425" bIns="91425" anchor="ctr" anchorCtr="0">
             <a:noAutofit/>
           </a:bodyPr>
           <a:lstStyle>
@@ -5208,7 +5358,7 @@
             </a:lvl9pPr>
           </a:lstStyle>
           <a:p>
-            <a:pPr indent="0" lvl="0" marL="0" rtl="0" algn="r">
+            <a:pPr marL="0" lvl="0" indent="0" algn="r" rtl="0">
               <a:spcBef>
                 <a:spcPts val="0"/>
               </a:spcBef>
@@ -5227,7 +5377,7 @@
       </p:sp>
     </p:spTree>
   </p:cSld>
-  <p:clrMap accent1="accent1" accent2="accent2" accent3="accent3" accent4="accent4" accent5="accent5" accent6="accent6" bg1="lt1" bg2="dk2" tx1="dk1" tx2="lt2" folHlink="folHlink" hlink="hlink"/>
+  <p:clrMap bg1="lt1" tx1="dk1" bg2="dk2" tx2="lt2" accent1="accent1" accent2="accent2" accent3="accent3" accent4="accent4" accent5="accent5" accent6="accent6" hlink="hlink" folHlink="folHlink"/>
   <p:sldLayoutIdLst>
     <p:sldLayoutId id="2147483648" r:id="rId1"/>
     <p:sldLayoutId id="2147483649" r:id="rId2"/>
@@ -5241,10 +5391,10 @@
     <p:sldLayoutId id="2147483657" r:id="rId10"/>
     <p:sldLayoutId id="2147483658" r:id="rId11"/>
   </p:sldLayoutIdLst>
-  <p:hf dt="0" ftr="0" hdr="0"/>
+  <p:hf hdr="0" ftr="0" dt="0"/>
   <p:txStyles>
     <p:titleStyle>
-      <a:defPPr lvl="0" marR="0" rtl="0" algn="l">
+      <a:defPPr marR="0" lvl="0" algn="l" rtl="0">
         <a:lnSpc>
           <a:spcPct val="100000"/>
         </a:lnSpc>
@@ -5255,7 +5405,7 @@
           <a:spcPts val="0"/>
         </a:spcAft>
       </a:defPPr>
-      <a:lvl1pPr lvl="0" marR="0" rtl="0" algn="l">
+      <a:lvl1pPr marR="0" lvl="0" algn="l" rtl="0">
         <a:lnSpc>
           <a:spcPct val="100000"/>
         </a:lnSpc>
@@ -5269,7 +5419,7 @@
           <a:srgbClr val="000000"/>
         </a:buClr>
         <a:buFont typeface="Arial"/>
-        <a:defRPr b="0" i="0" sz="1400" u="none" cap="none" strike="noStrike">
+        <a:defRPr sz="1400" b="0" i="0" u="none" strike="noStrike" cap="none">
           <a:solidFill>
             <a:srgbClr val="000000"/>
           </a:solidFill>
@@ -5279,7 +5429,7 @@
           <a:sym typeface="Arial"/>
         </a:defRPr>
       </a:lvl1pPr>
-      <a:lvl2pPr lvl="1" marR="0" rtl="0" algn="l">
+      <a:lvl2pPr marR="0" lvl="1" algn="l" rtl="0">
         <a:lnSpc>
           <a:spcPct val="100000"/>
         </a:lnSpc>
@@ -5293,7 +5443,7 @@
           <a:srgbClr val="000000"/>
         </a:buClr>
         <a:buFont typeface="Arial"/>
-        <a:defRPr b="0" i="0" sz="1400" u="none" cap="none" strike="noStrike">
+        <a:defRPr sz="1400" b="0" i="0" u="none" strike="noStrike" cap="none">
           <a:solidFill>
             <a:srgbClr val="000000"/>
           </a:solidFill>
@@ -5303,7 +5453,7 @@
           <a:sym typeface="Arial"/>
         </a:defRPr>
       </a:lvl2pPr>
-      <a:lvl3pPr lvl="2" marR="0" rtl="0" algn="l">
+      <a:lvl3pPr marR="0" lvl="2" algn="l" rtl="0">
         <a:lnSpc>
           <a:spcPct val="100000"/>
         </a:lnSpc>
@@ -5317,7 +5467,7 @@
           <a:srgbClr val="000000"/>
         </a:buClr>
         <a:buFont typeface="Arial"/>
-        <a:defRPr b="0" i="0" sz="1400" u="none" cap="none" strike="noStrike">
+        <a:defRPr sz="1400" b="0" i="0" u="none" strike="noStrike" cap="none">
           <a:solidFill>
             <a:srgbClr val="000000"/>
           </a:solidFill>
@@ -5327,7 +5477,7 @@
           <a:sym typeface="Arial"/>
         </a:defRPr>
       </a:lvl3pPr>
-      <a:lvl4pPr lvl="3" marR="0" rtl="0" algn="l">
+      <a:lvl4pPr marR="0" lvl="3" algn="l" rtl="0">
         <a:lnSpc>
           <a:spcPct val="100000"/>
         </a:lnSpc>
@@ -5341,7 +5491,7 @@
           <a:srgbClr val="000000"/>
         </a:buClr>
         <a:buFont typeface="Arial"/>
-        <a:defRPr b="0" i="0" sz="1400" u="none" cap="none" strike="noStrike">
+        <a:defRPr sz="1400" b="0" i="0" u="none" strike="noStrike" cap="none">
           <a:solidFill>
             <a:srgbClr val="000000"/>
           </a:solidFill>
@@ -5351,7 +5501,7 @@
           <a:sym typeface="Arial"/>
         </a:defRPr>
       </a:lvl4pPr>
-      <a:lvl5pPr lvl="4" marR="0" rtl="0" algn="l">
+      <a:lvl5pPr marR="0" lvl="4" algn="l" rtl="0">
         <a:lnSpc>
           <a:spcPct val="100000"/>
         </a:lnSpc>
@@ -5365,7 +5515,7 @@
           <a:srgbClr val="000000"/>
         </a:buClr>
         <a:buFont typeface="Arial"/>
-        <a:defRPr b="0" i="0" sz="1400" u="none" cap="none" strike="noStrike">
+        <a:defRPr sz="1400" b="0" i="0" u="none" strike="noStrike" cap="none">
           <a:solidFill>
             <a:srgbClr val="000000"/>
           </a:solidFill>
@@ -5375,7 +5525,7 @@
           <a:sym typeface="Arial"/>
         </a:defRPr>
       </a:lvl5pPr>
-      <a:lvl6pPr lvl="5" marR="0" rtl="0" algn="l">
+      <a:lvl6pPr marR="0" lvl="5" algn="l" rtl="0">
         <a:lnSpc>
           <a:spcPct val="100000"/>
         </a:lnSpc>
@@ -5389,7 +5539,7 @@
           <a:srgbClr val="000000"/>
         </a:buClr>
         <a:buFont typeface="Arial"/>
-        <a:defRPr b="0" i="0" sz="1400" u="none" cap="none" strike="noStrike">
+        <a:defRPr sz="1400" b="0" i="0" u="none" strike="noStrike" cap="none">
           <a:solidFill>
             <a:srgbClr val="000000"/>
           </a:solidFill>
@@ -5399,7 +5549,7 @@
           <a:sym typeface="Arial"/>
         </a:defRPr>
       </a:lvl6pPr>
-      <a:lvl7pPr lvl="6" marR="0" rtl="0" algn="l">
+      <a:lvl7pPr marR="0" lvl="6" algn="l" rtl="0">
         <a:lnSpc>
           <a:spcPct val="100000"/>
         </a:lnSpc>
@@ -5413,7 +5563,7 @@
           <a:srgbClr val="000000"/>
         </a:buClr>
         <a:buFont typeface="Arial"/>
-        <a:defRPr b="0" i="0" sz="1400" u="none" cap="none" strike="noStrike">
+        <a:defRPr sz="1400" b="0" i="0" u="none" strike="noStrike" cap="none">
           <a:solidFill>
             <a:srgbClr val="000000"/>
           </a:solidFill>
@@ -5423,7 +5573,7 @@
           <a:sym typeface="Arial"/>
         </a:defRPr>
       </a:lvl7pPr>
-      <a:lvl8pPr lvl="7" marR="0" rtl="0" algn="l">
+      <a:lvl8pPr marR="0" lvl="7" algn="l" rtl="0">
         <a:lnSpc>
           <a:spcPct val="100000"/>
         </a:lnSpc>
@@ -5437,7 +5587,7 @@
           <a:srgbClr val="000000"/>
         </a:buClr>
         <a:buFont typeface="Arial"/>
-        <a:defRPr b="0" i="0" sz="1400" u="none" cap="none" strike="noStrike">
+        <a:defRPr sz="1400" b="0" i="0" u="none" strike="noStrike" cap="none">
           <a:solidFill>
             <a:srgbClr val="000000"/>
           </a:solidFill>
@@ -5447,7 +5597,7 @@
           <a:sym typeface="Arial"/>
         </a:defRPr>
       </a:lvl8pPr>
-      <a:lvl9pPr lvl="8" marR="0" rtl="0" algn="l">
+      <a:lvl9pPr marR="0" lvl="8" algn="l" rtl="0">
         <a:lnSpc>
           <a:spcPct val="100000"/>
         </a:lnSpc>
@@ -5461,7 +5611,7 @@
           <a:srgbClr val="000000"/>
         </a:buClr>
         <a:buFont typeface="Arial"/>
-        <a:defRPr b="0" i="0" sz="1400" u="none" cap="none" strike="noStrike">
+        <a:defRPr sz="1400" b="0" i="0" u="none" strike="noStrike" cap="none">
           <a:solidFill>
             <a:srgbClr val="000000"/>
           </a:solidFill>
@@ -5473,7 +5623,7 @@
       </a:lvl9pPr>
     </p:titleStyle>
     <p:bodyStyle>
-      <a:defPPr lvl="0" marR="0" rtl="0" algn="l">
+      <a:defPPr marR="0" lvl="0" algn="l" rtl="0">
         <a:lnSpc>
           <a:spcPct val="100000"/>
         </a:lnSpc>
@@ -5484,7 +5634,7 @@
           <a:spcPts val="0"/>
         </a:spcAft>
       </a:defPPr>
-      <a:lvl1pPr lvl="0" marR="0" rtl="0" algn="l">
+      <a:lvl1pPr marR="0" lvl="0" algn="l" rtl="0">
         <a:lnSpc>
           <a:spcPct val="100000"/>
         </a:lnSpc>
@@ -5498,7 +5648,7 @@
           <a:srgbClr val="000000"/>
         </a:buClr>
         <a:buFont typeface="Arial"/>
-        <a:defRPr b="0" i="0" sz="1400" u="none" cap="none" strike="noStrike">
+        <a:defRPr sz="1400" b="0" i="0" u="none" strike="noStrike" cap="none">
           <a:solidFill>
             <a:srgbClr val="000000"/>
           </a:solidFill>
@@ -5508,7 +5658,7 @@
           <a:sym typeface="Arial"/>
         </a:defRPr>
       </a:lvl1pPr>
-      <a:lvl2pPr lvl="1" marR="0" rtl="0" algn="l">
+      <a:lvl2pPr marR="0" lvl="1" algn="l" rtl="0">
         <a:lnSpc>
           <a:spcPct val="100000"/>
         </a:lnSpc>
@@ -5522,7 +5672,7 @@
           <a:srgbClr val="000000"/>
         </a:buClr>
         <a:buFont typeface="Arial"/>
-        <a:defRPr b="0" i="0" sz="1400" u="none" cap="none" strike="noStrike">
+        <a:defRPr sz="1400" b="0" i="0" u="none" strike="noStrike" cap="none">
           <a:solidFill>
             <a:srgbClr val="000000"/>
           </a:solidFill>
@@ -5532,7 +5682,7 @@
           <a:sym typeface="Arial"/>
         </a:defRPr>
       </a:lvl2pPr>
-      <a:lvl3pPr lvl="2" marR="0" rtl="0" algn="l">
+      <a:lvl3pPr marR="0" lvl="2" algn="l" rtl="0">
         <a:lnSpc>
           <a:spcPct val="100000"/>
         </a:lnSpc>
@@ -5546,7 +5696,7 @@
           <a:srgbClr val="000000"/>
         </a:buClr>
         <a:buFont typeface="Arial"/>
-        <a:defRPr b="0" i="0" sz="1400" u="none" cap="none" strike="noStrike">
+        <a:defRPr sz="1400" b="0" i="0" u="none" strike="noStrike" cap="none">
           <a:solidFill>
             <a:srgbClr val="000000"/>
           </a:solidFill>
@@ -5556,7 +5706,7 @@
           <a:sym typeface="Arial"/>
         </a:defRPr>
       </a:lvl3pPr>
-      <a:lvl4pPr lvl="3" marR="0" rtl="0" algn="l">
+      <a:lvl4pPr marR="0" lvl="3" algn="l" rtl="0">
         <a:lnSpc>
           <a:spcPct val="100000"/>
         </a:lnSpc>
@@ -5570,7 +5720,7 @@
           <a:srgbClr val="000000"/>
         </a:buClr>
         <a:buFont typeface="Arial"/>
-        <a:defRPr b="0" i="0" sz="1400" u="none" cap="none" strike="noStrike">
+        <a:defRPr sz="1400" b="0" i="0" u="none" strike="noStrike" cap="none">
           <a:solidFill>
             <a:srgbClr val="000000"/>
           </a:solidFill>
@@ -5580,7 +5730,7 @@
           <a:sym typeface="Arial"/>
         </a:defRPr>
       </a:lvl4pPr>
-      <a:lvl5pPr lvl="4" marR="0" rtl="0" algn="l">
+      <a:lvl5pPr marR="0" lvl="4" algn="l" rtl="0">
         <a:lnSpc>
           <a:spcPct val="100000"/>
         </a:lnSpc>
@@ -5594,7 +5744,7 @@
           <a:srgbClr val="000000"/>
         </a:buClr>
         <a:buFont typeface="Arial"/>
-        <a:defRPr b="0" i="0" sz="1400" u="none" cap="none" strike="noStrike">
+        <a:defRPr sz="1400" b="0" i="0" u="none" strike="noStrike" cap="none">
           <a:solidFill>
             <a:srgbClr val="000000"/>
           </a:solidFill>
@@ -5604,7 +5754,7 @@
           <a:sym typeface="Arial"/>
         </a:defRPr>
       </a:lvl5pPr>
-      <a:lvl6pPr lvl="5" marR="0" rtl="0" algn="l">
+      <a:lvl6pPr marR="0" lvl="5" algn="l" rtl="0">
         <a:lnSpc>
           <a:spcPct val="100000"/>
         </a:lnSpc>
@@ -5618,7 +5768,7 @@
           <a:srgbClr val="000000"/>
         </a:buClr>
         <a:buFont typeface="Arial"/>
-        <a:defRPr b="0" i="0" sz="1400" u="none" cap="none" strike="noStrike">
+        <a:defRPr sz="1400" b="0" i="0" u="none" strike="noStrike" cap="none">
           <a:solidFill>
             <a:srgbClr val="000000"/>
           </a:solidFill>
@@ -5628,7 +5778,7 @@
           <a:sym typeface="Arial"/>
         </a:defRPr>
       </a:lvl6pPr>
-      <a:lvl7pPr lvl="6" marR="0" rtl="0" algn="l">
+      <a:lvl7pPr marR="0" lvl="6" algn="l" rtl="0">
         <a:lnSpc>
           <a:spcPct val="100000"/>
         </a:lnSpc>
@@ -5642,7 +5792,7 @@
           <a:srgbClr val="000000"/>
         </a:buClr>
         <a:buFont typeface="Arial"/>
-        <a:defRPr b="0" i="0" sz="1400" u="none" cap="none" strike="noStrike">
+        <a:defRPr sz="1400" b="0" i="0" u="none" strike="noStrike" cap="none">
           <a:solidFill>
             <a:srgbClr val="000000"/>
           </a:solidFill>
@@ -5652,7 +5802,7 @@
           <a:sym typeface="Arial"/>
         </a:defRPr>
       </a:lvl7pPr>
-      <a:lvl8pPr lvl="7" marR="0" rtl="0" algn="l">
+      <a:lvl8pPr marR="0" lvl="7" algn="l" rtl="0">
         <a:lnSpc>
           <a:spcPct val="100000"/>
         </a:lnSpc>
@@ -5666,7 +5816,7 @@
           <a:srgbClr val="000000"/>
         </a:buClr>
         <a:buFont typeface="Arial"/>
-        <a:defRPr b="0" i="0" sz="1400" u="none" cap="none" strike="noStrike">
+        <a:defRPr sz="1400" b="0" i="0" u="none" strike="noStrike" cap="none">
           <a:solidFill>
             <a:srgbClr val="000000"/>
           </a:solidFill>
@@ -5676,7 +5826,7 @@
           <a:sym typeface="Arial"/>
         </a:defRPr>
       </a:lvl8pPr>
-      <a:lvl9pPr lvl="8" marR="0" rtl="0" algn="l">
+      <a:lvl9pPr marR="0" lvl="8" algn="l" rtl="0">
         <a:lnSpc>
           <a:spcPct val="100000"/>
         </a:lnSpc>
@@ -5690,7 +5840,7 @@
           <a:srgbClr val="000000"/>
         </a:buClr>
         <a:buFont typeface="Arial"/>
-        <a:defRPr b="0" i="0" sz="1400" u="none" cap="none" strike="noStrike">
+        <a:defRPr sz="1400" b="0" i="0" u="none" strike="noStrike" cap="none">
           <a:solidFill>
             <a:srgbClr val="000000"/>
           </a:solidFill>
@@ -5702,7 +5852,7 @@
       </a:lvl9pPr>
     </p:bodyStyle>
     <p:otherStyle>
-      <a:defPPr lvl="0" marR="0" rtl="0" algn="l">
+      <a:defPPr marR="0" lvl="0" algn="l" rtl="0">
         <a:lnSpc>
           <a:spcPct val="100000"/>
         </a:lnSpc>
@@ -5713,7 +5863,7 @@
           <a:spcPts val="0"/>
         </a:spcAft>
       </a:defPPr>
-      <a:lvl1pPr lvl="0" marR="0" rtl="0" algn="l">
+      <a:lvl1pPr marR="0" lvl="0" algn="l" rtl="0">
         <a:lnSpc>
           <a:spcPct val="100000"/>
         </a:lnSpc>
@@ -5727,7 +5877,7 @@
           <a:srgbClr val="000000"/>
         </a:buClr>
         <a:buFont typeface="Arial"/>
-        <a:defRPr b="0" i="0" sz="1400" u="none" cap="none" strike="noStrike">
+        <a:defRPr sz="1400" b="0" i="0" u="none" strike="noStrike" cap="none">
           <a:solidFill>
             <a:srgbClr val="000000"/>
           </a:solidFill>
@@ -5737,7 +5887,7 @@
           <a:sym typeface="Arial"/>
         </a:defRPr>
       </a:lvl1pPr>
-      <a:lvl2pPr lvl="1" marR="0" rtl="0" algn="l">
+      <a:lvl2pPr marR="0" lvl="1" algn="l" rtl="0">
         <a:lnSpc>
           <a:spcPct val="100000"/>
         </a:lnSpc>
@@ -5751,7 +5901,7 @@
           <a:srgbClr val="000000"/>
         </a:buClr>
         <a:buFont typeface="Arial"/>
-        <a:defRPr b="0" i="0" sz="1400" u="none" cap="none" strike="noStrike">
+        <a:defRPr sz="1400" b="0" i="0" u="none" strike="noStrike" cap="none">
           <a:solidFill>
             <a:srgbClr val="000000"/>
           </a:solidFill>
@@ -5761,7 +5911,7 @@
           <a:sym typeface="Arial"/>
         </a:defRPr>
       </a:lvl2pPr>
-      <a:lvl3pPr lvl="2" marR="0" rtl="0" algn="l">
+      <a:lvl3pPr marR="0" lvl="2" algn="l" rtl="0">
         <a:lnSpc>
           <a:spcPct val="100000"/>
         </a:lnSpc>
@@ -5775,7 +5925,7 @@
           <a:srgbClr val="000000"/>
         </a:buClr>
         <a:buFont typeface="Arial"/>
-        <a:defRPr b="0" i="0" sz="1400" u="none" cap="none" strike="noStrike">
+        <a:defRPr sz="1400" b="0" i="0" u="none" strike="noStrike" cap="none">
           <a:solidFill>
             <a:srgbClr val="000000"/>
           </a:solidFill>
@@ -5785,7 +5935,7 @@
           <a:sym typeface="Arial"/>
         </a:defRPr>
       </a:lvl3pPr>
-      <a:lvl4pPr lvl="3" marR="0" rtl="0" algn="l">
+      <a:lvl4pPr marR="0" lvl="3" algn="l" rtl="0">
         <a:lnSpc>
           <a:spcPct val="100000"/>
         </a:lnSpc>
@@ -5799,7 +5949,7 @@
           <a:srgbClr val="000000"/>
         </a:buClr>
         <a:buFont typeface="Arial"/>
-        <a:defRPr b="0" i="0" sz="1400" u="none" cap="none" strike="noStrike">
+        <a:defRPr sz="1400" b="0" i="0" u="none" strike="noStrike" cap="none">
           <a:solidFill>
             <a:srgbClr val="000000"/>
           </a:solidFill>
@@ -5809,7 +5959,7 @@
           <a:sym typeface="Arial"/>
         </a:defRPr>
       </a:lvl4pPr>
-      <a:lvl5pPr lvl="4" marR="0" rtl="0" algn="l">
+      <a:lvl5pPr marR="0" lvl="4" algn="l" rtl="0">
         <a:lnSpc>
           <a:spcPct val="100000"/>
         </a:lnSpc>
@@ -5823,7 +5973,7 @@
           <a:srgbClr val="000000"/>
         </a:buClr>
         <a:buFont typeface="Arial"/>
-        <a:defRPr b="0" i="0" sz="1400" u="none" cap="none" strike="noStrike">
+        <a:defRPr sz="1400" b="0" i="0" u="none" strike="noStrike" cap="none">
           <a:solidFill>
             <a:srgbClr val="000000"/>
           </a:solidFill>
@@ -5833,7 +5983,7 @@
           <a:sym typeface="Arial"/>
         </a:defRPr>
       </a:lvl5pPr>
-      <a:lvl6pPr lvl="5" marR="0" rtl="0" algn="l">
+      <a:lvl6pPr marR="0" lvl="5" algn="l" rtl="0">
         <a:lnSpc>
           <a:spcPct val="100000"/>
         </a:lnSpc>
@@ -5847,7 +5997,7 @@
           <a:srgbClr val="000000"/>
         </a:buClr>
         <a:buFont typeface="Arial"/>
-        <a:defRPr b="0" i="0" sz="1400" u="none" cap="none" strike="noStrike">
+        <a:defRPr sz="1400" b="0" i="0" u="none" strike="noStrike" cap="none">
           <a:solidFill>
             <a:srgbClr val="000000"/>
           </a:solidFill>
@@ -5857,7 +6007,7 @@
           <a:sym typeface="Arial"/>
         </a:defRPr>
       </a:lvl6pPr>
-      <a:lvl7pPr lvl="6" marR="0" rtl="0" algn="l">
+      <a:lvl7pPr marR="0" lvl="6" algn="l" rtl="0">
         <a:lnSpc>
           <a:spcPct val="100000"/>
         </a:lnSpc>
@@ -5871,7 +6021,7 @@
           <a:srgbClr val="000000"/>
         </a:buClr>
         <a:buFont typeface="Arial"/>
-        <a:defRPr b="0" i="0" sz="1400" u="none" cap="none" strike="noStrike">
+        <a:defRPr sz="1400" b="0" i="0" u="none" strike="noStrike" cap="none">
           <a:solidFill>
             <a:srgbClr val="000000"/>
           </a:solidFill>
@@ -5881,7 +6031,7 @@
           <a:sym typeface="Arial"/>
         </a:defRPr>
       </a:lvl7pPr>
-      <a:lvl8pPr lvl="7" marR="0" rtl="0" algn="l">
+      <a:lvl8pPr marR="0" lvl="7" algn="l" rtl="0">
         <a:lnSpc>
           <a:spcPct val="100000"/>
         </a:lnSpc>
@@ -5895,7 +6045,7 @@
           <a:srgbClr val="000000"/>
         </a:buClr>
         <a:buFont typeface="Arial"/>
-        <a:defRPr b="0" i="0" sz="1400" u="none" cap="none" strike="noStrike">
+        <a:defRPr sz="1400" b="0" i="0" u="none" strike="noStrike" cap="none">
           <a:solidFill>
             <a:srgbClr val="000000"/>
           </a:solidFill>
@@ -5905,7 +6055,7 @@
           <a:sym typeface="Arial"/>
         </a:defRPr>
       </a:lvl8pPr>
-      <a:lvl9pPr lvl="8" marR="0" rtl="0" algn="l">
+      <a:lvl9pPr marR="0" lvl="8" algn="l" rtl="0">
         <a:lnSpc>
           <a:spcPct val="100000"/>
         </a:lnSpc>
@@ -5919,7 +6069,7 @@
           <a:srgbClr val="000000"/>
         </a:buClr>
         <a:buFont typeface="Arial"/>
-        <a:defRPr b="0" i="0" sz="1400" u="none" cap="none" strike="noStrike">
+        <a:defRPr sz="1400" b="0" i="0" u="none" strike="noStrike" cap="none">
           <a:solidFill>
             <a:srgbClr val="000000"/>
           </a:solidFill>
@@ -5935,11 +6085,11 @@
 </file>
 
 <file path=ppt/slides/slide1.xml><?xml version="1.0" encoding="utf-8"?>
-<p:sld xmlns:a="http://schemas.openxmlformats.org/drawingml/2006/main" xmlns:r="http://schemas.openxmlformats.org/officeDocument/2006/relationships" xmlns:mc="http://schemas.openxmlformats.org/markup-compatibility/2006" xmlns:mv="urn:schemas-microsoft-com:mac:vml" xmlns:p="http://schemas.openxmlformats.org/presentationml/2006/main" xmlns:c="http://schemas.openxmlformats.org/drawingml/2006/chart" xmlns:dgm="http://schemas.openxmlformats.org/drawingml/2006/diagram" xmlns:o="urn:schemas-microsoft-com:office:office" xmlns:v="urn:schemas-microsoft-com:vml" xmlns:pvml="urn:schemas-microsoft-com:office:powerpoint" xmlns:com="http://schemas.openxmlformats.org/drawingml/2006/compatibility" xmlns:p14="http://schemas.microsoft.com/office/powerpoint/2010/main" xmlns:p15="http://schemas.microsoft.com/office/powerpoint/2012/main">
+<p:sld xmlns:a="http://schemas.openxmlformats.org/drawingml/2006/main" xmlns:r="http://schemas.openxmlformats.org/officeDocument/2006/relationships" xmlns:p="http://schemas.openxmlformats.org/presentationml/2006/main">
   <p:cSld>
     <p:spTree>
       <p:nvGrpSpPr>
-        <p:cNvPr id="53" name="Shape 53"/>
+        <p:cNvPr id="1" name="Shape 53"/>
         <p:cNvGrpSpPr/>
         <p:nvPr/>
       </p:nvGrpSpPr>
@@ -5954,7 +6104,9 @@
       <p:sp>
         <p:nvSpPr>
           <p:cNvPr id="54" name="Google Shape;54;p13"/>
-          <p:cNvSpPr txBox="1"/>
+          <p:cNvSpPr txBox="1">
+            <a:spLocks noGrp="1"/>
+          </p:cNvSpPr>
           <p:nvPr>
             <p:ph type="ctrTitle"/>
           </p:nvPr>
@@ -5969,12 +6121,12 @@
           </a:prstGeom>
         </p:spPr>
         <p:txBody>
-          <a:bodyPr anchorCtr="0" anchor="b" bIns="91425" lIns="91425" spcFirstLastPara="1" rIns="91425" wrap="square" tIns="91425">
+          <a:bodyPr spcFirstLastPara="1" wrap="square" lIns="91425" tIns="91425" rIns="91425" bIns="91425" anchor="b" anchorCtr="0">
             <a:noAutofit/>
           </a:bodyPr>
           <a:lstStyle/>
           <a:p>
-            <a:pPr indent="0" lvl="0" marL="0" rtl="0" algn="ctr">
+            <a:pPr marL="0" lvl="0" indent="0" algn="ctr" rtl="0">
               <a:spcBef>
                 <a:spcPts val="0"/>
               </a:spcBef>
@@ -5994,9 +6146,11 @@
       <p:sp>
         <p:nvSpPr>
           <p:cNvPr id="55" name="Google Shape;55;p13"/>
-          <p:cNvSpPr txBox="1"/>
+          <p:cNvSpPr txBox="1">
+            <a:spLocks noGrp="1"/>
+          </p:cNvSpPr>
           <p:nvPr>
-            <p:ph idx="1" type="subTitle"/>
+            <p:ph type="subTitle" idx="1"/>
           </p:nvPr>
         </p:nvSpPr>
         <p:spPr>
@@ -6009,12 +6163,12 @@
           </a:prstGeom>
         </p:spPr>
         <p:txBody>
-          <a:bodyPr anchorCtr="0" anchor="t" bIns="91425" lIns="91425" spcFirstLastPara="1" rIns="91425" wrap="square" tIns="91425">
+          <a:bodyPr spcFirstLastPara="1" wrap="square" lIns="91425" tIns="91425" rIns="91425" bIns="91425" anchor="t" anchorCtr="0">
             <a:noAutofit/>
           </a:bodyPr>
           <a:lstStyle/>
           <a:p>
-            <a:pPr indent="0" lvl="0" marL="0" rtl="0" algn="ctr">
+            <a:pPr marL="0" lvl="0" indent="0" algn="ctr" rtl="0">
               <a:spcBef>
                 <a:spcPts val="0"/>
               </a:spcBef>
@@ -6038,8 +6192,13 @@
           <p:nvPr/>
         </p:nvPicPr>
         <p:blipFill>
-          <a:blip r:embed="rId3">
+          <a:blip r:embed="rId3" cstate="screen">
             <a:alphaModFix/>
+            <a:extLst>
+              <a:ext uri="{28A0092B-C50C-407E-A947-70E740481C1C}">
+                <a14:useLocalDpi xmlns:a14="http://schemas.microsoft.com/office/drawing/2010/main"/>
+              </a:ext>
+            </a:extLst>
           </a:blip>
           <a:stretch>
             <a:fillRect/>
@@ -6066,8 +6225,13 @@
           <p:nvPr/>
         </p:nvPicPr>
         <p:blipFill>
-          <a:blip r:embed="rId4">
+          <a:blip r:embed="rId4" cstate="screen">
             <a:alphaModFix/>
+            <a:extLst>
+              <a:ext uri="{28A0092B-C50C-407E-A947-70E740481C1C}">
+                <a14:useLocalDpi xmlns:a14="http://schemas.microsoft.com/office/drawing/2010/main"/>
+              </a:ext>
+            </a:extLst>
           </a:blip>
           <a:stretch>
             <a:fillRect/>
@@ -6094,10 +6258,15 @@
           <p:nvPr/>
         </p:nvPicPr>
         <p:blipFill rotWithShape="1">
-          <a:blip r:embed="rId5">
+          <a:blip r:embed="rId5" cstate="screen">
             <a:alphaModFix/>
+            <a:extLst>
+              <a:ext uri="{28A0092B-C50C-407E-A947-70E740481C1C}">
+                <a14:useLocalDpi xmlns:a14="http://schemas.microsoft.com/office/drawing/2010/main"/>
+              </a:ext>
+            </a:extLst>
           </a:blip>
-          <a:srcRect b="0" l="0" r="0" t="0"/>
+          <a:srcRect/>
           <a:stretch/>
         </p:blipFill>
         <p:spPr>
@@ -6121,10 +6290,15 @@
           <p:nvPr/>
         </p:nvPicPr>
         <p:blipFill rotWithShape="1">
-          <a:blip r:embed="rId6">
+          <a:blip r:embed="rId6" cstate="screen">
             <a:alphaModFix/>
+            <a:extLst>
+              <a:ext uri="{28A0092B-C50C-407E-A947-70E740481C1C}">
+                <a14:useLocalDpi xmlns:a14="http://schemas.microsoft.com/office/drawing/2010/main"/>
+              </a:ext>
+            </a:extLst>
           </a:blip>
-          <a:srcRect b="0" l="0" r="0" t="-6439"/>
+          <a:srcRect t="-6439"/>
           <a:stretch/>
         </p:blipFill>
         <p:spPr>
@@ -6161,12 +6335,12 @@
           </a:ln>
         </p:spPr>
         <p:txBody>
-          <a:bodyPr anchorCtr="0" anchor="t" bIns="45700" lIns="91425" spcFirstLastPara="1" rIns="91425" wrap="square" tIns="45700">
+          <a:bodyPr spcFirstLastPara="1" wrap="square" lIns="91425" tIns="45700" rIns="91425" bIns="45700" anchor="t" anchorCtr="0">
             <a:noAutofit/>
           </a:bodyPr>
           <a:lstStyle/>
           <a:p>
-            <a:pPr indent="0" lvl="0" marL="0" marR="0" rtl="0" algn="l">
+            <a:pPr marL="0" marR="0" lvl="0" indent="0" algn="l" rtl="0">
               <a:spcBef>
                 <a:spcPts val="0"/>
               </a:spcBef>
@@ -6176,7 +6350,7 @@
               <a:buNone/>
             </a:pPr>
             <a:r>
-              <a:rPr i="0" lang="en" sz="2400" u="none" cap="none" strike="noStrike">
+              <a:rPr lang="en" sz="2400" i="0" u="none" strike="noStrike" cap="none">
                 <a:solidFill>
                   <a:srgbClr val="000000"/>
                 </a:solidFill>
@@ -6200,11 +6374,11 @@
 </file>
 
 <file path=ppt/slides/slide2.xml><?xml version="1.0" encoding="utf-8"?>
-<p:sld xmlns:a="http://schemas.openxmlformats.org/drawingml/2006/main" xmlns:r="http://schemas.openxmlformats.org/officeDocument/2006/relationships" xmlns:mc="http://schemas.openxmlformats.org/markup-compatibility/2006" xmlns:mv="urn:schemas-microsoft-com:mac:vml" xmlns:p="http://schemas.openxmlformats.org/presentationml/2006/main" xmlns:c="http://schemas.openxmlformats.org/drawingml/2006/chart" xmlns:dgm="http://schemas.openxmlformats.org/drawingml/2006/diagram" xmlns:o="urn:schemas-microsoft-com:office:office" xmlns:v="urn:schemas-microsoft-com:vml" xmlns:pvml="urn:schemas-microsoft-com:office:powerpoint" xmlns:com="http://schemas.openxmlformats.org/drawingml/2006/compatibility" xmlns:p14="http://schemas.microsoft.com/office/powerpoint/2010/main" xmlns:p15="http://schemas.microsoft.com/office/powerpoint/2012/main">
+<p:sld xmlns:a="http://schemas.openxmlformats.org/drawingml/2006/main" xmlns:r="http://schemas.openxmlformats.org/officeDocument/2006/relationships" xmlns:p="http://schemas.openxmlformats.org/presentationml/2006/main">
   <p:cSld>
     <p:spTree>
       <p:nvGrpSpPr>
-        <p:cNvPr id="64" name="Shape 64"/>
+        <p:cNvPr id="1" name="Shape 64"/>
         <p:cNvGrpSpPr/>
         <p:nvPr/>
       </p:nvGrpSpPr>
@@ -6219,7 +6393,9 @@
       <p:sp>
         <p:nvSpPr>
           <p:cNvPr id="65" name="Google Shape;65;p14"/>
-          <p:cNvSpPr txBox="1"/>
+          <p:cNvSpPr txBox="1">
+            <a:spLocks noGrp="1"/>
+          </p:cNvSpPr>
           <p:nvPr>
             <p:ph type="title"/>
           </p:nvPr>
@@ -6234,12 +6410,12 @@
           </a:prstGeom>
         </p:spPr>
         <p:txBody>
-          <a:bodyPr anchorCtr="0" anchor="t" bIns="91425" lIns="91425" spcFirstLastPara="1" rIns="91425" wrap="square" tIns="91425">
+          <a:bodyPr spcFirstLastPara="1" wrap="square" lIns="91425" tIns="91425" rIns="91425" bIns="91425" anchor="t" anchorCtr="0">
             <a:noAutofit/>
           </a:bodyPr>
           <a:lstStyle/>
           <a:p>
-            <a:pPr indent="0" lvl="0" marL="0" rtl="0" algn="l">
+            <a:pPr marL="0" lvl="0" indent="0" algn="l" rtl="0">
               <a:spcBef>
                 <a:spcPts val="0"/>
               </a:spcBef>
@@ -6259,9 +6435,11 @@
       <p:sp>
         <p:nvSpPr>
           <p:cNvPr id="66" name="Google Shape;66;p14"/>
-          <p:cNvSpPr txBox="1"/>
+          <p:cNvSpPr txBox="1">
+            <a:spLocks noGrp="1"/>
+          </p:cNvSpPr>
           <p:nvPr>
-            <p:ph idx="1" type="body"/>
+            <p:ph type="body" idx="1"/>
           </p:nvPr>
         </p:nvSpPr>
         <p:spPr>
@@ -6274,12 +6452,12 @@
           </a:prstGeom>
         </p:spPr>
         <p:txBody>
-          <a:bodyPr anchorCtr="0" anchor="t" bIns="91425" lIns="91425" spcFirstLastPara="1" rIns="91425" wrap="square" tIns="91425">
+          <a:bodyPr spcFirstLastPara="1" wrap="square" lIns="91425" tIns="91425" rIns="91425" bIns="91425" anchor="t" anchorCtr="0">
             <a:noAutofit/>
           </a:bodyPr>
           <a:lstStyle/>
           <a:p>
-            <a:pPr indent="0" lvl="0" marL="0" rtl="0" algn="l">
+            <a:pPr marL="0" lvl="0" indent="0" algn="l" rtl="0">
               <a:spcBef>
                 <a:spcPts val="0"/>
               </a:spcBef>
@@ -6295,7 +6473,7 @@
             <a:endParaRPr sz="2000"/>
           </a:p>
           <a:p>
-            <a:pPr indent="0" lvl="0" marL="0" rtl="0" algn="l">
+            <a:pPr marL="0" lvl="0" indent="0" algn="l" rtl="0">
               <a:spcBef>
                 <a:spcPts val="1600"/>
               </a:spcBef>
@@ -6311,7 +6489,7 @@
             <a:endParaRPr sz="2000"/>
           </a:p>
           <a:p>
-            <a:pPr indent="0" lvl="0" marL="0" rtl="0" algn="l">
+            <a:pPr marL="0" lvl="0" indent="0" algn="l" rtl="0">
               <a:spcBef>
                 <a:spcPts val="1600"/>
               </a:spcBef>
@@ -6327,7 +6505,7 @@
             <a:endParaRPr sz="2000"/>
           </a:p>
           <a:p>
-            <a:pPr indent="0" lvl="0" marL="0" rtl="0" algn="l">
+            <a:pPr marL="0" lvl="0" indent="0" algn="l" rtl="0">
               <a:spcBef>
                 <a:spcPts val="1600"/>
               </a:spcBef>
@@ -6371,12 +6549,12 @@
           </a:ln>
         </p:spPr>
         <p:txBody>
-          <a:bodyPr anchorCtr="0" anchor="ctr" bIns="34275" lIns="68575" spcFirstLastPara="1" rIns="68575" wrap="square" tIns="34275">
+          <a:bodyPr spcFirstLastPara="1" wrap="square" lIns="68575" tIns="34275" rIns="68575" bIns="34275" anchor="ctr" anchorCtr="0">
             <a:noAutofit/>
           </a:bodyPr>
           <a:lstStyle/>
           <a:p>
-            <a:pPr indent="0" lvl="0" marL="0" rtl="0" algn="ctr">
+            <a:pPr marL="0" lvl="0" indent="0" algn="ctr" rtl="0">
               <a:lnSpc>
                 <a:spcPct val="115000"/>
               </a:lnSpc>
@@ -6390,10 +6568,10 @@
               <a:buNone/>
             </a:pPr>
             <a:r>
-              <a:rPr b="1" lang="en" sz="1800"/>
+              <a:rPr lang="en" sz="1800" b="1"/>
               <a:t>Experiential</a:t>
             </a:r>
-            <a:endParaRPr b="1" sz="1800"/>
+            <a:endParaRPr sz="1800" b="1"/>
           </a:p>
         </p:txBody>
       </p:sp>
@@ -6419,12 +6597,12 @@
           </a:ln>
         </p:spPr>
         <p:txBody>
-          <a:bodyPr anchorCtr="0" anchor="ctr" bIns="34275" lIns="68575" spcFirstLastPara="1" rIns="68575" wrap="square" tIns="34275">
+          <a:bodyPr spcFirstLastPara="1" wrap="square" lIns="68575" tIns="34275" rIns="68575" bIns="34275" anchor="ctr" anchorCtr="0">
             <a:noAutofit/>
           </a:bodyPr>
           <a:lstStyle/>
           <a:p>
-            <a:pPr indent="0" lvl="0" marL="0" rtl="0" algn="ctr">
+            <a:pPr marL="0" lvl="0" indent="0" algn="ctr" rtl="0">
               <a:lnSpc>
                 <a:spcPct val="115000"/>
               </a:lnSpc>
@@ -6438,10 +6616,10 @@
               <a:buNone/>
             </a:pPr>
             <a:r>
-              <a:rPr b="1" lang="en" sz="1800"/>
+              <a:rPr lang="en" sz="1800" b="1"/>
               <a:t>Programming</a:t>
             </a:r>
-            <a:endParaRPr b="1" sz="1800"/>
+            <a:endParaRPr sz="1800" b="1"/>
           </a:p>
         </p:txBody>
       </p:sp>
@@ -6467,12 +6645,12 @@
           </a:ln>
         </p:spPr>
         <p:txBody>
-          <a:bodyPr anchorCtr="0" anchor="ctr" bIns="34275" lIns="68575" spcFirstLastPara="1" rIns="68575" wrap="square" tIns="34275">
+          <a:bodyPr spcFirstLastPara="1" wrap="square" lIns="68575" tIns="34275" rIns="68575" bIns="34275" anchor="ctr" anchorCtr="0">
             <a:noAutofit/>
           </a:bodyPr>
           <a:lstStyle/>
           <a:p>
-            <a:pPr indent="0" lvl="0" marL="0" rtl="0" algn="ctr">
+            <a:pPr marL="0" lvl="0" indent="0" algn="ctr" rtl="0">
               <a:lnSpc>
                 <a:spcPct val="115000"/>
               </a:lnSpc>
@@ -6486,19 +6664,21 @@
               <a:buNone/>
             </a:pPr>
             <a:r>
-              <a:rPr b="1" lang="en" sz="1800"/>
+              <a:rPr lang="en" sz="1800" b="1"/>
               <a:t>Ethnobotany</a:t>
             </a:r>
-            <a:endParaRPr b="1" sz="1800"/>
+            <a:endParaRPr sz="1800" b="1"/>
           </a:p>
         </p:txBody>
       </p:sp>
       <p:sp>
         <p:nvSpPr>
           <p:cNvPr id="70" name="Google Shape;70;p14"/>
-          <p:cNvSpPr txBox="1"/>
+          <p:cNvSpPr txBox="1">
+            <a:spLocks noGrp="1"/>
+          </p:cNvSpPr>
           <p:nvPr>
-            <p:ph idx="12" type="sldNum"/>
+            <p:ph type="sldNum" idx="12"/>
           </p:nvPr>
         </p:nvSpPr>
         <p:spPr>
@@ -6511,12 +6691,12 @@
           </a:prstGeom>
         </p:spPr>
         <p:txBody>
-          <a:bodyPr anchorCtr="0" anchor="ctr" bIns="91425" lIns="91425" spcFirstLastPara="1" rIns="91425" wrap="square" tIns="91425">
+          <a:bodyPr spcFirstLastPara="1" wrap="square" lIns="91425" tIns="91425" rIns="91425" bIns="91425" anchor="ctr" anchorCtr="0">
             <a:noAutofit/>
           </a:bodyPr>
           <a:lstStyle/>
           <a:p>
-            <a:pPr indent="0" lvl="0" marL="0" rtl="0" algn="r">
+            <a:pPr marL="0" lvl="0" indent="0" algn="r" rtl="0">
               <a:spcBef>
                 <a:spcPts val="0"/>
               </a:spcBef>
@@ -6527,7 +6707,7 @@
             </a:pPr>
             <a:fld id="{00000000-1234-1234-1234-123412341234}" type="slidenum">
               <a:rPr lang="en"/>
-              <a:t>‹#›</a:t>
+              <a:t>2</a:t>
             </a:fld>
             <a:endParaRPr/>
           </a:p>
@@ -6542,11 +6722,11 @@
 </file>
 
 <file path=ppt/slides/slide3.xml><?xml version="1.0" encoding="utf-8"?>
-<p:sld xmlns:a="http://schemas.openxmlformats.org/drawingml/2006/main" xmlns:r="http://schemas.openxmlformats.org/officeDocument/2006/relationships" xmlns:mc="http://schemas.openxmlformats.org/markup-compatibility/2006" xmlns:mv="urn:schemas-microsoft-com:mac:vml" xmlns:p="http://schemas.openxmlformats.org/presentationml/2006/main" xmlns:c="http://schemas.openxmlformats.org/drawingml/2006/chart" xmlns:dgm="http://schemas.openxmlformats.org/drawingml/2006/diagram" xmlns:o="urn:schemas-microsoft-com:office:office" xmlns:v="urn:schemas-microsoft-com:vml" xmlns:pvml="urn:schemas-microsoft-com:office:powerpoint" xmlns:com="http://schemas.openxmlformats.org/drawingml/2006/compatibility" xmlns:p14="http://schemas.microsoft.com/office/powerpoint/2010/main" xmlns:p15="http://schemas.microsoft.com/office/powerpoint/2012/main">
+<p:sld xmlns:a="http://schemas.openxmlformats.org/drawingml/2006/main" xmlns:r="http://schemas.openxmlformats.org/officeDocument/2006/relationships" xmlns:p="http://schemas.openxmlformats.org/presentationml/2006/main">
   <p:cSld>
     <p:spTree>
       <p:nvGrpSpPr>
-        <p:cNvPr id="74" name="Shape 74"/>
+        <p:cNvPr id="1" name="Shape 74"/>
         <p:cNvGrpSpPr/>
         <p:nvPr/>
       </p:nvGrpSpPr>
@@ -6561,7 +6741,9 @@
       <p:sp>
         <p:nvSpPr>
           <p:cNvPr id="75" name="Google Shape;75;p15"/>
-          <p:cNvSpPr txBox="1"/>
+          <p:cNvSpPr txBox="1">
+            <a:spLocks noGrp="1"/>
+          </p:cNvSpPr>
           <p:nvPr>
             <p:ph type="title"/>
           </p:nvPr>
@@ -6576,12 +6758,12 @@
           </a:prstGeom>
         </p:spPr>
         <p:txBody>
-          <a:bodyPr anchorCtr="0" anchor="t" bIns="91425" lIns="91425" spcFirstLastPara="1" rIns="91425" wrap="square" tIns="91425">
+          <a:bodyPr spcFirstLastPara="1" wrap="square" lIns="91425" tIns="91425" rIns="91425" bIns="91425" anchor="t" anchorCtr="0">
             <a:noAutofit/>
           </a:bodyPr>
           <a:lstStyle/>
           <a:p>
-            <a:pPr indent="0" lvl="0" marL="0" rtl="0" algn="l">
+            <a:pPr marL="0" lvl="0" indent="0" algn="l" rtl="0">
               <a:spcBef>
                 <a:spcPts val="0"/>
               </a:spcBef>
@@ -6620,12 +6802,12 @@
           </a:ln>
         </p:spPr>
         <p:txBody>
-          <a:bodyPr anchorCtr="0" anchor="ctr" bIns="34275" lIns="68575" spcFirstLastPara="1" rIns="68575" wrap="square" tIns="34275">
+          <a:bodyPr spcFirstLastPara="1" wrap="square" lIns="68575" tIns="34275" rIns="68575" bIns="34275" anchor="ctr" anchorCtr="0">
             <a:noAutofit/>
           </a:bodyPr>
           <a:lstStyle/>
           <a:p>
-            <a:pPr indent="0" lvl="0" marL="0" rtl="0" algn="ctr">
+            <a:pPr marL="0" lvl="0" indent="0" algn="ctr" rtl="0">
               <a:lnSpc>
                 <a:spcPct val="115000"/>
               </a:lnSpc>
@@ -6639,10 +6821,10 @@
               <a:buNone/>
             </a:pPr>
             <a:r>
-              <a:rPr b="1" lang="en" sz="1800"/>
+              <a:rPr lang="en" sz="1800" b="1"/>
               <a:t>Experiential</a:t>
             </a:r>
-            <a:endParaRPr b="1" sz="1800"/>
+            <a:endParaRPr sz="1800" b="1"/>
           </a:p>
         </p:txBody>
       </p:sp>
@@ -6668,12 +6850,12 @@
           </a:ln>
         </p:spPr>
         <p:txBody>
-          <a:bodyPr anchorCtr="0" anchor="ctr" bIns="34275" lIns="68575" spcFirstLastPara="1" rIns="68575" wrap="square" tIns="34275">
+          <a:bodyPr spcFirstLastPara="1" wrap="square" lIns="68575" tIns="34275" rIns="68575" bIns="34275" anchor="ctr" anchorCtr="0">
             <a:noAutofit/>
           </a:bodyPr>
           <a:lstStyle/>
           <a:p>
-            <a:pPr indent="0" lvl="0" marL="0" rtl="0" algn="ctr">
+            <a:pPr marL="0" lvl="0" indent="0" algn="ctr" rtl="0">
               <a:lnSpc>
                 <a:spcPct val="115000"/>
               </a:lnSpc>
@@ -6687,10 +6869,10 @@
               <a:buNone/>
             </a:pPr>
             <a:r>
-              <a:rPr b="1" lang="en" sz="1800"/>
+              <a:rPr lang="en" sz="1800" b="1"/>
               <a:t>Programming</a:t>
             </a:r>
-            <a:endParaRPr b="1" sz="1800"/>
+            <a:endParaRPr sz="1800" b="1"/>
           </a:p>
         </p:txBody>
       </p:sp>
@@ -6716,12 +6898,12 @@
           </a:ln>
         </p:spPr>
         <p:txBody>
-          <a:bodyPr anchorCtr="0" anchor="ctr" bIns="34275" lIns="68575" spcFirstLastPara="1" rIns="68575" wrap="square" tIns="34275">
+          <a:bodyPr spcFirstLastPara="1" wrap="square" lIns="68575" tIns="34275" rIns="68575" bIns="34275" anchor="ctr" anchorCtr="0">
             <a:noAutofit/>
           </a:bodyPr>
           <a:lstStyle/>
           <a:p>
-            <a:pPr indent="0" lvl="0" marL="0" rtl="0" algn="ctr">
+            <a:pPr marL="0" lvl="0" indent="0" algn="ctr" rtl="0">
               <a:lnSpc>
                 <a:spcPct val="115000"/>
               </a:lnSpc>
@@ -6735,10 +6917,10 @@
               <a:buNone/>
             </a:pPr>
             <a:r>
-              <a:rPr b="1" lang="en" sz="1800"/>
+              <a:rPr lang="en" sz="1800" b="1"/>
               <a:t>Ethnobotany</a:t>
             </a:r>
-            <a:endParaRPr b="1" sz="1800"/>
+            <a:endParaRPr sz="1800" b="1"/>
           </a:p>
         </p:txBody>
       </p:sp>
@@ -6749,8 +6931,13 @@
           <p:nvPr/>
         </p:nvPicPr>
         <p:blipFill>
-          <a:blip r:embed="rId3">
+          <a:blip r:embed="rId3" cstate="screen">
             <a:alphaModFix/>
+            <a:extLst>
+              <a:ext uri="{28A0092B-C50C-407E-A947-70E740481C1C}">
+                <a14:useLocalDpi xmlns:a14="http://schemas.microsoft.com/office/drawing/2010/main"/>
+              </a:ext>
+            </a:extLst>
           </a:blip>
           <a:stretch>
             <a:fillRect/>
@@ -6772,13 +6959,18 @@
       </p:pic>
       <p:pic>
         <p:nvPicPr>
-          <p:cNvPr descr="Related image" id="80" name="Google Shape;80;p15"/>
+          <p:cNvPr id="80" name="Google Shape;80;p15" descr="Related image"/>
           <p:cNvPicPr preferRelativeResize="0"/>
           <p:nvPr/>
         </p:nvPicPr>
         <p:blipFill>
-          <a:blip r:embed="rId4">
+          <a:blip r:embed="rId4" cstate="screen">
             <a:alphaModFix/>
+            <a:extLst>
+              <a:ext uri="{28A0092B-C50C-407E-A947-70E740481C1C}">
+                <a14:useLocalDpi xmlns:a14="http://schemas.microsoft.com/office/drawing/2010/main"/>
+              </a:ext>
+            </a:extLst>
           </a:blip>
           <a:stretch>
             <a:fillRect/>
@@ -6800,13 +6992,18 @@
       </p:pic>
       <p:pic>
         <p:nvPicPr>
-          <p:cNvPr descr="Image result for r studio logo" id="81" name="Google Shape;81;p15"/>
+          <p:cNvPr id="81" name="Google Shape;81;p15" descr="Image result for r studio logo"/>
           <p:cNvPicPr preferRelativeResize="0"/>
           <p:nvPr/>
         </p:nvPicPr>
         <p:blipFill>
-          <a:blip r:embed="rId5">
+          <a:blip r:embed="rId5" cstate="screen">
             <a:alphaModFix/>
+            <a:extLst>
+              <a:ext uri="{28A0092B-C50C-407E-A947-70E740481C1C}">
+                <a14:useLocalDpi xmlns:a14="http://schemas.microsoft.com/office/drawing/2010/main"/>
+              </a:ext>
+            </a:extLst>
           </a:blip>
           <a:stretch>
             <a:fillRect/>
@@ -6829,9 +7026,11 @@
       <p:sp>
         <p:nvSpPr>
           <p:cNvPr id="82" name="Google Shape;82;p15"/>
-          <p:cNvSpPr txBox="1"/>
+          <p:cNvSpPr txBox="1">
+            <a:spLocks noGrp="1"/>
+          </p:cNvSpPr>
           <p:nvPr>
-            <p:ph idx="1" type="body"/>
+            <p:ph type="body" idx="1"/>
           </p:nvPr>
         </p:nvSpPr>
         <p:spPr>
@@ -6844,12 +7043,12 @@
           </a:prstGeom>
         </p:spPr>
         <p:txBody>
-          <a:bodyPr anchorCtr="0" anchor="t" bIns="91425" lIns="91425" spcFirstLastPara="1" rIns="91425" wrap="square" tIns="91425">
+          <a:bodyPr spcFirstLastPara="1" wrap="square" lIns="91425" tIns="91425" rIns="91425" bIns="91425" anchor="t" anchorCtr="0">
             <a:noAutofit/>
           </a:bodyPr>
           <a:lstStyle/>
           <a:p>
-            <a:pPr indent="0" lvl="0" marL="0" rtl="0" algn="l">
+            <a:pPr marL="0" lvl="0" indent="0" algn="l" rtl="0">
               <a:spcBef>
                 <a:spcPts val="0"/>
               </a:spcBef>
@@ -6874,9 +7073,11 @@
       <p:sp>
         <p:nvSpPr>
           <p:cNvPr id="83" name="Google Shape;83;p15"/>
-          <p:cNvSpPr txBox="1"/>
+          <p:cNvSpPr txBox="1">
+            <a:spLocks noGrp="1"/>
+          </p:cNvSpPr>
           <p:nvPr>
-            <p:ph idx="1" type="body"/>
+            <p:ph type="body" idx="1"/>
           </p:nvPr>
         </p:nvSpPr>
         <p:spPr>
@@ -6889,12 +7090,12 @@
           </a:prstGeom>
         </p:spPr>
         <p:txBody>
-          <a:bodyPr anchorCtr="0" anchor="t" bIns="91425" lIns="91425" spcFirstLastPara="1" rIns="91425" wrap="square" tIns="91425">
+          <a:bodyPr spcFirstLastPara="1" wrap="square" lIns="91425" tIns="91425" rIns="91425" bIns="91425" anchor="t" anchorCtr="0">
             <a:noAutofit/>
           </a:bodyPr>
           <a:lstStyle/>
           <a:p>
-            <a:pPr indent="0" lvl="0" marL="0" rtl="0" algn="l">
+            <a:pPr marL="0" lvl="0" indent="0" algn="l" rtl="0">
               <a:spcBef>
                 <a:spcPts val="0"/>
               </a:spcBef>
@@ -6919,9 +7120,11 @@
       <p:sp>
         <p:nvSpPr>
           <p:cNvPr id="84" name="Google Shape;84;p15"/>
-          <p:cNvSpPr txBox="1"/>
+          <p:cNvSpPr txBox="1">
+            <a:spLocks noGrp="1"/>
+          </p:cNvSpPr>
           <p:nvPr>
-            <p:ph idx="1" type="body"/>
+            <p:ph type="body" idx="1"/>
           </p:nvPr>
         </p:nvSpPr>
         <p:spPr>
@@ -6934,12 +7137,12 @@
           </a:prstGeom>
         </p:spPr>
         <p:txBody>
-          <a:bodyPr anchorCtr="0" anchor="t" bIns="91425" lIns="91425" spcFirstLastPara="1" rIns="91425" wrap="square" tIns="91425">
+          <a:bodyPr spcFirstLastPara="1" wrap="square" lIns="91425" tIns="91425" rIns="91425" bIns="91425" anchor="t" anchorCtr="0">
             <a:noAutofit/>
           </a:bodyPr>
           <a:lstStyle/>
           <a:p>
-            <a:pPr indent="0" lvl="0" marL="0" rtl="0" algn="l">
+            <a:pPr marL="0" lvl="0" indent="0" algn="l" rtl="0">
               <a:spcBef>
                 <a:spcPts val="0"/>
               </a:spcBef>
@@ -6964,9 +7167,11 @@
       <p:sp>
         <p:nvSpPr>
           <p:cNvPr id="85" name="Google Shape;85;p15"/>
-          <p:cNvSpPr txBox="1"/>
+          <p:cNvSpPr txBox="1">
+            <a:spLocks noGrp="1"/>
+          </p:cNvSpPr>
           <p:nvPr>
-            <p:ph idx="12" type="sldNum"/>
+            <p:ph type="sldNum" idx="12"/>
           </p:nvPr>
         </p:nvSpPr>
         <p:spPr>
@@ -6979,12 +7184,12 @@
           </a:prstGeom>
         </p:spPr>
         <p:txBody>
-          <a:bodyPr anchorCtr="0" anchor="ctr" bIns="91425" lIns="91425" spcFirstLastPara="1" rIns="91425" wrap="square" tIns="91425">
+          <a:bodyPr spcFirstLastPara="1" wrap="square" lIns="91425" tIns="91425" rIns="91425" bIns="91425" anchor="ctr" anchorCtr="0">
             <a:noAutofit/>
           </a:bodyPr>
           <a:lstStyle/>
           <a:p>
-            <a:pPr indent="0" lvl="0" marL="0" rtl="0" algn="r">
+            <a:pPr marL="0" lvl="0" indent="0" algn="r" rtl="0">
               <a:spcBef>
                 <a:spcPts val="0"/>
               </a:spcBef>
@@ -6995,7 +7200,7 @@
             </a:pPr>
             <a:fld id="{00000000-1234-1234-1234-123412341234}" type="slidenum">
               <a:rPr lang="en"/>
-              <a:t>‹#›</a:t>
+              <a:t>3</a:t>
             </a:fld>
             <a:endParaRPr/>
           </a:p>
@@ -7010,11 +7215,11 @@
 </file>
 
 <file path=ppt/slides/slide4.xml><?xml version="1.0" encoding="utf-8"?>
-<p:sld xmlns:a="http://schemas.openxmlformats.org/drawingml/2006/main" xmlns:r="http://schemas.openxmlformats.org/officeDocument/2006/relationships" xmlns:mc="http://schemas.openxmlformats.org/markup-compatibility/2006" xmlns:mv="urn:schemas-microsoft-com:mac:vml" xmlns:p="http://schemas.openxmlformats.org/presentationml/2006/main" xmlns:c="http://schemas.openxmlformats.org/drawingml/2006/chart" xmlns:dgm="http://schemas.openxmlformats.org/drawingml/2006/diagram" xmlns:o="urn:schemas-microsoft-com:office:office" xmlns:v="urn:schemas-microsoft-com:vml" xmlns:pvml="urn:schemas-microsoft-com:office:powerpoint" xmlns:com="http://schemas.openxmlformats.org/drawingml/2006/compatibility" xmlns:p14="http://schemas.microsoft.com/office/powerpoint/2010/main" xmlns:p15="http://schemas.microsoft.com/office/powerpoint/2012/main">
+<p:sld xmlns:a="http://schemas.openxmlformats.org/drawingml/2006/main" xmlns:r="http://schemas.openxmlformats.org/officeDocument/2006/relationships" xmlns:p="http://schemas.openxmlformats.org/presentationml/2006/main">
   <p:cSld>
     <p:spTree>
       <p:nvGrpSpPr>
-        <p:cNvPr id="89" name="Shape 89"/>
+        <p:cNvPr id="1" name="Shape 89"/>
         <p:cNvGrpSpPr/>
         <p:nvPr/>
       </p:nvGrpSpPr>
@@ -7048,12 +7253,12 @@
           </a:ln>
         </p:spPr>
         <p:txBody>
-          <a:bodyPr anchorCtr="0" anchor="ctr" bIns="34275" lIns="68575" spcFirstLastPara="1" rIns="68575" wrap="square" tIns="34275">
+          <a:bodyPr spcFirstLastPara="1" wrap="square" lIns="68575" tIns="34275" rIns="68575" bIns="34275" anchor="ctr" anchorCtr="0">
             <a:noAutofit/>
           </a:bodyPr>
           <a:lstStyle/>
           <a:p>
-            <a:pPr indent="0" lvl="0" marL="0" rtl="0" algn="ctr">
+            <a:pPr marL="0" lvl="0" indent="0" algn="ctr" rtl="0">
               <a:lnSpc>
                 <a:spcPct val="115000"/>
               </a:lnSpc>
@@ -7067,10 +7272,10 @@
               <a:buNone/>
             </a:pPr>
             <a:r>
-              <a:rPr b="1" lang="en" sz="1800"/>
+              <a:rPr lang="en" sz="1800" b="1"/>
               <a:t>Experiential</a:t>
             </a:r>
-            <a:endParaRPr b="1" sz="1800"/>
+            <a:endParaRPr sz="1800" b="1"/>
           </a:p>
         </p:txBody>
       </p:sp>
@@ -7096,12 +7301,12 @@
           </a:ln>
         </p:spPr>
         <p:txBody>
-          <a:bodyPr anchorCtr="0" anchor="ctr" bIns="34275" lIns="68575" spcFirstLastPara="1" rIns="68575" wrap="square" tIns="34275">
+          <a:bodyPr spcFirstLastPara="1" wrap="square" lIns="68575" tIns="34275" rIns="68575" bIns="34275" anchor="ctr" anchorCtr="0">
             <a:noAutofit/>
           </a:bodyPr>
           <a:lstStyle/>
           <a:p>
-            <a:pPr indent="0" lvl="0" marL="0" rtl="0" algn="ctr">
+            <a:pPr marL="0" lvl="0" indent="0" algn="ctr" rtl="0">
               <a:lnSpc>
                 <a:spcPct val="115000"/>
               </a:lnSpc>
@@ -7115,10 +7320,10 @@
               <a:buNone/>
             </a:pPr>
             <a:r>
-              <a:rPr b="1" lang="en" sz="1800"/>
+              <a:rPr lang="en" sz="1800" b="1"/>
               <a:t>Programming</a:t>
             </a:r>
-            <a:endParaRPr b="1" sz="1800"/>
+            <a:endParaRPr sz="1800" b="1"/>
           </a:p>
         </p:txBody>
       </p:sp>
@@ -7144,12 +7349,12 @@
           </a:ln>
         </p:spPr>
         <p:txBody>
-          <a:bodyPr anchorCtr="0" anchor="ctr" bIns="34275" lIns="68575" spcFirstLastPara="1" rIns="68575" wrap="square" tIns="34275">
+          <a:bodyPr spcFirstLastPara="1" wrap="square" lIns="68575" tIns="34275" rIns="68575" bIns="34275" anchor="ctr" anchorCtr="0">
             <a:noAutofit/>
           </a:bodyPr>
           <a:lstStyle/>
           <a:p>
-            <a:pPr indent="0" lvl="0" marL="0" rtl="0" algn="ctr">
+            <a:pPr marL="0" lvl="0" indent="0" algn="ctr" rtl="0">
               <a:lnSpc>
                 <a:spcPct val="115000"/>
               </a:lnSpc>
@@ -7163,19 +7368,21 @@
               <a:buNone/>
             </a:pPr>
             <a:r>
-              <a:rPr b="1" lang="en" sz="1800"/>
+              <a:rPr lang="en" sz="1800" b="1"/>
               <a:t>Ethnobotany</a:t>
             </a:r>
-            <a:endParaRPr b="1" sz="1800"/>
+            <a:endParaRPr sz="1800" b="1"/>
           </a:p>
         </p:txBody>
       </p:sp>
       <p:sp>
         <p:nvSpPr>
           <p:cNvPr id="93" name="Google Shape;93;p16"/>
-          <p:cNvSpPr txBox="1"/>
+          <p:cNvSpPr txBox="1">
+            <a:spLocks noGrp="1"/>
+          </p:cNvSpPr>
           <p:nvPr>
-            <p:ph idx="1" type="body"/>
+            <p:ph type="body" idx="1"/>
           </p:nvPr>
         </p:nvSpPr>
         <p:spPr>
@@ -7188,12 +7395,12 @@
           </a:prstGeom>
         </p:spPr>
         <p:txBody>
-          <a:bodyPr anchorCtr="0" anchor="t" bIns="91425" lIns="91425" spcFirstLastPara="1" rIns="91425" wrap="square" tIns="91425">
+          <a:bodyPr spcFirstLastPara="1" wrap="square" lIns="91425" tIns="91425" rIns="91425" bIns="91425" anchor="t" anchorCtr="0">
             <a:noAutofit/>
           </a:bodyPr>
           <a:lstStyle/>
           <a:p>
-            <a:pPr indent="0" lvl="0" marL="0" rtl="0" algn="l">
+            <a:pPr marL="0" lvl="0" indent="0" algn="l" rtl="0">
               <a:spcBef>
                 <a:spcPts val="0"/>
               </a:spcBef>
@@ -7214,7 +7421,7 @@
             <a:endParaRPr sz="2000"/>
           </a:p>
           <a:p>
-            <a:pPr indent="0" lvl="0" marL="0" rtl="0" algn="l">
+            <a:pPr marL="0" lvl="0" indent="0" algn="l" rtl="0">
               <a:spcBef>
                 <a:spcPts val="1600"/>
               </a:spcBef>
@@ -7235,7 +7442,7 @@
             <a:endParaRPr sz="2000"/>
           </a:p>
           <a:p>
-            <a:pPr indent="0" lvl="0" marL="0" rtl="0" algn="l">
+            <a:pPr marL="0" lvl="0" indent="0" algn="l" rtl="0">
               <a:spcBef>
                 <a:spcPts val="1600"/>
               </a:spcBef>
@@ -7256,7 +7463,7 @@
             <a:endParaRPr sz="2000"/>
           </a:p>
           <a:p>
-            <a:pPr indent="0" lvl="0" marL="0" rtl="0" algn="l">
+            <a:pPr marL="0" lvl="0" indent="0" algn="l" rtl="0">
               <a:spcBef>
                 <a:spcPts val="1600"/>
               </a:spcBef>
@@ -7281,7 +7488,9 @@
       <p:sp>
         <p:nvSpPr>
           <p:cNvPr id="94" name="Google Shape;94;p16"/>
-          <p:cNvSpPr txBox="1"/>
+          <p:cNvSpPr txBox="1">
+            <a:spLocks noGrp="1"/>
+          </p:cNvSpPr>
           <p:nvPr>
             <p:ph type="title"/>
           </p:nvPr>
@@ -7296,12 +7505,12 @@
           </a:prstGeom>
         </p:spPr>
         <p:txBody>
-          <a:bodyPr anchorCtr="0" anchor="t" bIns="91425" lIns="91425" spcFirstLastPara="1" rIns="91425" wrap="square" tIns="91425">
+          <a:bodyPr spcFirstLastPara="1" wrap="square" lIns="91425" tIns="91425" rIns="91425" bIns="91425" anchor="t" anchorCtr="0">
             <a:noAutofit/>
           </a:bodyPr>
           <a:lstStyle/>
           <a:p>
-            <a:pPr indent="0" lvl="0" marL="0" rtl="0" algn="l">
+            <a:pPr marL="0" lvl="0" indent="0" algn="l" rtl="0">
               <a:spcBef>
                 <a:spcPts val="0"/>
               </a:spcBef>
@@ -7321,9 +7530,11 @@
       <p:sp>
         <p:nvSpPr>
           <p:cNvPr id="95" name="Google Shape;95;p16"/>
-          <p:cNvSpPr txBox="1"/>
+          <p:cNvSpPr txBox="1">
+            <a:spLocks noGrp="1"/>
+          </p:cNvSpPr>
           <p:nvPr>
-            <p:ph idx="12" type="sldNum"/>
+            <p:ph type="sldNum" idx="12"/>
           </p:nvPr>
         </p:nvSpPr>
         <p:spPr>
@@ -7336,12 +7547,12 @@
           </a:prstGeom>
         </p:spPr>
         <p:txBody>
-          <a:bodyPr anchorCtr="0" anchor="ctr" bIns="91425" lIns="91425" spcFirstLastPara="1" rIns="91425" wrap="square" tIns="91425">
+          <a:bodyPr spcFirstLastPara="1" wrap="square" lIns="91425" tIns="91425" rIns="91425" bIns="91425" anchor="ctr" anchorCtr="0">
             <a:noAutofit/>
           </a:bodyPr>
           <a:lstStyle/>
           <a:p>
-            <a:pPr indent="0" lvl="0" marL="0" rtl="0" algn="r">
+            <a:pPr marL="0" lvl="0" indent="0" algn="r" rtl="0">
               <a:spcBef>
                 <a:spcPts val="0"/>
               </a:spcBef>
@@ -7352,7 +7563,7 @@
             </a:pPr>
             <a:fld id="{00000000-1234-1234-1234-123412341234}" type="slidenum">
               <a:rPr lang="en"/>
-              <a:t>‹#›</a:t>
+              <a:t>4</a:t>
             </a:fld>
             <a:endParaRPr/>
           </a:p>
@@ -7367,11 +7578,11 @@
 </file>
 
 <file path=ppt/slides/slide5.xml><?xml version="1.0" encoding="utf-8"?>
-<p:sld xmlns:a="http://schemas.openxmlformats.org/drawingml/2006/main" xmlns:r="http://schemas.openxmlformats.org/officeDocument/2006/relationships" xmlns:mc="http://schemas.openxmlformats.org/markup-compatibility/2006" xmlns:mv="urn:schemas-microsoft-com:mac:vml" xmlns:p="http://schemas.openxmlformats.org/presentationml/2006/main" xmlns:c="http://schemas.openxmlformats.org/drawingml/2006/chart" xmlns:dgm="http://schemas.openxmlformats.org/drawingml/2006/diagram" xmlns:o="urn:schemas-microsoft-com:office:office" xmlns:v="urn:schemas-microsoft-com:vml" xmlns:pvml="urn:schemas-microsoft-com:office:powerpoint" xmlns:com="http://schemas.openxmlformats.org/drawingml/2006/compatibility" xmlns:p14="http://schemas.microsoft.com/office/powerpoint/2010/main" xmlns:p15="http://schemas.microsoft.com/office/powerpoint/2012/main">
+<p:sld xmlns:a="http://schemas.openxmlformats.org/drawingml/2006/main" xmlns:r="http://schemas.openxmlformats.org/officeDocument/2006/relationships" xmlns:p="http://schemas.openxmlformats.org/presentationml/2006/main">
   <p:cSld>
     <p:spTree>
       <p:nvGrpSpPr>
-        <p:cNvPr id="99" name="Shape 99"/>
+        <p:cNvPr id="1" name="Shape 99"/>
         <p:cNvGrpSpPr/>
         <p:nvPr/>
       </p:nvGrpSpPr>
@@ -7405,12 +7616,12 @@
           </a:ln>
         </p:spPr>
         <p:txBody>
-          <a:bodyPr anchorCtr="0" anchor="ctr" bIns="34275" lIns="68575" spcFirstLastPara="1" rIns="68575" wrap="square" tIns="34275">
+          <a:bodyPr spcFirstLastPara="1" wrap="square" lIns="68575" tIns="34275" rIns="68575" bIns="34275" anchor="ctr" anchorCtr="0">
             <a:noAutofit/>
           </a:bodyPr>
           <a:lstStyle/>
           <a:p>
-            <a:pPr indent="0" lvl="0" marL="0" rtl="0" algn="ctr">
+            <a:pPr marL="0" lvl="0" indent="0" algn="ctr" rtl="0">
               <a:lnSpc>
                 <a:spcPct val="115000"/>
               </a:lnSpc>
@@ -7424,10 +7635,10 @@
               <a:buNone/>
             </a:pPr>
             <a:r>
-              <a:rPr b="1" lang="en" sz="1800"/>
+              <a:rPr lang="en" sz="1800" b="1"/>
               <a:t>Experiential</a:t>
             </a:r>
-            <a:endParaRPr b="1" sz="1800"/>
+            <a:endParaRPr sz="1800" b="1"/>
           </a:p>
         </p:txBody>
       </p:sp>
@@ -7438,7 +7649,7 @@
           <p:nvPr/>
         </p:nvCxnSpPr>
         <p:spPr>
-          <a:xfrm flipH="1" rot="10800000">
+          <a:xfrm rot="10800000" flipH="1">
             <a:off x="677350" y="2290370"/>
             <a:ext cx="7857900" cy="29400"/>
           </a:xfrm>
@@ -7446,14 +7657,14 @@
             <a:avLst/>
           </a:prstGeom>
           <a:noFill/>
-          <a:ln cap="flat" cmpd="sng" w="9525">
+          <a:ln w="9525" cap="flat" cmpd="sng">
             <a:solidFill>
               <a:schemeClr val="dk2"/>
             </a:solidFill>
             <a:prstDash val="solid"/>
             <a:round/>
-            <a:headEnd len="med" w="med" type="none"/>
-            <a:tailEnd len="med" w="med" type="none"/>
+            <a:headEnd type="none" w="med" len="med"/>
+            <a:tailEnd type="none" w="med" len="med"/>
           </a:ln>
         </p:spPr>
       </p:cxnSp>
@@ -7464,7 +7675,7 @@
           <p:nvPr/>
         </p:nvCxnSpPr>
         <p:spPr>
-          <a:xfrm flipH="1" rot="10800000">
+          <a:xfrm rot="10800000" flipH="1">
             <a:off x="677350" y="2945690"/>
             <a:ext cx="7857900" cy="29400"/>
           </a:xfrm>
@@ -7472,14 +7683,14 @@
             <a:avLst/>
           </a:prstGeom>
           <a:noFill/>
-          <a:ln cap="flat" cmpd="sng" w="9525">
+          <a:ln w="9525" cap="flat" cmpd="sng">
             <a:solidFill>
               <a:schemeClr val="dk2"/>
             </a:solidFill>
             <a:prstDash val="solid"/>
             <a:round/>
-            <a:headEnd len="med" w="med" type="none"/>
-            <a:tailEnd len="med" w="med" type="none"/>
+            <a:headEnd type="none" w="med" len="med"/>
+            <a:tailEnd type="none" w="med" len="med"/>
           </a:ln>
         </p:spPr>
       </p:cxnSp>
@@ -7490,7 +7701,7 @@
           <p:nvPr/>
         </p:nvCxnSpPr>
         <p:spPr>
-          <a:xfrm flipH="1" rot="10800000">
+          <a:xfrm rot="10800000" flipH="1">
             <a:off x="677350" y="1635050"/>
             <a:ext cx="7857900" cy="29400"/>
           </a:xfrm>
@@ -7498,14 +7709,14 @@
             <a:avLst/>
           </a:prstGeom>
           <a:noFill/>
-          <a:ln cap="flat" cmpd="sng" w="9525">
+          <a:ln w="9525" cap="flat" cmpd="sng">
             <a:solidFill>
               <a:schemeClr val="dk2"/>
             </a:solidFill>
             <a:prstDash val="solid"/>
             <a:round/>
-            <a:headEnd len="med" w="med" type="none"/>
-            <a:tailEnd len="med" w="med" type="none"/>
+            <a:headEnd type="none" w="med" len="med"/>
+            <a:tailEnd type="none" w="med" len="med"/>
           </a:ln>
         </p:spPr>
       </p:cxnSp>
@@ -7516,7 +7727,7 @@
           <p:nvPr/>
         </p:nvCxnSpPr>
         <p:spPr>
-          <a:xfrm flipH="1" rot="10800000">
+          <a:xfrm rot="10800000" flipH="1">
             <a:off x="677350" y="3601010"/>
             <a:ext cx="7857900" cy="29400"/>
           </a:xfrm>
@@ -7524,14 +7735,14 @@
             <a:avLst/>
           </a:prstGeom>
           <a:noFill/>
-          <a:ln cap="flat" cmpd="sng" w="9525">
+          <a:ln w="9525" cap="flat" cmpd="sng">
             <a:solidFill>
               <a:schemeClr val="dk2"/>
             </a:solidFill>
             <a:prstDash val="solid"/>
             <a:round/>
-            <a:headEnd len="med" w="med" type="none"/>
-            <a:tailEnd len="med" w="med" type="none"/>
+            <a:headEnd type="none" w="med" len="med"/>
+            <a:tailEnd type="none" w="med" len="med"/>
           </a:ln>
         </p:spPr>
       </p:cxnSp>
@@ -7542,7 +7753,7 @@
           <p:nvPr/>
         </p:nvCxnSpPr>
         <p:spPr>
-          <a:xfrm flipH="1" rot="10800000">
+          <a:xfrm rot="10800000" flipH="1">
             <a:off x="677350" y="4911650"/>
             <a:ext cx="7857900" cy="29400"/>
           </a:xfrm>
@@ -7550,14 +7761,14 @@
             <a:avLst/>
           </a:prstGeom>
           <a:noFill/>
-          <a:ln cap="flat" cmpd="sng" w="9525">
+          <a:ln w="9525" cap="flat" cmpd="sng">
             <a:solidFill>
               <a:schemeClr val="dk2"/>
             </a:solidFill>
             <a:prstDash val="solid"/>
             <a:round/>
-            <a:headEnd len="med" w="med" type="none"/>
-            <a:tailEnd len="med" w="med" type="none"/>
+            <a:headEnd type="none" w="med" len="med"/>
+            <a:tailEnd type="none" w="med" len="med"/>
           </a:ln>
         </p:spPr>
       </p:cxnSp>
@@ -7568,7 +7779,7 @@
           <p:nvPr/>
         </p:nvCxnSpPr>
         <p:spPr>
-          <a:xfrm flipH="1" rot="10800000">
+          <a:xfrm rot="10800000" flipH="1">
             <a:off x="677350" y="4256330"/>
             <a:ext cx="7857900" cy="29400"/>
           </a:xfrm>
@@ -7576,14 +7787,14 @@
             <a:avLst/>
           </a:prstGeom>
           <a:noFill/>
-          <a:ln cap="flat" cmpd="sng" w="9525">
+          <a:ln w="9525" cap="flat" cmpd="sng">
             <a:solidFill>
               <a:schemeClr val="dk2"/>
             </a:solidFill>
             <a:prstDash val="solid"/>
             <a:round/>
-            <a:headEnd len="med" w="med" type="none"/>
-            <a:tailEnd len="med" w="med" type="none"/>
+            <a:headEnd type="none" w="med" len="med"/>
+            <a:tailEnd type="none" w="med" len="med"/>
           </a:ln>
         </p:spPr>
       </p:cxnSp>
@@ -7607,12 +7818,12 @@
           </a:ln>
         </p:spPr>
         <p:txBody>
-          <a:bodyPr anchorCtr="0" anchor="t" bIns="91425" lIns="91425" spcFirstLastPara="1" rIns="91425" wrap="square" tIns="91425">
+          <a:bodyPr spcFirstLastPara="1" wrap="square" lIns="91425" tIns="91425" rIns="91425" bIns="91425" anchor="t" anchorCtr="0">
             <a:noAutofit/>
           </a:bodyPr>
           <a:lstStyle/>
           <a:p>
-            <a:pPr indent="0" lvl="0" marL="0" rtl="0" algn="l">
+            <a:pPr marL="0" lvl="0" indent="0" algn="l" rtl="0">
               <a:spcBef>
                 <a:spcPts val="0"/>
               </a:spcBef>
@@ -7649,12 +7860,12 @@
           </a:ln>
         </p:spPr>
         <p:txBody>
-          <a:bodyPr anchorCtr="0" anchor="t" bIns="91425" lIns="91425" spcFirstLastPara="1" rIns="91425" wrap="square" tIns="91425">
+          <a:bodyPr spcFirstLastPara="1" wrap="square" lIns="91425" tIns="91425" rIns="91425" bIns="91425" anchor="t" anchorCtr="0">
             <a:noAutofit/>
           </a:bodyPr>
           <a:lstStyle/>
           <a:p>
-            <a:pPr indent="0" lvl="0" marL="0" rtl="0" algn="l">
+            <a:pPr marL="0" lvl="0" indent="0" algn="l" rtl="0">
               <a:spcBef>
                 <a:spcPts val="0"/>
               </a:spcBef>
@@ -7691,12 +7902,12 @@
           </a:ln>
         </p:spPr>
         <p:txBody>
-          <a:bodyPr anchorCtr="0" anchor="t" bIns="91425" lIns="91425" spcFirstLastPara="1" rIns="91425" wrap="square" tIns="91425">
+          <a:bodyPr spcFirstLastPara="1" wrap="square" lIns="91425" tIns="91425" rIns="91425" bIns="91425" anchor="t" anchorCtr="0">
             <a:noAutofit/>
           </a:bodyPr>
           <a:lstStyle/>
           <a:p>
-            <a:pPr indent="0" lvl="0" marL="0" rtl="0" algn="l">
+            <a:pPr marL="0" lvl="0" indent="0" algn="l" rtl="0">
               <a:spcBef>
                 <a:spcPts val="0"/>
               </a:spcBef>
@@ -7733,12 +7944,12 @@
           </a:ln>
         </p:spPr>
         <p:txBody>
-          <a:bodyPr anchorCtr="0" anchor="t" bIns="91425" lIns="91425" spcFirstLastPara="1" rIns="91425" wrap="square" tIns="91425">
+          <a:bodyPr spcFirstLastPara="1" wrap="square" lIns="91425" tIns="91425" rIns="91425" bIns="91425" anchor="t" anchorCtr="0">
             <a:noAutofit/>
           </a:bodyPr>
           <a:lstStyle/>
           <a:p>
-            <a:pPr indent="0" lvl="0" marL="0" rtl="0" algn="l">
+            <a:pPr marL="0" lvl="0" indent="0" algn="l" rtl="0">
               <a:spcBef>
                 <a:spcPts val="0"/>
               </a:spcBef>
@@ -7775,12 +7986,12 @@
           </a:ln>
         </p:spPr>
         <p:txBody>
-          <a:bodyPr anchorCtr="0" anchor="t" bIns="91425" lIns="91425" spcFirstLastPara="1" rIns="91425" wrap="square" tIns="91425">
+          <a:bodyPr spcFirstLastPara="1" wrap="square" lIns="91425" tIns="91425" rIns="91425" bIns="91425" anchor="t" anchorCtr="0">
             <a:noAutofit/>
           </a:bodyPr>
           <a:lstStyle/>
           <a:p>
-            <a:pPr indent="0" lvl="0" marL="0" rtl="0" algn="l">
+            <a:pPr marL="0" lvl="0" indent="0" algn="l" rtl="0">
               <a:spcBef>
                 <a:spcPts val="0"/>
               </a:spcBef>
@@ -7800,9 +8011,11 @@
       <p:sp>
         <p:nvSpPr>
           <p:cNvPr id="112" name="Google Shape;112;p17"/>
-          <p:cNvSpPr txBox="1"/>
+          <p:cNvSpPr txBox="1">
+            <a:spLocks noGrp="1"/>
+          </p:cNvSpPr>
           <p:nvPr>
-            <p:ph idx="4294967295" type="title"/>
+            <p:ph type="title" idx="4294967295"/>
           </p:nvPr>
         </p:nvSpPr>
         <p:spPr>
@@ -7815,12 +8028,12 @@
           </a:prstGeom>
         </p:spPr>
         <p:txBody>
-          <a:bodyPr anchorCtr="0" anchor="t" bIns="91425" lIns="91425" spcFirstLastPara="1" rIns="91425" wrap="square" tIns="91425">
+          <a:bodyPr spcFirstLastPara="1" wrap="square" lIns="91425" tIns="91425" rIns="91425" bIns="91425" anchor="t" anchorCtr="0">
             <a:noAutofit/>
           </a:bodyPr>
           <a:lstStyle/>
           <a:p>
-            <a:pPr indent="0" lvl="0" marL="0" rtl="0" algn="l">
+            <a:pPr marL="0" lvl="0" indent="0" algn="l" rtl="0">
               <a:spcBef>
                 <a:spcPts val="0"/>
               </a:spcBef>
@@ -7859,12 +8072,12 @@
           </a:ln>
         </p:spPr>
         <p:txBody>
-          <a:bodyPr anchorCtr="0" anchor="ctr" bIns="34275" lIns="68575" spcFirstLastPara="1" rIns="68575" wrap="square" tIns="34275">
+          <a:bodyPr spcFirstLastPara="1" wrap="square" lIns="68575" tIns="34275" rIns="68575" bIns="34275" anchor="ctr" anchorCtr="0">
             <a:noAutofit/>
           </a:bodyPr>
           <a:lstStyle/>
           <a:p>
-            <a:pPr indent="0" lvl="0" marL="0" rtl="0" algn="ctr">
+            <a:pPr marL="0" lvl="0" indent="0" algn="ctr" rtl="0">
               <a:lnSpc>
                 <a:spcPct val="115000"/>
               </a:lnSpc>
@@ -7878,10 +8091,10 @@
               <a:buNone/>
             </a:pPr>
             <a:r>
-              <a:rPr b="1" lang="en" sz="1800"/>
+              <a:rPr lang="en" sz="1800" b="1"/>
               <a:t>Intros</a:t>
             </a:r>
-            <a:endParaRPr b="1" sz="1800"/>
+            <a:endParaRPr sz="1800" b="1"/>
           </a:p>
         </p:txBody>
       </p:sp>
@@ -7905,12 +8118,12 @@
           </a:ln>
         </p:spPr>
         <p:txBody>
-          <a:bodyPr anchorCtr="0" anchor="t" bIns="91425" lIns="91425" spcFirstLastPara="1" rIns="91425" wrap="square" tIns="91425">
+          <a:bodyPr spcFirstLastPara="1" wrap="square" lIns="91425" tIns="91425" rIns="91425" bIns="91425" anchor="t" anchorCtr="0">
             <a:noAutofit/>
           </a:bodyPr>
           <a:lstStyle/>
           <a:p>
-            <a:pPr indent="0" lvl="0" marL="0" rtl="0" algn="l">
+            <a:pPr marL="0" lvl="0" indent="0" algn="l" rtl="0">
               <a:spcBef>
                 <a:spcPts val="0"/>
               </a:spcBef>
@@ -7947,12 +8160,12 @@
           </a:ln>
         </p:spPr>
         <p:txBody>
-          <a:bodyPr anchorCtr="0" anchor="t" bIns="91425" lIns="91425" spcFirstLastPara="1" rIns="91425" wrap="square" tIns="91425">
+          <a:bodyPr spcFirstLastPara="1" wrap="square" lIns="91425" tIns="91425" rIns="91425" bIns="91425" anchor="t" anchorCtr="0">
             <a:noAutofit/>
           </a:bodyPr>
           <a:lstStyle/>
           <a:p>
-            <a:pPr indent="0" lvl="0" marL="0" rtl="0" algn="l">
+            <a:pPr marL="0" lvl="0" indent="0" algn="l" rtl="0">
               <a:spcBef>
                 <a:spcPts val="0"/>
               </a:spcBef>
@@ -7984,14 +8197,14 @@
             <a:avLst/>
           </a:prstGeom>
           <a:noFill/>
-          <a:ln cap="flat" cmpd="sng" w="9525">
+          <a:ln w="9525" cap="flat" cmpd="sng">
             <a:solidFill>
               <a:schemeClr val="dk2"/>
             </a:solidFill>
             <a:prstDash val="solid"/>
             <a:round/>
-            <a:headEnd len="med" w="med" type="none"/>
-            <a:tailEnd len="med" w="med" type="none"/>
+            <a:headEnd type="none" w="med" len="med"/>
+            <a:tailEnd type="none" w="med" len="med"/>
           </a:ln>
         </p:spPr>
       </p:cxnSp>
@@ -8017,12 +8230,12 @@
           </a:ln>
         </p:spPr>
         <p:txBody>
-          <a:bodyPr anchorCtr="0" anchor="ctr" bIns="34275" lIns="68575" spcFirstLastPara="1" rIns="68575" wrap="square" tIns="34275">
+          <a:bodyPr spcFirstLastPara="1" wrap="square" lIns="68575" tIns="34275" rIns="68575" bIns="34275" anchor="ctr" anchorCtr="0">
             <a:noAutofit/>
           </a:bodyPr>
           <a:lstStyle/>
           <a:p>
-            <a:pPr indent="0" lvl="0" marL="0" rtl="0" algn="ctr">
+            <a:pPr marL="0" lvl="0" indent="0" algn="ctr" rtl="0">
               <a:lnSpc>
                 <a:spcPct val="115000"/>
               </a:lnSpc>
@@ -8036,10 +8249,10 @@
               <a:buNone/>
             </a:pPr>
             <a:r>
-              <a:rPr b="1" lang="en" sz="1800"/>
+              <a:rPr lang="en" sz="1800" b="1"/>
               <a:t>Ethnobotany</a:t>
             </a:r>
-            <a:endParaRPr b="1" sz="1800"/>
+            <a:endParaRPr sz="1800" b="1"/>
           </a:p>
         </p:txBody>
       </p:sp>
@@ -8065,12 +8278,12 @@
           </a:ln>
         </p:spPr>
         <p:txBody>
-          <a:bodyPr anchorCtr="0" anchor="ctr" bIns="34275" lIns="68575" spcFirstLastPara="1" rIns="68575" wrap="square" tIns="34275">
+          <a:bodyPr spcFirstLastPara="1" wrap="square" lIns="68575" tIns="34275" rIns="68575" bIns="34275" anchor="ctr" anchorCtr="0">
             <a:noAutofit/>
           </a:bodyPr>
           <a:lstStyle/>
           <a:p>
-            <a:pPr indent="0" lvl="0" marL="0" rtl="0" algn="ctr">
+            <a:pPr marL="0" lvl="0" indent="0" algn="ctr" rtl="0">
               <a:lnSpc>
                 <a:spcPct val="115000"/>
               </a:lnSpc>
@@ -8084,10 +8297,10 @@
               <a:buNone/>
             </a:pPr>
             <a:r>
-              <a:rPr b="1" lang="en" sz="1800"/>
+              <a:rPr lang="en" sz="1800" b="1"/>
               <a:t>R environment</a:t>
             </a:r>
-            <a:endParaRPr b="1" sz="1800"/>
+            <a:endParaRPr sz="1800" b="1"/>
           </a:p>
         </p:txBody>
       </p:sp>
@@ -8113,12 +8326,12 @@
           </a:ln>
         </p:spPr>
         <p:txBody>
-          <a:bodyPr anchorCtr="0" anchor="ctr" bIns="34275" lIns="68575" spcFirstLastPara="1" rIns="68575" wrap="square" tIns="34275">
+          <a:bodyPr spcFirstLastPara="1" wrap="square" lIns="68575" tIns="34275" rIns="68575" bIns="34275" anchor="ctr" anchorCtr="0">
             <a:noAutofit/>
           </a:bodyPr>
           <a:lstStyle/>
           <a:p>
-            <a:pPr indent="0" lvl="0" marL="0" rtl="0" algn="ctr">
+            <a:pPr marL="0" lvl="0" indent="0" algn="ctr" rtl="0">
               <a:lnSpc>
                 <a:spcPct val="115000"/>
               </a:lnSpc>
@@ -8132,10 +8345,10 @@
               <a:buNone/>
             </a:pPr>
             <a:r>
-              <a:rPr b="1" lang="en" sz="1800"/>
+              <a:rPr lang="en" sz="1800" b="1"/>
               <a:t>ethnobotanyR</a:t>
             </a:r>
-            <a:endParaRPr b="1" sz="1800"/>
+            <a:endParaRPr sz="1800" b="1"/>
           </a:p>
         </p:txBody>
       </p:sp>
@@ -8161,12 +8374,12 @@
           </a:ln>
         </p:spPr>
         <p:txBody>
-          <a:bodyPr anchorCtr="0" anchor="ctr" bIns="34275" lIns="68575" spcFirstLastPara="1" rIns="68575" wrap="square" tIns="34275">
+          <a:bodyPr spcFirstLastPara="1" wrap="square" lIns="68575" tIns="34275" rIns="68575" bIns="34275" anchor="ctr" anchorCtr="0">
             <a:noAutofit/>
           </a:bodyPr>
           <a:lstStyle/>
           <a:p>
-            <a:pPr indent="0" lvl="0" marL="0" rtl="0" algn="ctr">
+            <a:pPr marL="0" lvl="0" indent="0" algn="ctr" rtl="0">
               <a:lnSpc>
                 <a:spcPct val="115000"/>
               </a:lnSpc>
@@ -8180,10 +8393,10 @@
               <a:buNone/>
             </a:pPr>
             <a:r>
-              <a:rPr b="1" lang="en" sz="1800"/>
+              <a:rPr lang="en" sz="1800" b="1"/>
               <a:t>Field work </a:t>
             </a:r>
-            <a:endParaRPr b="1" sz="1800"/>
+            <a:endParaRPr sz="1800" b="1"/>
           </a:p>
         </p:txBody>
       </p:sp>
@@ -8209,12 +8422,12 @@
           </a:ln>
         </p:spPr>
         <p:txBody>
-          <a:bodyPr anchorCtr="0" anchor="ctr" bIns="34275" lIns="68575" spcFirstLastPara="1" rIns="68575" wrap="square" tIns="34275">
+          <a:bodyPr spcFirstLastPara="1" wrap="square" lIns="68575" tIns="34275" rIns="68575" bIns="34275" anchor="ctr" anchorCtr="0">
             <a:noAutofit/>
           </a:bodyPr>
           <a:lstStyle/>
           <a:p>
-            <a:pPr indent="0" lvl="0" marL="0" rtl="0" algn="ctr">
+            <a:pPr marL="0" lvl="0" indent="0" algn="ctr" rtl="0">
               <a:lnSpc>
                 <a:spcPct val="115000"/>
               </a:lnSpc>
@@ -8228,10 +8441,10 @@
               <a:buNone/>
             </a:pPr>
             <a:r>
-              <a:rPr b="1" lang="en" sz="1800"/>
+              <a:rPr lang="en" sz="1800" b="1"/>
               <a:t>Practice with own data</a:t>
             </a:r>
-            <a:endParaRPr b="1" sz="1800"/>
+            <a:endParaRPr sz="1800" b="1"/>
           </a:p>
         </p:txBody>
       </p:sp>
@@ -8257,12 +8470,12 @@
           </a:ln>
         </p:spPr>
         <p:txBody>
-          <a:bodyPr anchorCtr="0" anchor="ctr" bIns="34275" lIns="68575" spcFirstLastPara="1" rIns="68575" wrap="square" tIns="34275">
+          <a:bodyPr spcFirstLastPara="1" wrap="square" lIns="68575" tIns="34275" rIns="68575" bIns="34275" anchor="ctr" anchorCtr="0">
             <a:noAutofit/>
           </a:bodyPr>
           <a:lstStyle/>
           <a:p>
-            <a:pPr indent="0" lvl="0" marL="0" rtl="0" algn="ctr">
+            <a:pPr marL="0" lvl="0" indent="0" algn="ctr" rtl="0">
               <a:lnSpc>
                 <a:spcPct val="115000"/>
               </a:lnSpc>
@@ -8276,10 +8489,10 @@
               <a:buNone/>
             </a:pPr>
             <a:r>
-              <a:rPr b="1" lang="en" sz="1800"/>
+              <a:rPr lang="en" sz="1800" b="1"/>
               <a:t>Hypotheses and objectives</a:t>
             </a:r>
-            <a:endParaRPr b="1" sz="1800"/>
+            <a:endParaRPr sz="1800" b="1"/>
           </a:p>
         </p:txBody>
       </p:sp>
@@ -8305,12 +8518,12 @@
           </a:ln>
         </p:spPr>
         <p:txBody>
-          <a:bodyPr anchorCtr="0" anchor="ctr" bIns="34275" lIns="68575" spcFirstLastPara="1" rIns="68575" wrap="square" tIns="34275">
+          <a:bodyPr spcFirstLastPara="1" wrap="square" lIns="68575" tIns="34275" rIns="68575" bIns="34275" anchor="ctr" anchorCtr="0">
             <a:noAutofit/>
           </a:bodyPr>
           <a:lstStyle/>
           <a:p>
-            <a:pPr indent="0" lvl="0" marL="0" rtl="0" algn="ctr">
+            <a:pPr marL="0" lvl="0" indent="0" algn="ctr" rtl="0">
               <a:lnSpc>
                 <a:spcPct val="115000"/>
               </a:lnSpc>
@@ -8324,10 +8537,10 @@
               <a:buNone/>
             </a:pPr>
             <a:r>
-              <a:rPr b="1" lang="en" sz="1800"/>
+              <a:rPr lang="en" sz="1800" b="1"/>
               <a:t>Decision Analysis</a:t>
             </a:r>
-            <a:endParaRPr b="1" sz="1800"/>
+            <a:endParaRPr sz="1800" b="1"/>
           </a:p>
         </p:txBody>
       </p:sp>
@@ -8353,12 +8566,12 @@
           </a:ln>
         </p:spPr>
         <p:txBody>
-          <a:bodyPr anchorCtr="0" anchor="ctr" bIns="34275" lIns="68575" spcFirstLastPara="1" rIns="68575" wrap="square" tIns="34275">
+          <a:bodyPr spcFirstLastPara="1" wrap="square" lIns="68575" tIns="34275" rIns="68575" bIns="34275" anchor="ctr" anchorCtr="0">
             <a:noAutofit/>
           </a:bodyPr>
           <a:lstStyle/>
           <a:p>
-            <a:pPr indent="0" lvl="0" marL="0" rtl="0" algn="ctr">
+            <a:pPr marL="0" lvl="0" indent="0" algn="ctr" rtl="0">
               <a:lnSpc>
                 <a:spcPct val="115000"/>
               </a:lnSpc>
@@ -8372,10 +8585,10 @@
               <a:buNone/>
             </a:pPr>
             <a:r>
-              <a:rPr b="1" lang="en" sz="1800"/>
+              <a:rPr lang="en" sz="1800" b="1"/>
               <a:t>R</a:t>
             </a:r>
-            <a:endParaRPr b="1" sz="1800"/>
+            <a:endParaRPr sz="1800" b="1"/>
           </a:p>
         </p:txBody>
       </p:sp>
@@ -8401,12 +8614,12 @@
           </a:ln>
         </p:spPr>
         <p:txBody>
-          <a:bodyPr anchorCtr="0" anchor="ctr" bIns="34275" lIns="68575" spcFirstLastPara="1" rIns="68575" wrap="square" tIns="34275">
+          <a:bodyPr spcFirstLastPara="1" wrap="square" lIns="68575" tIns="34275" rIns="68575" bIns="34275" anchor="ctr" anchorCtr="0">
             <a:noAutofit/>
           </a:bodyPr>
           <a:lstStyle/>
           <a:p>
-            <a:pPr indent="0" lvl="0" marL="0" rtl="0" algn="ctr">
+            <a:pPr marL="0" lvl="0" indent="0" algn="ctr" rtl="0">
               <a:lnSpc>
                 <a:spcPct val="115000"/>
               </a:lnSpc>
@@ -8420,10 +8633,10 @@
               <a:buNone/>
             </a:pPr>
             <a:r>
-              <a:rPr b="1" lang="en" sz="1800"/>
+              <a:rPr lang="en" sz="1800" b="1"/>
               <a:t>Programming</a:t>
             </a:r>
-            <a:endParaRPr b="1" sz="1800"/>
+            <a:endParaRPr sz="1800" b="1"/>
           </a:p>
         </p:txBody>
       </p:sp>
@@ -8449,12 +8662,12 @@
           </a:ln>
         </p:spPr>
         <p:txBody>
-          <a:bodyPr anchorCtr="0" anchor="ctr" bIns="34275" lIns="68575" spcFirstLastPara="1" rIns="68575" wrap="square" tIns="34275">
+          <a:bodyPr spcFirstLastPara="1" wrap="square" lIns="68575" tIns="34275" rIns="68575" bIns="34275" anchor="ctr" anchorCtr="0">
             <a:noAutofit/>
           </a:bodyPr>
           <a:lstStyle/>
           <a:p>
-            <a:pPr indent="0" lvl="0" marL="0" rtl="0" algn="ctr">
+            <a:pPr marL="0" lvl="0" indent="0" algn="ctr" rtl="0">
               <a:lnSpc>
                 <a:spcPct val="115000"/>
               </a:lnSpc>
@@ -8468,19 +8681,21 @@
               <a:buNone/>
             </a:pPr>
             <a:r>
-              <a:rPr b="1" lang="en" sz="1800"/>
+              <a:rPr lang="en" sz="1800" b="1"/>
               <a:t>Ethnobotany</a:t>
             </a:r>
-            <a:endParaRPr b="1" sz="1800"/>
+            <a:endParaRPr sz="1800" b="1"/>
           </a:p>
         </p:txBody>
       </p:sp>
       <p:sp>
         <p:nvSpPr>
           <p:cNvPr id="127" name="Google Shape;127;p17"/>
-          <p:cNvSpPr txBox="1"/>
+          <p:cNvSpPr txBox="1">
+            <a:spLocks noGrp="1"/>
+          </p:cNvSpPr>
           <p:nvPr>
-            <p:ph idx="12" type="sldNum"/>
+            <p:ph type="sldNum" idx="12"/>
           </p:nvPr>
         </p:nvSpPr>
         <p:spPr>
@@ -8493,12 +8708,12 @@
           </a:prstGeom>
         </p:spPr>
         <p:txBody>
-          <a:bodyPr anchorCtr="0" anchor="ctr" bIns="91425" lIns="91425" spcFirstLastPara="1" rIns="91425" wrap="square" tIns="91425">
+          <a:bodyPr spcFirstLastPara="1" wrap="square" lIns="91425" tIns="91425" rIns="91425" bIns="91425" anchor="ctr" anchorCtr="0">
             <a:noAutofit/>
           </a:bodyPr>
           <a:lstStyle/>
           <a:p>
-            <a:pPr indent="0" lvl="0" marL="0" rtl="0" algn="r">
+            <a:pPr marL="0" lvl="0" indent="0" algn="r" rtl="0">
               <a:spcBef>
                 <a:spcPts val="0"/>
               </a:spcBef>
@@ -8509,7 +8724,7 @@
             </a:pPr>
             <a:fld id="{00000000-1234-1234-1234-123412341234}" type="slidenum">
               <a:rPr lang="en"/>
-              <a:t>‹#›</a:t>
+              <a:t>5</a:t>
             </a:fld>
             <a:endParaRPr/>
           </a:p>
@@ -8524,11 +8739,11 @@
 </file>
 
 <file path=ppt/slides/slide6.xml><?xml version="1.0" encoding="utf-8"?>
-<p:sld xmlns:a="http://schemas.openxmlformats.org/drawingml/2006/main" xmlns:r="http://schemas.openxmlformats.org/officeDocument/2006/relationships" xmlns:mc="http://schemas.openxmlformats.org/markup-compatibility/2006" xmlns:mv="urn:schemas-microsoft-com:mac:vml" xmlns:p="http://schemas.openxmlformats.org/presentationml/2006/main" xmlns:c="http://schemas.openxmlformats.org/drawingml/2006/chart" xmlns:dgm="http://schemas.openxmlformats.org/drawingml/2006/diagram" xmlns:o="urn:schemas-microsoft-com:office:office" xmlns:v="urn:schemas-microsoft-com:vml" xmlns:pvml="urn:schemas-microsoft-com:office:powerpoint" xmlns:com="http://schemas.openxmlformats.org/drawingml/2006/compatibility" xmlns:p14="http://schemas.microsoft.com/office/powerpoint/2010/main" xmlns:p15="http://schemas.microsoft.com/office/powerpoint/2012/main">
+<p:sld xmlns:a="http://schemas.openxmlformats.org/drawingml/2006/main" xmlns:r="http://schemas.openxmlformats.org/officeDocument/2006/relationships" xmlns:p="http://schemas.openxmlformats.org/presentationml/2006/main">
   <p:cSld>
     <p:spTree>
       <p:nvGrpSpPr>
-        <p:cNvPr id="131" name="Shape 131"/>
+        <p:cNvPr id="1" name="Shape 131"/>
         <p:cNvGrpSpPr/>
         <p:nvPr/>
       </p:nvGrpSpPr>
@@ -8547,8 +8762,13 @@
           <p:nvPr/>
         </p:nvPicPr>
         <p:blipFill>
-          <a:blip r:embed="rId3">
+          <a:blip r:embed="rId3" cstate="screen">
             <a:alphaModFix/>
+            <a:extLst>
+              <a:ext uri="{28A0092B-C50C-407E-A947-70E740481C1C}">
+                <a14:useLocalDpi xmlns:a14="http://schemas.microsoft.com/office/drawing/2010/main"/>
+              </a:ext>
+            </a:extLst>
           </a:blip>
           <a:stretch>
             <a:fillRect/>
@@ -8571,9 +8791,11 @@
       <p:sp>
         <p:nvSpPr>
           <p:cNvPr id="133" name="Google Shape;133;p18"/>
-          <p:cNvSpPr txBox="1"/>
+          <p:cNvSpPr txBox="1">
+            <a:spLocks noGrp="1"/>
+          </p:cNvSpPr>
           <p:nvPr>
-            <p:ph idx="4294967295" type="body"/>
+            <p:ph type="body" idx="4294967295"/>
           </p:nvPr>
         </p:nvSpPr>
         <p:spPr>
@@ -8586,12 +8808,12 @@
           </a:prstGeom>
         </p:spPr>
         <p:txBody>
-          <a:bodyPr anchorCtr="0" anchor="t" bIns="91425" lIns="91425" spcFirstLastPara="1" rIns="91425" wrap="square" tIns="91425">
+          <a:bodyPr spcFirstLastPara="1" wrap="square" lIns="91425" tIns="91425" rIns="91425" bIns="91425" anchor="t" anchorCtr="0">
             <a:noAutofit/>
           </a:bodyPr>
           <a:lstStyle/>
           <a:p>
-            <a:pPr indent="0" lvl="0" marL="0" rtl="0" algn="l">
+            <a:pPr marL="0" lvl="0" indent="0" algn="l" rtl="0">
               <a:spcBef>
                 <a:spcPts val="0"/>
               </a:spcBef>
@@ -8633,12 +8855,12 @@
           </a:ln>
         </p:spPr>
         <p:txBody>
-          <a:bodyPr anchorCtr="0" anchor="t" bIns="91425" lIns="91425" spcFirstLastPara="1" rIns="91425" wrap="square" tIns="91425">
+          <a:bodyPr spcFirstLastPara="1" wrap="square" lIns="91425" tIns="91425" rIns="91425" bIns="91425" anchor="t" anchorCtr="0">
             <a:noAutofit/>
           </a:bodyPr>
           <a:lstStyle/>
           <a:p>
-            <a:pPr indent="0" lvl="0" marL="0" rtl="0" algn="l">
+            <a:pPr marL="0" lvl="0" indent="0" algn="l" rtl="0">
               <a:spcBef>
                 <a:spcPts val="0"/>
               </a:spcBef>
@@ -8680,12 +8902,12 @@
           </a:ln>
         </p:spPr>
         <p:txBody>
-          <a:bodyPr anchorCtr="0" anchor="t" bIns="91425" lIns="91425" spcFirstLastPara="1" rIns="91425" wrap="square" tIns="91425">
+          <a:bodyPr spcFirstLastPara="1" wrap="square" lIns="91425" tIns="91425" rIns="91425" bIns="91425" anchor="t" anchorCtr="0">
             <a:noAutofit/>
           </a:bodyPr>
           <a:lstStyle/>
           <a:p>
-            <a:pPr indent="0" lvl="0" marL="0" rtl="0" algn="l">
+            <a:pPr marL="0" lvl="0" indent="0" algn="l" rtl="0">
               <a:lnSpc>
                 <a:spcPct val="113207"/>
               </a:lnSpc>
@@ -8716,9 +8938,11 @@
       <p:sp>
         <p:nvSpPr>
           <p:cNvPr id="136" name="Google Shape;136;p18"/>
-          <p:cNvSpPr txBox="1"/>
+          <p:cNvSpPr txBox="1">
+            <a:spLocks noGrp="1"/>
+          </p:cNvSpPr>
           <p:nvPr>
-            <p:ph idx="12" type="sldNum"/>
+            <p:ph type="sldNum" idx="12"/>
           </p:nvPr>
         </p:nvSpPr>
         <p:spPr>
@@ -8731,12 +8955,12 @@
           </a:prstGeom>
         </p:spPr>
         <p:txBody>
-          <a:bodyPr anchorCtr="0" anchor="ctr" bIns="91425" lIns="91425" spcFirstLastPara="1" rIns="91425" wrap="square" tIns="91425">
+          <a:bodyPr spcFirstLastPara="1" wrap="square" lIns="91425" tIns="91425" rIns="91425" bIns="91425" anchor="ctr" anchorCtr="0">
             <a:noAutofit/>
           </a:bodyPr>
           <a:lstStyle/>
           <a:p>
-            <a:pPr indent="0" lvl="0" marL="0" rtl="0" algn="r">
+            <a:pPr marL="0" lvl="0" indent="0" algn="r" rtl="0">
               <a:spcBef>
                 <a:spcPts val="0"/>
               </a:spcBef>
@@ -8747,7 +8971,7 @@
             </a:pPr>
             <a:fld id="{00000000-1234-1234-1234-123412341234}" type="slidenum">
               <a:rPr lang="en"/>
-              <a:t>‹#›</a:t>
+              <a:t>6</a:t>
             </a:fld>
             <a:endParaRPr/>
           </a:p>
@@ -8762,7 +8986,7 @@
 </file>
 
 <file path=ppt/theme/theme1.xml><?xml version="1.0" encoding="utf-8"?>
-<a:theme xmlns:a="http://schemas.openxmlformats.org/drawingml/2006/main" xmlns:r="http://schemas.openxmlformats.org/officeDocument/2006/relationships" name="Simple Light">
+<a:theme xmlns:a="http://schemas.openxmlformats.org/drawingml/2006/main" name="Simple Light">
   <a:themeElements>
     <a:clrScheme name="Simple Light">
       <a:dk1>
@@ -9037,11 +9261,13 @@
       </a:bgFillStyleLst>
     </a:fmtScheme>
   </a:themeElements>
+  <a:objectDefaults/>
+  <a:extraClrSchemeLst/>
 </a:theme>
 </file>
 
 <file path=ppt/theme/theme2.xml><?xml version="1.0" encoding="utf-8"?>
-<a:theme xmlns:a="http://schemas.openxmlformats.org/drawingml/2006/main" xmlns:r="http://schemas.openxmlformats.org/officeDocument/2006/relationships">
+<a:theme xmlns:a="http://schemas.openxmlformats.org/drawingml/2006/main">
   <a:themeElements>
     <a:clrScheme name="Default">
       <a:dk1>
@@ -9316,5 +9542,7 @@
       </a:bgFillStyleLst>
     </a:fmtScheme>
   </a:themeElements>
+  <a:objectDefaults/>
+  <a:extraClrSchemeLst/>
 </a:theme>
 </file>